--- a/Занятие 1.pptx
+++ b/Занятие 1.pptx
@@ -4,6 +4,9 @@
   <p:sldMasterIdLst>
     <p:sldMasterId id="2147483660" r:id="rId1"/>
   </p:sldMasterIdLst>
+  <p:notesMasterIdLst>
+    <p:notesMasterId r:id="rId38"/>
+  </p:notesMasterIdLst>
   <p:sldIdLst>
     <p:sldId id="256" r:id="rId2"/>
     <p:sldId id="257" r:id="rId3"/>
@@ -12,29 +15,35 @@
     <p:sldId id="260" r:id="rId6"/>
     <p:sldId id="261" r:id="rId7"/>
     <p:sldId id="262" r:id="rId8"/>
-    <p:sldId id="263" r:id="rId9"/>
-    <p:sldId id="264" r:id="rId10"/>
-    <p:sldId id="265" r:id="rId11"/>
-    <p:sldId id="266" r:id="rId12"/>
-    <p:sldId id="267" r:id="rId13"/>
-    <p:sldId id="268" r:id="rId14"/>
-    <p:sldId id="269" r:id="rId15"/>
-    <p:sldId id="270" r:id="rId16"/>
-    <p:sldId id="271" r:id="rId17"/>
-    <p:sldId id="272" r:id="rId18"/>
-    <p:sldId id="273" r:id="rId19"/>
-    <p:sldId id="274" r:id="rId20"/>
-    <p:sldId id="275" r:id="rId21"/>
-    <p:sldId id="276" r:id="rId22"/>
-    <p:sldId id="277" r:id="rId23"/>
-    <p:sldId id="278" r:id="rId24"/>
-    <p:sldId id="279" r:id="rId25"/>
-    <p:sldId id="280" r:id="rId26"/>
-    <p:sldId id="281" r:id="rId27"/>
-    <p:sldId id="282" r:id="rId28"/>
-    <p:sldId id="283" r:id="rId29"/>
-    <p:sldId id="284" r:id="rId30"/>
-    <p:sldId id="285" r:id="rId31"/>
+    <p:sldId id="264" r:id="rId9"/>
+    <p:sldId id="286" r:id="rId10"/>
+    <p:sldId id="287" r:id="rId11"/>
+    <p:sldId id="263" r:id="rId12"/>
+    <p:sldId id="288" r:id="rId13"/>
+    <p:sldId id="289" r:id="rId14"/>
+    <p:sldId id="266" r:id="rId15"/>
+    <p:sldId id="265" r:id="rId16"/>
+    <p:sldId id="267" r:id="rId17"/>
+    <p:sldId id="268" r:id="rId18"/>
+    <p:sldId id="269" r:id="rId19"/>
+    <p:sldId id="270" r:id="rId20"/>
+    <p:sldId id="271" r:id="rId21"/>
+    <p:sldId id="272" r:id="rId22"/>
+    <p:sldId id="273" r:id="rId23"/>
+    <p:sldId id="274" r:id="rId24"/>
+    <p:sldId id="275" r:id="rId25"/>
+    <p:sldId id="276" r:id="rId26"/>
+    <p:sldId id="277" r:id="rId27"/>
+    <p:sldId id="278" r:id="rId28"/>
+    <p:sldId id="290" r:id="rId29"/>
+    <p:sldId id="279" r:id="rId30"/>
+    <p:sldId id="291" r:id="rId31"/>
+    <p:sldId id="280" r:id="rId32"/>
+    <p:sldId id="281" r:id="rId33"/>
+    <p:sldId id="282" r:id="rId34"/>
+    <p:sldId id="283" r:id="rId35"/>
+    <p:sldId id="284" r:id="rId36"/>
+    <p:sldId id="285" r:id="rId37"/>
   </p:sldIdLst>
   <p:sldSz cx="12192000" cy="6858000"/>
   <p:notesSz cx="6858000" cy="9144000"/>
@@ -133,6 +142,11 @@
       </a:defRPr>
     </a:lvl9pPr>
   </p:defaultTextStyle>
+  <p:extLst>
+    <p:ext uri="{EFAFB233-063F-42B5-8137-9DF3F51BA10A}">
+      <p15:sldGuideLst xmlns:p15="http://schemas.microsoft.com/office/powerpoint/2012/main"/>
+    </p:ext>
+  </p:extLst>
 </p:presentation>
 </file>
 
@@ -146,6 +160,3381 @@
     </p:extLst>
   </p:cmAuthor>
 </p:cmAuthorLst>
+</file>
+
+<file path=ppt/notesMasters/notesMaster1.xml><?xml version="1.0" encoding="utf-8"?>
+<p:notesMaster xmlns:a="http://schemas.openxmlformats.org/drawingml/2006/main" xmlns:r="http://schemas.openxmlformats.org/officeDocument/2006/relationships" xmlns:p="http://schemas.openxmlformats.org/presentationml/2006/main">
+  <p:cSld>
+    <p:bg>
+      <p:bgRef idx="1001">
+        <a:schemeClr val="bg1"/>
+      </p:bgRef>
+    </p:bg>
+    <p:spTree>
+      <p:nvGrpSpPr>
+        <p:cNvPr id="1" name=""/>
+        <p:cNvGrpSpPr/>
+        <p:nvPr/>
+      </p:nvGrpSpPr>
+      <p:grpSpPr>
+        <a:xfrm>
+          <a:off x="0" y="0"/>
+          <a:ext cx="0" cy="0"/>
+          <a:chOff x="0" y="0"/>
+          <a:chExt cx="0" cy="0"/>
+        </a:xfrm>
+      </p:grpSpPr>
+      <p:sp>
+        <p:nvSpPr>
+          <p:cNvPr id="2" name="Header Placeholder 1"/>
+          <p:cNvSpPr>
+            <a:spLocks noGrp="1"/>
+          </p:cNvSpPr>
+          <p:nvPr>
+            <p:ph type="hdr" sz="quarter"/>
+          </p:nvPr>
+        </p:nvSpPr>
+        <p:spPr>
+          <a:xfrm>
+            <a:off x="0" y="0"/>
+            <a:ext cx="2971800" cy="458788"/>
+          </a:xfrm>
+          <a:prstGeom prst="rect">
+            <a:avLst/>
+          </a:prstGeom>
+        </p:spPr>
+        <p:txBody>
+          <a:bodyPr vert="horz" lIns="91440" tIns="45720" rIns="91440" bIns="45720" rtlCol="0"/>
+          <a:lstStyle>
+            <a:lvl1pPr algn="l">
+              <a:defRPr sz="1200"/>
+            </a:lvl1pPr>
+          </a:lstStyle>
+          <a:p>
+            <a:endParaRPr lang="en-US"/>
+          </a:p>
+        </p:txBody>
+      </p:sp>
+      <p:sp>
+        <p:nvSpPr>
+          <p:cNvPr id="3" name="Date Placeholder 2"/>
+          <p:cNvSpPr>
+            <a:spLocks noGrp="1"/>
+          </p:cNvSpPr>
+          <p:nvPr>
+            <p:ph type="dt" idx="1"/>
+          </p:nvPr>
+        </p:nvSpPr>
+        <p:spPr>
+          <a:xfrm>
+            <a:off x="3884613" y="0"/>
+            <a:ext cx="2971800" cy="458788"/>
+          </a:xfrm>
+          <a:prstGeom prst="rect">
+            <a:avLst/>
+          </a:prstGeom>
+        </p:spPr>
+        <p:txBody>
+          <a:bodyPr vert="horz" lIns="91440" tIns="45720" rIns="91440" bIns="45720" rtlCol="0"/>
+          <a:lstStyle>
+            <a:lvl1pPr algn="r">
+              <a:defRPr sz="1200"/>
+            </a:lvl1pPr>
+          </a:lstStyle>
+          <a:p>
+            <a:fld id="{29DDC87B-8C4C-4AD5-8A6A-3CDAE89B9DDA}" type="datetimeFigureOut">
+              <a:rPr lang="en-US" smtClean="0"/>
+              <a:t>9/2/2021</a:t>
+            </a:fld>
+            <a:endParaRPr lang="en-US"/>
+          </a:p>
+        </p:txBody>
+      </p:sp>
+      <p:sp>
+        <p:nvSpPr>
+          <p:cNvPr id="4" name="Slide Image Placeholder 3"/>
+          <p:cNvSpPr>
+            <a:spLocks noGrp="1" noRot="1" noChangeAspect="1"/>
+          </p:cNvSpPr>
+          <p:nvPr>
+            <p:ph type="sldImg" idx="2"/>
+          </p:nvPr>
+        </p:nvSpPr>
+        <p:spPr>
+          <a:xfrm>
+            <a:off x="685800" y="1143000"/>
+            <a:ext cx="5486400" cy="3086100"/>
+          </a:xfrm>
+          <a:prstGeom prst="rect">
+            <a:avLst/>
+          </a:prstGeom>
+          <a:noFill/>
+          <a:ln w="12700">
+            <a:solidFill>
+              <a:prstClr val="black"/>
+            </a:solidFill>
+          </a:ln>
+        </p:spPr>
+        <p:txBody>
+          <a:bodyPr vert="horz" lIns="91440" tIns="45720" rIns="91440" bIns="45720" rtlCol="0" anchor="ctr"/>
+          <a:lstStyle/>
+          <a:p>
+            <a:endParaRPr lang="en-US"/>
+          </a:p>
+        </p:txBody>
+      </p:sp>
+      <p:sp>
+        <p:nvSpPr>
+          <p:cNvPr id="5" name="Notes Placeholder 4"/>
+          <p:cNvSpPr>
+            <a:spLocks noGrp="1"/>
+          </p:cNvSpPr>
+          <p:nvPr>
+            <p:ph type="body" sz="quarter" idx="3"/>
+          </p:nvPr>
+        </p:nvSpPr>
+        <p:spPr>
+          <a:xfrm>
+            <a:off x="685800" y="4400550"/>
+            <a:ext cx="5486400" cy="3600450"/>
+          </a:xfrm>
+          <a:prstGeom prst="rect">
+            <a:avLst/>
+          </a:prstGeom>
+        </p:spPr>
+        <p:txBody>
+          <a:bodyPr vert="horz" lIns="91440" tIns="45720" rIns="91440" bIns="45720" rtlCol="0"/>
+          <a:lstStyle/>
+          <a:p>
+            <a:pPr lvl="0"/>
+            <a:r>
+              <a:rPr lang="en-US"/>
+              <a:t>Click to edit Master text styles</a:t>
+            </a:r>
+          </a:p>
+          <a:p>
+            <a:pPr lvl="1"/>
+            <a:r>
+              <a:rPr lang="en-US"/>
+              <a:t>Second level</a:t>
+            </a:r>
+          </a:p>
+          <a:p>
+            <a:pPr lvl="2"/>
+            <a:r>
+              <a:rPr lang="en-US"/>
+              <a:t>Third level</a:t>
+            </a:r>
+          </a:p>
+          <a:p>
+            <a:pPr lvl="3"/>
+            <a:r>
+              <a:rPr lang="en-US"/>
+              <a:t>Fourth level</a:t>
+            </a:r>
+          </a:p>
+          <a:p>
+            <a:pPr lvl="4"/>
+            <a:r>
+              <a:rPr lang="en-US"/>
+              <a:t>Fifth level</a:t>
+            </a:r>
+          </a:p>
+        </p:txBody>
+      </p:sp>
+      <p:sp>
+        <p:nvSpPr>
+          <p:cNvPr id="6" name="Footer Placeholder 5"/>
+          <p:cNvSpPr>
+            <a:spLocks noGrp="1"/>
+          </p:cNvSpPr>
+          <p:nvPr>
+            <p:ph type="ftr" sz="quarter" idx="4"/>
+          </p:nvPr>
+        </p:nvSpPr>
+        <p:spPr>
+          <a:xfrm>
+            <a:off x="0" y="8685213"/>
+            <a:ext cx="2971800" cy="458787"/>
+          </a:xfrm>
+          <a:prstGeom prst="rect">
+            <a:avLst/>
+          </a:prstGeom>
+        </p:spPr>
+        <p:txBody>
+          <a:bodyPr vert="horz" lIns="91440" tIns="45720" rIns="91440" bIns="45720" rtlCol="0" anchor="b"/>
+          <a:lstStyle>
+            <a:lvl1pPr algn="l">
+              <a:defRPr sz="1200"/>
+            </a:lvl1pPr>
+          </a:lstStyle>
+          <a:p>
+            <a:endParaRPr lang="en-US"/>
+          </a:p>
+        </p:txBody>
+      </p:sp>
+      <p:sp>
+        <p:nvSpPr>
+          <p:cNvPr id="7" name="Slide Number Placeholder 6"/>
+          <p:cNvSpPr>
+            <a:spLocks noGrp="1"/>
+          </p:cNvSpPr>
+          <p:nvPr>
+            <p:ph type="sldNum" sz="quarter" idx="5"/>
+          </p:nvPr>
+        </p:nvSpPr>
+        <p:spPr>
+          <a:xfrm>
+            <a:off x="3884613" y="8685213"/>
+            <a:ext cx="2971800" cy="458787"/>
+          </a:xfrm>
+          <a:prstGeom prst="rect">
+            <a:avLst/>
+          </a:prstGeom>
+        </p:spPr>
+        <p:txBody>
+          <a:bodyPr vert="horz" lIns="91440" tIns="45720" rIns="91440" bIns="45720" rtlCol="0" anchor="b"/>
+          <a:lstStyle>
+            <a:lvl1pPr algn="r">
+              <a:defRPr sz="1200"/>
+            </a:lvl1pPr>
+          </a:lstStyle>
+          <a:p>
+            <a:fld id="{48C984AE-A603-4044-BF5B-25A43A0CB870}" type="slidenum">
+              <a:rPr lang="en-US" smtClean="0"/>
+              <a:t>‹#›</a:t>
+            </a:fld>
+            <a:endParaRPr lang="en-US"/>
+          </a:p>
+        </p:txBody>
+      </p:sp>
+    </p:spTree>
+    <p:extLst>
+      <p:ext uri="{BB962C8B-B14F-4D97-AF65-F5344CB8AC3E}">
+        <p14:creationId xmlns:p14="http://schemas.microsoft.com/office/powerpoint/2010/main" val="795017890"/>
+      </p:ext>
+    </p:extLst>
+  </p:cSld>
+  <p:clrMap bg1="lt1" tx1="dk1" bg2="lt2" tx2="dk2" accent1="accent1" accent2="accent2" accent3="accent3" accent4="accent4" accent5="accent5" accent6="accent6" hlink="hlink" folHlink="folHlink"/>
+  <p:notesStyle>
+    <a:lvl1pPr marL="0" algn="l" defTabSz="914400" rtl="0" eaLnBrk="1" latinLnBrk="0" hangingPunct="1">
+      <a:defRPr sz="1200" kern="1200">
+        <a:solidFill>
+          <a:schemeClr val="tx1"/>
+        </a:solidFill>
+        <a:latin typeface="+mn-lt"/>
+        <a:ea typeface="+mn-ea"/>
+        <a:cs typeface="+mn-cs"/>
+      </a:defRPr>
+    </a:lvl1pPr>
+    <a:lvl2pPr marL="457200" algn="l" defTabSz="914400" rtl="0" eaLnBrk="1" latinLnBrk="0" hangingPunct="1">
+      <a:defRPr sz="1200" kern="1200">
+        <a:solidFill>
+          <a:schemeClr val="tx1"/>
+        </a:solidFill>
+        <a:latin typeface="+mn-lt"/>
+        <a:ea typeface="+mn-ea"/>
+        <a:cs typeface="+mn-cs"/>
+      </a:defRPr>
+    </a:lvl2pPr>
+    <a:lvl3pPr marL="914400" algn="l" defTabSz="914400" rtl="0" eaLnBrk="1" latinLnBrk="0" hangingPunct="1">
+      <a:defRPr sz="1200" kern="1200">
+        <a:solidFill>
+          <a:schemeClr val="tx1"/>
+        </a:solidFill>
+        <a:latin typeface="+mn-lt"/>
+        <a:ea typeface="+mn-ea"/>
+        <a:cs typeface="+mn-cs"/>
+      </a:defRPr>
+    </a:lvl3pPr>
+    <a:lvl4pPr marL="1371600" algn="l" defTabSz="914400" rtl="0" eaLnBrk="1" latinLnBrk="0" hangingPunct="1">
+      <a:defRPr sz="1200" kern="1200">
+        <a:solidFill>
+          <a:schemeClr val="tx1"/>
+        </a:solidFill>
+        <a:latin typeface="+mn-lt"/>
+        <a:ea typeface="+mn-ea"/>
+        <a:cs typeface="+mn-cs"/>
+      </a:defRPr>
+    </a:lvl4pPr>
+    <a:lvl5pPr marL="1828800" algn="l" defTabSz="914400" rtl="0" eaLnBrk="1" latinLnBrk="0" hangingPunct="1">
+      <a:defRPr sz="1200" kern="1200">
+        <a:solidFill>
+          <a:schemeClr val="tx1"/>
+        </a:solidFill>
+        <a:latin typeface="+mn-lt"/>
+        <a:ea typeface="+mn-ea"/>
+        <a:cs typeface="+mn-cs"/>
+      </a:defRPr>
+    </a:lvl5pPr>
+    <a:lvl6pPr marL="2286000" algn="l" defTabSz="914400" rtl="0" eaLnBrk="1" latinLnBrk="0" hangingPunct="1">
+      <a:defRPr sz="1200" kern="1200">
+        <a:solidFill>
+          <a:schemeClr val="tx1"/>
+        </a:solidFill>
+        <a:latin typeface="+mn-lt"/>
+        <a:ea typeface="+mn-ea"/>
+        <a:cs typeface="+mn-cs"/>
+      </a:defRPr>
+    </a:lvl6pPr>
+    <a:lvl7pPr marL="2743200" algn="l" defTabSz="914400" rtl="0" eaLnBrk="1" latinLnBrk="0" hangingPunct="1">
+      <a:defRPr sz="1200" kern="1200">
+        <a:solidFill>
+          <a:schemeClr val="tx1"/>
+        </a:solidFill>
+        <a:latin typeface="+mn-lt"/>
+        <a:ea typeface="+mn-ea"/>
+        <a:cs typeface="+mn-cs"/>
+      </a:defRPr>
+    </a:lvl7pPr>
+    <a:lvl8pPr marL="3200400" algn="l" defTabSz="914400" rtl="0" eaLnBrk="1" latinLnBrk="0" hangingPunct="1">
+      <a:defRPr sz="1200" kern="1200">
+        <a:solidFill>
+          <a:schemeClr val="tx1"/>
+        </a:solidFill>
+        <a:latin typeface="+mn-lt"/>
+        <a:ea typeface="+mn-ea"/>
+        <a:cs typeface="+mn-cs"/>
+      </a:defRPr>
+    </a:lvl8pPr>
+    <a:lvl9pPr marL="3657600" algn="l" defTabSz="914400" rtl="0" eaLnBrk="1" latinLnBrk="0" hangingPunct="1">
+      <a:defRPr sz="1200" kern="1200">
+        <a:solidFill>
+          <a:schemeClr val="tx1"/>
+        </a:solidFill>
+        <a:latin typeface="+mn-lt"/>
+        <a:ea typeface="+mn-ea"/>
+        <a:cs typeface="+mn-cs"/>
+      </a:defRPr>
+    </a:lvl9pPr>
+  </p:notesStyle>
+</p:notesMaster>
+</file>
+
+<file path=ppt/notesSlides/notesSlide1.xml><?xml version="1.0" encoding="utf-8"?>
+<p:notes xmlns:a="http://schemas.openxmlformats.org/drawingml/2006/main" xmlns:r="http://schemas.openxmlformats.org/officeDocument/2006/relationships" xmlns:p="http://schemas.openxmlformats.org/presentationml/2006/main">
+  <p:cSld>
+    <p:spTree>
+      <p:nvGrpSpPr>
+        <p:cNvPr id="1" name=""/>
+        <p:cNvGrpSpPr/>
+        <p:nvPr/>
+      </p:nvGrpSpPr>
+      <p:grpSpPr>
+        <a:xfrm>
+          <a:off x="0" y="0"/>
+          <a:ext cx="0" cy="0"/>
+          <a:chOff x="0" y="0"/>
+          <a:chExt cx="0" cy="0"/>
+        </a:xfrm>
+      </p:grpSpPr>
+      <p:sp>
+        <p:nvSpPr>
+          <p:cNvPr id="2" name="Slide Image Placeholder 1"/>
+          <p:cNvSpPr>
+            <a:spLocks noGrp="1" noRot="1" noChangeAspect="1"/>
+          </p:cNvSpPr>
+          <p:nvPr>
+            <p:ph type="sldImg"/>
+          </p:nvPr>
+        </p:nvSpPr>
+        <p:spPr/>
+      </p:sp>
+      <p:sp>
+        <p:nvSpPr>
+          <p:cNvPr id="3" name="Notes Placeholder 2"/>
+          <p:cNvSpPr>
+            <a:spLocks noGrp="1"/>
+          </p:cNvSpPr>
+          <p:nvPr>
+            <p:ph type="body" idx="1"/>
+          </p:nvPr>
+        </p:nvSpPr>
+        <p:spPr/>
+        <p:txBody>
+          <a:bodyPr/>
+          <a:lstStyle/>
+          <a:p>
+            <a:endParaRPr lang="en-US" dirty="0"/>
+          </a:p>
+        </p:txBody>
+      </p:sp>
+      <p:sp>
+        <p:nvSpPr>
+          <p:cNvPr id="4" name="Slide Number Placeholder 3"/>
+          <p:cNvSpPr>
+            <a:spLocks noGrp="1"/>
+          </p:cNvSpPr>
+          <p:nvPr>
+            <p:ph type="sldNum" sz="quarter" idx="5"/>
+          </p:nvPr>
+        </p:nvSpPr>
+        <p:spPr/>
+        <p:txBody>
+          <a:bodyPr/>
+          <a:lstStyle/>
+          <a:p>
+            <a:fld id="{48C984AE-A603-4044-BF5B-25A43A0CB870}" type="slidenum">
+              <a:rPr lang="en-US" smtClean="0"/>
+              <a:t>1</a:t>
+            </a:fld>
+            <a:endParaRPr lang="en-US"/>
+          </a:p>
+        </p:txBody>
+      </p:sp>
+    </p:spTree>
+    <p:extLst>
+      <p:ext uri="{BB962C8B-B14F-4D97-AF65-F5344CB8AC3E}">
+        <p14:creationId xmlns:p14="http://schemas.microsoft.com/office/powerpoint/2010/main" val="1482486442"/>
+      </p:ext>
+    </p:extLst>
+  </p:cSld>
+  <p:clrMapOvr>
+    <a:masterClrMapping/>
+  </p:clrMapOvr>
+</p:notes>
+</file>
+
+<file path=ppt/notesSlides/notesSlide10.xml><?xml version="1.0" encoding="utf-8"?>
+<p:notes xmlns:a="http://schemas.openxmlformats.org/drawingml/2006/main" xmlns:r="http://schemas.openxmlformats.org/officeDocument/2006/relationships" xmlns:p="http://schemas.openxmlformats.org/presentationml/2006/main">
+  <p:cSld>
+    <p:spTree>
+      <p:nvGrpSpPr>
+        <p:cNvPr id="1" name=""/>
+        <p:cNvGrpSpPr/>
+        <p:nvPr/>
+      </p:nvGrpSpPr>
+      <p:grpSpPr>
+        <a:xfrm>
+          <a:off x="0" y="0"/>
+          <a:ext cx="0" cy="0"/>
+          <a:chOff x="0" y="0"/>
+          <a:chExt cx="0" cy="0"/>
+        </a:xfrm>
+      </p:grpSpPr>
+      <p:sp>
+        <p:nvSpPr>
+          <p:cNvPr id="2" name="Slide Image Placeholder 1"/>
+          <p:cNvSpPr>
+            <a:spLocks noGrp="1" noRot="1" noChangeAspect="1"/>
+          </p:cNvSpPr>
+          <p:nvPr>
+            <p:ph type="sldImg"/>
+          </p:nvPr>
+        </p:nvSpPr>
+        <p:spPr/>
+      </p:sp>
+      <p:sp>
+        <p:nvSpPr>
+          <p:cNvPr id="3" name="Notes Placeholder 2"/>
+          <p:cNvSpPr>
+            <a:spLocks noGrp="1"/>
+          </p:cNvSpPr>
+          <p:nvPr>
+            <p:ph type="body" idx="1"/>
+          </p:nvPr>
+        </p:nvSpPr>
+        <p:spPr/>
+        <p:txBody>
+          <a:bodyPr/>
+          <a:lstStyle/>
+          <a:p>
+            <a:pPr marL="0" marR="0" lvl="0" indent="0" algn="l" defTabSz="914400" rtl="0" eaLnBrk="1" fontAlgn="auto" latinLnBrk="0" hangingPunct="1">
+              <a:lnSpc>
+                <a:spcPct val="100000"/>
+              </a:lnSpc>
+              <a:spcBef>
+                <a:spcPts val="0"/>
+              </a:spcBef>
+              <a:spcAft>
+                <a:spcPts val="0"/>
+              </a:spcAft>
+              <a:buClrTx/>
+              <a:buSzTx/>
+              <a:buFontTx/>
+              <a:buNone/>
+              <a:tabLst/>
+              <a:defRPr/>
+            </a:pPr>
+            <a:endParaRPr lang="ru-RU" dirty="0"/>
+          </a:p>
+        </p:txBody>
+      </p:sp>
+      <p:sp>
+        <p:nvSpPr>
+          <p:cNvPr id="4" name="Slide Number Placeholder 3"/>
+          <p:cNvSpPr>
+            <a:spLocks noGrp="1"/>
+          </p:cNvSpPr>
+          <p:nvPr>
+            <p:ph type="sldNum" sz="quarter" idx="5"/>
+          </p:nvPr>
+        </p:nvSpPr>
+        <p:spPr/>
+        <p:txBody>
+          <a:bodyPr/>
+          <a:lstStyle/>
+          <a:p>
+            <a:fld id="{48C984AE-A603-4044-BF5B-25A43A0CB870}" type="slidenum">
+              <a:rPr lang="en-US" smtClean="0"/>
+              <a:t>10</a:t>
+            </a:fld>
+            <a:endParaRPr lang="en-US"/>
+          </a:p>
+        </p:txBody>
+      </p:sp>
+    </p:spTree>
+    <p:extLst>
+      <p:ext uri="{BB962C8B-B14F-4D97-AF65-F5344CB8AC3E}">
+        <p14:creationId xmlns:p14="http://schemas.microsoft.com/office/powerpoint/2010/main" val="2776499730"/>
+      </p:ext>
+    </p:extLst>
+  </p:cSld>
+  <p:clrMapOvr>
+    <a:masterClrMapping/>
+  </p:clrMapOvr>
+</p:notes>
+</file>
+
+<file path=ppt/notesSlides/notesSlide11.xml><?xml version="1.0" encoding="utf-8"?>
+<p:notes xmlns:a="http://schemas.openxmlformats.org/drawingml/2006/main" xmlns:r="http://schemas.openxmlformats.org/officeDocument/2006/relationships" xmlns:p="http://schemas.openxmlformats.org/presentationml/2006/main">
+  <p:cSld>
+    <p:spTree>
+      <p:nvGrpSpPr>
+        <p:cNvPr id="1" name=""/>
+        <p:cNvGrpSpPr/>
+        <p:nvPr/>
+      </p:nvGrpSpPr>
+      <p:grpSpPr>
+        <a:xfrm>
+          <a:off x="0" y="0"/>
+          <a:ext cx="0" cy="0"/>
+          <a:chOff x="0" y="0"/>
+          <a:chExt cx="0" cy="0"/>
+        </a:xfrm>
+      </p:grpSpPr>
+      <p:sp>
+        <p:nvSpPr>
+          <p:cNvPr id="2" name="Slide Image Placeholder 1"/>
+          <p:cNvSpPr>
+            <a:spLocks noGrp="1" noRot="1" noChangeAspect="1"/>
+          </p:cNvSpPr>
+          <p:nvPr>
+            <p:ph type="sldImg"/>
+          </p:nvPr>
+        </p:nvSpPr>
+        <p:spPr/>
+      </p:sp>
+      <p:sp>
+        <p:nvSpPr>
+          <p:cNvPr id="3" name="Notes Placeholder 2"/>
+          <p:cNvSpPr>
+            <a:spLocks noGrp="1"/>
+          </p:cNvSpPr>
+          <p:nvPr>
+            <p:ph type="body" idx="1"/>
+          </p:nvPr>
+        </p:nvSpPr>
+        <p:spPr/>
+        <p:txBody>
+          <a:bodyPr/>
+          <a:lstStyle/>
+          <a:p>
+            <a:endParaRPr lang="en-US" dirty="0"/>
+          </a:p>
+        </p:txBody>
+      </p:sp>
+      <p:sp>
+        <p:nvSpPr>
+          <p:cNvPr id="4" name="Slide Number Placeholder 3"/>
+          <p:cNvSpPr>
+            <a:spLocks noGrp="1"/>
+          </p:cNvSpPr>
+          <p:nvPr>
+            <p:ph type="sldNum" sz="quarter" idx="5"/>
+          </p:nvPr>
+        </p:nvSpPr>
+        <p:spPr/>
+        <p:txBody>
+          <a:bodyPr/>
+          <a:lstStyle/>
+          <a:p>
+            <a:fld id="{48C984AE-A603-4044-BF5B-25A43A0CB870}" type="slidenum">
+              <a:rPr lang="en-US" smtClean="0"/>
+              <a:t>11</a:t>
+            </a:fld>
+            <a:endParaRPr lang="en-US"/>
+          </a:p>
+        </p:txBody>
+      </p:sp>
+    </p:spTree>
+    <p:extLst>
+      <p:ext uri="{BB962C8B-B14F-4D97-AF65-F5344CB8AC3E}">
+        <p14:creationId xmlns:p14="http://schemas.microsoft.com/office/powerpoint/2010/main" val="2930309360"/>
+      </p:ext>
+    </p:extLst>
+  </p:cSld>
+  <p:clrMapOvr>
+    <a:masterClrMapping/>
+  </p:clrMapOvr>
+</p:notes>
+</file>
+
+<file path=ppt/notesSlides/notesSlide12.xml><?xml version="1.0" encoding="utf-8"?>
+<p:notes xmlns:a="http://schemas.openxmlformats.org/drawingml/2006/main" xmlns:r="http://schemas.openxmlformats.org/officeDocument/2006/relationships" xmlns:p="http://schemas.openxmlformats.org/presentationml/2006/main">
+  <p:cSld>
+    <p:spTree>
+      <p:nvGrpSpPr>
+        <p:cNvPr id="1" name=""/>
+        <p:cNvGrpSpPr/>
+        <p:nvPr/>
+      </p:nvGrpSpPr>
+      <p:grpSpPr>
+        <a:xfrm>
+          <a:off x="0" y="0"/>
+          <a:ext cx="0" cy="0"/>
+          <a:chOff x="0" y="0"/>
+          <a:chExt cx="0" cy="0"/>
+        </a:xfrm>
+      </p:grpSpPr>
+      <p:sp>
+        <p:nvSpPr>
+          <p:cNvPr id="2" name="Slide Image Placeholder 1"/>
+          <p:cNvSpPr>
+            <a:spLocks noGrp="1" noRot="1" noChangeAspect="1"/>
+          </p:cNvSpPr>
+          <p:nvPr>
+            <p:ph type="sldImg"/>
+          </p:nvPr>
+        </p:nvSpPr>
+        <p:spPr/>
+      </p:sp>
+      <p:sp>
+        <p:nvSpPr>
+          <p:cNvPr id="3" name="Notes Placeholder 2"/>
+          <p:cNvSpPr>
+            <a:spLocks noGrp="1"/>
+          </p:cNvSpPr>
+          <p:nvPr>
+            <p:ph type="body" idx="1"/>
+          </p:nvPr>
+        </p:nvSpPr>
+        <p:spPr/>
+        <p:txBody>
+          <a:bodyPr/>
+          <a:lstStyle/>
+          <a:p>
+            <a:endParaRPr lang="en-US" dirty="0"/>
+          </a:p>
+        </p:txBody>
+      </p:sp>
+      <p:sp>
+        <p:nvSpPr>
+          <p:cNvPr id="4" name="Slide Number Placeholder 3"/>
+          <p:cNvSpPr>
+            <a:spLocks noGrp="1"/>
+          </p:cNvSpPr>
+          <p:nvPr>
+            <p:ph type="sldNum" sz="quarter" idx="5"/>
+          </p:nvPr>
+        </p:nvSpPr>
+        <p:spPr/>
+        <p:txBody>
+          <a:bodyPr/>
+          <a:lstStyle/>
+          <a:p>
+            <a:fld id="{48C984AE-A603-4044-BF5B-25A43A0CB870}" type="slidenum">
+              <a:rPr lang="en-US" smtClean="0"/>
+              <a:t>12</a:t>
+            </a:fld>
+            <a:endParaRPr lang="en-US"/>
+          </a:p>
+        </p:txBody>
+      </p:sp>
+    </p:spTree>
+    <p:extLst>
+      <p:ext uri="{BB962C8B-B14F-4D97-AF65-F5344CB8AC3E}">
+        <p14:creationId xmlns:p14="http://schemas.microsoft.com/office/powerpoint/2010/main" val="3217919994"/>
+      </p:ext>
+    </p:extLst>
+  </p:cSld>
+  <p:clrMapOvr>
+    <a:masterClrMapping/>
+  </p:clrMapOvr>
+</p:notes>
+</file>
+
+<file path=ppt/notesSlides/notesSlide13.xml><?xml version="1.0" encoding="utf-8"?>
+<p:notes xmlns:a="http://schemas.openxmlformats.org/drawingml/2006/main" xmlns:r="http://schemas.openxmlformats.org/officeDocument/2006/relationships" xmlns:p="http://schemas.openxmlformats.org/presentationml/2006/main">
+  <p:cSld>
+    <p:spTree>
+      <p:nvGrpSpPr>
+        <p:cNvPr id="1" name=""/>
+        <p:cNvGrpSpPr/>
+        <p:nvPr/>
+      </p:nvGrpSpPr>
+      <p:grpSpPr>
+        <a:xfrm>
+          <a:off x="0" y="0"/>
+          <a:ext cx="0" cy="0"/>
+          <a:chOff x="0" y="0"/>
+          <a:chExt cx="0" cy="0"/>
+        </a:xfrm>
+      </p:grpSpPr>
+      <p:sp>
+        <p:nvSpPr>
+          <p:cNvPr id="2" name="Slide Image Placeholder 1"/>
+          <p:cNvSpPr>
+            <a:spLocks noGrp="1" noRot="1" noChangeAspect="1"/>
+          </p:cNvSpPr>
+          <p:nvPr>
+            <p:ph type="sldImg"/>
+          </p:nvPr>
+        </p:nvSpPr>
+        <p:spPr/>
+      </p:sp>
+      <p:sp>
+        <p:nvSpPr>
+          <p:cNvPr id="3" name="Notes Placeholder 2"/>
+          <p:cNvSpPr>
+            <a:spLocks noGrp="1"/>
+          </p:cNvSpPr>
+          <p:nvPr>
+            <p:ph type="body" idx="1"/>
+          </p:nvPr>
+        </p:nvSpPr>
+        <p:spPr/>
+        <p:txBody>
+          <a:bodyPr/>
+          <a:lstStyle/>
+          <a:p>
+            <a:endParaRPr lang="en-US" dirty="0"/>
+          </a:p>
+        </p:txBody>
+      </p:sp>
+      <p:sp>
+        <p:nvSpPr>
+          <p:cNvPr id="4" name="Slide Number Placeholder 3"/>
+          <p:cNvSpPr>
+            <a:spLocks noGrp="1"/>
+          </p:cNvSpPr>
+          <p:nvPr>
+            <p:ph type="sldNum" sz="quarter" idx="5"/>
+          </p:nvPr>
+        </p:nvSpPr>
+        <p:spPr/>
+        <p:txBody>
+          <a:bodyPr/>
+          <a:lstStyle/>
+          <a:p>
+            <a:fld id="{48C984AE-A603-4044-BF5B-25A43A0CB870}" type="slidenum">
+              <a:rPr lang="en-US" smtClean="0"/>
+              <a:t>13</a:t>
+            </a:fld>
+            <a:endParaRPr lang="en-US"/>
+          </a:p>
+        </p:txBody>
+      </p:sp>
+    </p:spTree>
+    <p:extLst>
+      <p:ext uri="{BB962C8B-B14F-4D97-AF65-F5344CB8AC3E}">
+        <p14:creationId xmlns:p14="http://schemas.microsoft.com/office/powerpoint/2010/main" val="2859386317"/>
+      </p:ext>
+    </p:extLst>
+  </p:cSld>
+  <p:clrMapOvr>
+    <a:masterClrMapping/>
+  </p:clrMapOvr>
+</p:notes>
+</file>
+
+<file path=ppt/notesSlides/notesSlide14.xml><?xml version="1.0" encoding="utf-8"?>
+<p:notes xmlns:a="http://schemas.openxmlformats.org/drawingml/2006/main" xmlns:r="http://schemas.openxmlformats.org/officeDocument/2006/relationships" xmlns:p="http://schemas.openxmlformats.org/presentationml/2006/main">
+  <p:cSld>
+    <p:spTree>
+      <p:nvGrpSpPr>
+        <p:cNvPr id="1" name=""/>
+        <p:cNvGrpSpPr/>
+        <p:nvPr/>
+      </p:nvGrpSpPr>
+      <p:grpSpPr>
+        <a:xfrm>
+          <a:off x="0" y="0"/>
+          <a:ext cx="0" cy="0"/>
+          <a:chOff x="0" y="0"/>
+          <a:chExt cx="0" cy="0"/>
+        </a:xfrm>
+      </p:grpSpPr>
+      <p:sp>
+        <p:nvSpPr>
+          <p:cNvPr id="2" name="Slide Image Placeholder 1"/>
+          <p:cNvSpPr>
+            <a:spLocks noGrp="1" noRot="1" noChangeAspect="1"/>
+          </p:cNvSpPr>
+          <p:nvPr>
+            <p:ph type="sldImg"/>
+          </p:nvPr>
+        </p:nvSpPr>
+        <p:spPr/>
+      </p:sp>
+      <p:sp>
+        <p:nvSpPr>
+          <p:cNvPr id="3" name="Notes Placeholder 2"/>
+          <p:cNvSpPr>
+            <a:spLocks noGrp="1"/>
+          </p:cNvSpPr>
+          <p:nvPr>
+            <p:ph type="body" idx="1"/>
+          </p:nvPr>
+        </p:nvSpPr>
+        <p:spPr/>
+        <p:txBody>
+          <a:bodyPr/>
+          <a:lstStyle/>
+          <a:p>
+            <a:endParaRPr lang="en-US" dirty="0"/>
+          </a:p>
+        </p:txBody>
+      </p:sp>
+      <p:sp>
+        <p:nvSpPr>
+          <p:cNvPr id="4" name="Slide Number Placeholder 3"/>
+          <p:cNvSpPr>
+            <a:spLocks noGrp="1"/>
+          </p:cNvSpPr>
+          <p:nvPr>
+            <p:ph type="sldNum" sz="quarter" idx="5"/>
+          </p:nvPr>
+        </p:nvSpPr>
+        <p:spPr/>
+        <p:txBody>
+          <a:bodyPr/>
+          <a:lstStyle/>
+          <a:p>
+            <a:fld id="{48C984AE-A603-4044-BF5B-25A43A0CB870}" type="slidenum">
+              <a:rPr lang="en-US" smtClean="0"/>
+              <a:t>14</a:t>
+            </a:fld>
+            <a:endParaRPr lang="en-US"/>
+          </a:p>
+        </p:txBody>
+      </p:sp>
+    </p:spTree>
+    <p:extLst>
+      <p:ext uri="{BB962C8B-B14F-4D97-AF65-F5344CB8AC3E}">
+        <p14:creationId xmlns:p14="http://schemas.microsoft.com/office/powerpoint/2010/main" val="483346827"/>
+      </p:ext>
+    </p:extLst>
+  </p:cSld>
+  <p:clrMapOvr>
+    <a:masterClrMapping/>
+  </p:clrMapOvr>
+</p:notes>
+</file>
+
+<file path=ppt/notesSlides/notesSlide15.xml><?xml version="1.0" encoding="utf-8"?>
+<p:notes xmlns:a="http://schemas.openxmlformats.org/drawingml/2006/main" xmlns:r="http://schemas.openxmlformats.org/officeDocument/2006/relationships" xmlns:p="http://schemas.openxmlformats.org/presentationml/2006/main">
+  <p:cSld>
+    <p:spTree>
+      <p:nvGrpSpPr>
+        <p:cNvPr id="1" name=""/>
+        <p:cNvGrpSpPr/>
+        <p:nvPr/>
+      </p:nvGrpSpPr>
+      <p:grpSpPr>
+        <a:xfrm>
+          <a:off x="0" y="0"/>
+          <a:ext cx="0" cy="0"/>
+          <a:chOff x="0" y="0"/>
+          <a:chExt cx="0" cy="0"/>
+        </a:xfrm>
+      </p:grpSpPr>
+      <p:sp>
+        <p:nvSpPr>
+          <p:cNvPr id="2" name="Slide Image Placeholder 1"/>
+          <p:cNvSpPr>
+            <a:spLocks noGrp="1" noRot="1" noChangeAspect="1"/>
+          </p:cNvSpPr>
+          <p:nvPr>
+            <p:ph type="sldImg"/>
+          </p:nvPr>
+        </p:nvSpPr>
+        <p:spPr/>
+      </p:sp>
+      <p:sp>
+        <p:nvSpPr>
+          <p:cNvPr id="3" name="Notes Placeholder 2"/>
+          <p:cNvSpPr>
+            <a:spLocks noGrp="1"/>
+          </p:cNvSpPr>
+          <p:nvPr>
+            <p:ph type="body" idx="1"/>
+          </p:nvPr>
+        </p:nvSpPr>
+        <p:spPr/>
+        <p:txBody>
+          <a:bodyPr/>
+          <a:lstStyle/>
+          <a:p>
+            <a:endParaRPr lang="en-US" dirty="0"/>
+          </a:p>
+        </p:txBody>
+      </p:sp>
+      <p:sp>
+        <p:nvSpPr>
+          <p:cNvPr id="4" name="Slide Number Placeholder 3"/>
+          <p:cNvSpPr>
+            <a:spLocks noGrp="1"/>
+          </p:cNvSpPr>
+          <p:nvPr>
+            <p:ph type="sldNum" sz="quarter" idx="5"/>
+          </p:nvPr>
+        </p:nvSpPr>
+        <p:spPr/>
+        <p:txBody>
+          <a:bodyPr/>
+          <a:lstStyle/>
+          <a:p>
+            <a:fld id="{48C984AE-A603-4044-BF5B-25A43A0CB870}" type="slidenum">
+              <a:rPr lang="en-US" smtClean="0"/>
+              <a:t>15</a:t>
+            </a:fld>
+            <a:endParaRPr lang="en-US"/>
+          </a:p>
+        </p:txBody>
+      </p:sp>
+    </p:spTree>
+    <p:extLst>
+      <p:ext uri="{BB962C8B-B14F-4D97-AF65-F5344CB8AC3E}">
+        <p14:creationId xmlns:p14="http://schemas.microsoft.com/office/powerpoint/2010/main" val="1708348341"/>
+      </p:ext>
+    </p:extLst>
+  </p:cSld>
+  <p:clrMapOvr>
+    <a:masterClrMapping/>
+  </p:clrMapOvr>
+</p:notes>
+</file>
+
+<file path=ppt/notesSlides/notesSlide16.xml><?xml version="1.0" encoding="utf-8"?>
+<p:notes xmlns:a="http://schemas.openxmlformats.org/drawingml/2006/main" xmlns:r="http://schemas.openxmlformats.org/officeDocument/2006/relationships" xmlns:p="http://schemas.openxmlformats.org/presentationml/2006/main">
+  <p:cSld>
+    <p:spTree>
+      <p:nvGrpSpPr>
+        <p:cNvPr id="1" name=""/>
+        <p:cNvGrpSpPr/>
+        <p:nvPr/>
+      </p:nvGrpSpPr>
+      <p:grpSpPr>
+        <a:xfrm>
+          <a:off x="0" y="0"/>
+          <a:ext cx="0" cy="0"/>
+          <a:chOff x="0" y="0"/>
+          <a:chExt cx="0" cy="0"/>
+        </a:xfrm>
+      </p:grpSpPr>
+      <p:sp>
+        <p:nvSpPr>
+          <p:cNvPr id="2" name="Slide Image Placeholder 1"/>
+          <p:cNvSpPr>
+            <a:spLocks noGrp="1" noRot="1" noChangeAspect="1"/>
+          </p:cNvSpPr>
+          <p:nvPr>
+            <p:ph type="sldImg"/>
+          </p:nvPr>
+        </p:nvSpPr>
+        <p:spPr/>
+      </p:sp>
+      <p:sp>
+        <p:nvSpPr>
+          <p:cNvPr id="3" name="Notes Placeholder 2"/>
+          <p:cNvSpPr>
+            <a:spLocks noGrp="1"/>
+          </p:cNvSpPr>
+          <p:nvPr>
+            <p:ph type="body" idx="1"/>
+          </p:nvPr>
+        </p:nvSpPr>
+        <p:spPr/>
+        <p:txBody>
+          <a:bodyPr/>
+          <a:lstStyle/>
+          <a:p>
+            <a:endParaRPr lang="en-US" dirty="0"/>
+          </a:p>
+        </p:txBody>
+      </p:sp>
+      <p:sp>
+        <p:nvSpPr>
+          <p:cNvPr id="4" name="Slide Number Placeholder 3"/>
+          <p:cNvSpPr>
+            <a:spLocks noGrp="1"/>
+          </p:cNvSpPr>
+          <p:nvPr>
+            <p:ph type="sldNum" sz="quarter" idx="5"/>
+          </p:nvPr>
+        </p:nvSpPr>
+        <p:spPr/>
+        <p:txBody>
+          <a:bodyPr/>
+          <a:lstStyle/>
+          <a:p>
+            <a:fld id="{48C984AE-A603-4044-BF5B-25A43A0CB870}" type="slidenum">
+              <a:rPr lang="en-US" smtClean="0"/>
+              <a:t>16</a:t>
+            </a:fld>
+            <a:endParaRPr lang="en-US"/>
+          </a:p>
+        </p:txBody>
+      </p:sp>
+    </p:spTree>
+    <p:extLst>
+      <p:ext uri="{BB962C8B-B14F-4D97-AF65-F5344CB8AC3E}">
+        <p14:creationId xmlns:p14="http://schemas.microsoft.com/office/powerpoint/2010/main" val="2930204373"/>
+      </p:ext>
+    </p:extLst>
+  </p:cSld>
+  <p:clrMapOvr>
+    <a:masterClrMapping/>
+  </p:clrMapOvr>
+</p:notes>
+</file>
+
+<file path=ppt/notesSlides/notesSlide17.xml><?xml version="1.0" encoding="utf-8"?>
+<p:notes xmlns:a="http://schemas.openxmlformats.org/drawingml/2006/main" xmlns:r="http://schemas.openxmlformats.org/officeDocument/2006/relationships" xmlns:p="http://schemas.openxmlformats.org/presentationml/2006/main">
+  <p:cSld>
+    <p:spTree>
+      <p:nvGrpSpPr>
+        <p:cNvPr id="1" name=""/>
+        <p:cNvGrpSpPr/>
+        <p:nvPr/>
+      </p:nvGrpSpPr>
+      <p:grpSpPr>
+        <a:xfrm>
+          <a:off x="0" y="0"/>
+          <a:ext cx="0" cy="0"/>
+          <a:chOff x="0" y="0"/>
+          <a:chExt cx="0" cy="0"/>
+        </a:xfrm>
+      </p:grpSpPr>
+      <p:sp>
+        <p:nvSpPr>
+          <p:cNvPr id="2" name="Slide Image Placeholder 1"/>
+          <p:cNvSpPr>
+            <a:spLocks noGrp="1" noRot="1" noChangeAspect="1"/>
+          </p:cNvSpPr>
+          <p:nvPr>
+            <p:ph type="sldImg"/>
+          </p:nvPr>
+        </p:nvSpPr>
+        <p:spPr/>
+      </p:sp>
+      <p:sp>
+        <p:nvSpPr>
+          <p:cNvPr id="3" name="Notes Placeholder 2"/>
+          <p:cNvSpPr>
+            <a:spLocks noGrp="1"/>
+          </p:cNvSpPr>
+          <p:nvPr>
+            <p:ph type="body" idx="1"/>
+          </p:nvPr>
+        </p:nvSpPr>
+        <p:spPr/>
+        <p:txBody>
+          <a:bodyPr/>
+          <a:lstStyle/>
+          <a:p>
+            <a:endParaRPr lang="en-US" dirty="0"/>
+          </a:p>
+        </p:txBody>
+      </p:sp>
+      <p:sp>
+        <p:nvSpPr>
+          <p:cNvPr id="4" name="Slide Number Placeholder 3"/>
+          <p:cNvSpPr>
+            <a:spLocks noGrp="1"/>
+          </p:cNvSpPr>
+          <p:nvPr>
+            <p:ph type="sldNum" sz="quarter" idx="5"/>
+          </p:nvPr>
+        </p:nvSpPr>
+        <p:spPr/>
+        <p:txBody>
+          <a:bodyPr/>
+          <a:lstStyle/>
+          <a:p>
+            <a:fld id="{48C984AE-A603-4044-BF5B-25A43A0CB870}" type="slidenum">
+              <a:rPr lang="en-US" smtClean="0"/>
+              <a:t>17</a:t>
+            </a:fld>
+            <a:endParaRPr lang="en-US"/>
+          </a:p>
+        </p:txBody>
+      </p:sp>
+    </p:spTree>
+    <p:extLst>
+      <p:ext uri="{BB962C8B-B14F-4D97-AF65-F5344CB8AC3E}">
+        <p14:creationId xmlns:p14="http://schemas.microsoft.com/office/powerpoint/2010/main" val="2441040175"/>
+      </p:ext>
+    </p:extLst>
+  </p:cSld>
+  <p:clrMapOvr>
+    <a:masterClrMapping/>
+  </p:clrMapOvr>
+</p:notes>
+</file>
+
+<file path=ppt/notesSlides/notesSlide18.xml><?xml version="1.0" encoding="utf-8"?>
+<p:notes xmlns:a="http://schemas.openxmlformats.org/drawingml/2006/main" xmlns:r="http://schemas.openxmlformats.org/officeDocument/2006/relationships" xmlns:p="http://schemas.openxmlformats.org/presentationml/2006/main">
+  <p:cSld>
+    <p:spTree>
+      <p:nvGrpSpPr>
+        <p:cNvPr id="1" name=""/>
+        <p:cNvGrpSpPr/>
+        <p:nvPr/>
+      </p:nvGrpSpPr>
+      <p:grpSpPr>
+        <a:xfrm>
+          <a:off x="0" y="0"/>
+          <a:ext cx="0" cy="0"/>
+          <a:chOff x="0" y="0"/>
+          <a:chExt cx="0" cy="0"/>
+        </a:xfrm>
+      </p:grpSpPr>
+      <p:sp>
+        <p:nvSpPr>
+          <p:cNvPr id="2" name="Slide Image Placeholder 1"/>
+          <p:cNvSpPr>
+            <a:spLocks noGrp="1" noRot="1" noChangeAspect="1"/>
+          </p:cNvSpPr>
+          <p:nvPr>
+            <p:ph type="sldImg"/>
+          </p:nvPr>
+        </p:nvSpPr>
+        <p:spPr/>
+      </p:sp>
+      <p:sp>
+        <p:nvSpPr>
+          <p:cNvPr id="3" name="Notes Placeholder 2"/>
+          <p:cNvSpPr>
+            <a:spLocks noGrp="1"/>
+          </p:cNvSpPr>
+          <p:nvPr>
+            <p:ph type="body" idx="1"/>
+          </p:nvPr>
+        </p:nvSpPr>
+        <p:spPr/>
+        <p:txBody>
+          <a:bodyPr/>
+          <a:lstStyle/>
+          <a:p>
+            <a:endParaRPr lang="en-US" dirty="0"/>
+          </a:p>
+        </p:txBody>
+      </p:sp>
+      <p:sp>
+        <p:nvSpPr>
+          <p:cNvPr id="4" name="Slide Number Placeholder 3"/>
+          <p:cNvSpPr>
+            <a:spLocks noGrp="1"/>
+          </p:cNvSpPr>
+          <p:nvPr>
+            <p:ph type="sldNum" sz="quarter" idx="5"/>
+          </p:nvPr>
+        </p:nvSpPr>
+        <p:spPr/>
+        <p:txBody>
+          <a:bodyPr/>
+          <a:lstStyle/>
+          <a:p>
+            <a:fld id="{48C984AE-A603-4044-BF5B-25A43A0CB870}" type="slidenum">
+              <a:rPr lang="en-US" smtClean="0"/>
+              <a:t>19</a:t>
+            </a:fld>
+            <a:endParaRPr lang="en-US"/>
+          </a:p>
+        </p:txBody>
+      </p:sp>
+    </p:spTree>
+    <p:extLst>
+      <p:ext uri="{BB962C8B-B14F-4D97-AF65-F5344CB8AC3E}">
+        <p14:creationId xmlns:p14="http://schemas.microsoft.com/office/powerpoint/2010/main" val="1060076758"/>
+      </p:ext>
+    </p:extLst>
+  </p:cSld>
+  <p:clrMapOvr>
+    <a:masterClrMapping/>
+  </p:clrMapOvr>
+</p:notes>
+</file>
+
+<file path=ppt/notesSlides/notesSlide19.xml><?xml version="1.0" encoding="utf-8"?>
+<p:notes xmlns:a="http://schemas.openxmlformats.org/drawingml/2006/main" xmlns:r="http://schemas.openxmlformats.org/officeDocument/2006/relationships" xmlns:p="http://schemas.openxmlformats.org/presentationml/2006/main">
+  <p:cSld>
+    <p:spTree>
+      <p:nvGrpSpPr>
+        <p:cNvPr id="1" name=""/>
+        <p:cNvGrpSpPr/>
+        <p:nvPr/>
+      </p:nvGrpSpPr>
+      <p:grpSpPr>
+        <a:xfrm>
+          <a:off x="0" y="0"/>
+          <a:ext cx="0" cy="0"/>
+          <a:chOff x="0" y="0"/>
+          <a:chExt cx="0" cy="0"/>
+        </a:xfrm>
+      </p:grpSpPr>
+      <p:sp>
+        <p:nvSpPr>
+          <p:cNvPr id="2" name="Slide Image Placeholder 1"/>
+          <p:cNvSpPr>
+            <a:spLocks noGrp="1" noRot="1" noChangeAspect="1"/>
+          </p:cNvSpPr>
+          <p:nvPr>
+            <p:ph type="sldImg"/>
+          </p:nvPr>
+        </p:nvSpPr>
+        <p:spPr/>
+      </p:sp>
+      <p:sp>
+        <p:nvSpPr>
+          <p:cNvPr id="3" name="Notes Placeholder 2"/>
+          <p:cNvSpPr>
+            <a:spLocks noGrp="1"/>
+          </p:cNvSpPr>
+          <p:nvPr>
+            <p:ph type="body" idx="1"/>
+          </p:nvPr>
+        </p:nvSpPr>
+        <p:spPr/>
+        <p:txBody>
+          <a:bodyPr/>
+          <a:lstStyle/>
+          <a:p>
+            <a:endParaRPr lang="en-US" dirty="0"/>
+          </a:p>
+        </p:txBody>
+      </p:sp>
+      <p:sp>
+        <p:nvSpPr>
+          <p:cNvPr id="4" name="Slide Number Placeholder 3"/>
+          <p:cNvSpPr>
+            <a:spLocks noGrp="1"/>
+          </p:cNvSpPr>
+          <p:nvPr>
+            <p:ph type="sldNum" sz="quarter" idx="5"/>
+          </p:nvPr>
+        </p:nvSpPr>
+        <p:spPr/>
+        <p:txBody>
+          <a:bodyPr/>
+          <a:lstStyle/>
+          <a:p>
+            <a:fld id="{48C984AE-A603-4044-BF5B-25A43A0CB870}" type="slidenum">
+              <a:rPr lang="en-US" smtClean="0"/>
+              <a:t>20</a:t>
+            </a:fld>
+            <a:endParaRPr lang="en-US"/>
+          </a:p>
+        </p:txBody>
+      </p:sp>
+    </p:spTree>
+    <p:extLst>
+      <p:ext uri="{BB962C8B-B14F-4D97-AF65-F5344CB8AC3E}">
+        <p14:creationId xmlns:p14="http://schemas.microsoft.com/office/powerpoint/2010/main" val="1455098369"/>
+      </p:ext>
+    </p:extLst>
+  </p:cSld>
+  <p:clrMapOvr>
+    <a:masterClrMapping/>
+  </p:clrMapOvr>
+</p:notes>
+</file>
+
+<file path=ppt/notesSlides/notesSlide2.xml><?xml version="1.0" encoding="utf-8"?>
+<p:notes xmlns:a="http://schemas.openxmlformats.org/drawingml/2006/main" xmlns:r="http://schemas.openxmlformats.org/officeDocument/2006/relationships" xmlns:p="http://schemas.openxmlformats.org/presentationml/2006/main">
+  <p:cSld>
+    <p:spTree>
+      <p:nvGrpSpPr>
+        <p:cNvPr id="1" name=""/>
+        <p:cNvGrpSpPr/>
+        <p:nvPr/>
+      </p:nvGrpSpPr>
+      <p:grpSpPr>
+        <a:xfrm>
+          <a:off x="0" y="0"/>
+          <a:ext cx="0" cy="0"/>
+          <a:chOff x="0" y="0"/>
+          <a:chExt cx="0" cy="0"/>
+        </a:xfrm>
+      </p:grpSpPr>
+      <p:sp>
+        <p:nvSpPr>
+          <p:cNvPr id="2" name="Slide Image Placeholder 1"/>
+          <p:cNvSpPr>
+            <a:spLocks noGrp="1" noRot="1" noChangeAspect="1"/>
+          </p:cNvSpPr>
+          <p:nvPr>
+            <p:ph type="sldImg"/>
+          </p:nvPr>
+        </p:nvSpPr>
+        <p:spPr/>
+      </p:sp>
+      <p:sp>
+        <p:nvSpPr>
+          <p:cNvPr id="3" name="Notes Placeholder 2"/>
+          <p:cNvSpPr>
+            <a:spLocks noGrp="1"/>
+          </p:cNvSpPr>
+          <p:nvPr>
+            <p:ph type="body" idx="1"/>
+          </p:nvPr>
+        </p:nvSpPr>
+        <p:spPr/>
+        <p:txBody>
+          <a:bodyPr/>
+          <a:lstStyle/>
+          <a:p>
+            <a:endParaRPr lang="ru-RU" dirty="0"/>
+          </a:p>
+        </p:txBody>
+      </p:sp>
+      <p:sp>
+        <p:nvSpPr>
+          <p:cNvPr id="4" name="Slide Number Placeholder 3"/>
+          <p:cNvSpPr>
+            <a:spLocks noGrp="1"/>
+          </p:cNvSpPr>
+          <p:nvPr>
+            <p:ph type="sldNum" sz="quarter" idx="5"/>
+          </p:nvPr>
+        </p:nvSpPr>
+        <p:spPr/>
+        <p:txBody>
+          <a:bodyPr/>
+          <a:lstStyle/>
+          <a:p>
+            <a:fld id="{48C984AE-A603-4044-BF5B-25A43A0CB870}" type="slidenum">
+              <a:rPr lang="en-US" smtClean="0"/>
+              <a:t>2</a:t>
+            </a:fld>
+            <a:endParaRPr lang="en-US"/>
+          </a:p>
+        </p:txBody>
+      </p:sp>
+    </p:spTree>
+    <p:extLst>
+      <p:ext uri="{BB962C8B-B14F-4D97-AF65-F5344CB8AC3E}">
+        <p14:creationId xmlns:p14="http://schemas.microsoft.com/office/powerpoint/2010/main" val="270143689"/>
+      </p:ext>
+    </p:extLst>
+  </p:cSld>
+  <p:clrMapOvr>
+    <a:masterClrMapping/>
+  </p:clrMapOvr>
+</p:notes>
+</file>
+
+<file path=ppt/notesSlides/notesSlide20.xml><?xml version="1.0" encoding="utf-8"?>
+<p:notes xmlns:a="http://schemas.openxmlformats.org/drawingml/2006/main" xmlns:r="http://schemas.openxmlformats.org/officeDocument/2006/relationships" xmlns:p="http://schemas.openxmlformats.org/presentationml/2006/main">
+  <p:cSld>
+    <p:spTree>
+      <p:nvGrpSpPr>
+        <p:cNvPr id="1" name=""/>
+        <p:cNvGrpSpPr/>
+        <p:nvPr/>
+      </p:nvGrpSpPr>
+      <p:grpSpPr>
+        <a:xfrm>
+          <a:off x="0" y="0"/>
+          <a:ext cx="0" cy="0"/>
+          <a:chOff x="0" y="0"/>
+          <a:chExt cx="0" cy="0"/>
+        </a:xfrm>
+      </p:grpSpPr>
+      <p:sp>
+        <p:nvSpPr>
+          <p:cNvPr id="2" name="Slide Image Placeholder 1"/>
+          <p:cNvSpPr>
+            <a:spLocks noGrp="1" noRot="1" noChangeAspect="1"/>
+          </p:cNvSpPr>
+          <p:nvPr>
+            <p:ph type="sldImg"/>
+          </p:nvPr>
+        </p:nvSpPr>
+        <p:spPr/>
+      </p:sp>
+      <p:sp>
+        <p:nvSpPr>
+          <p:cNvPr id="3" name="Notes Placeholder 2"/>
+          <p:cNvSpPr>
+            <a:spLocks noGrp="1"/>
+          </p:cNvSpPr>
+          <p:nvPr>
+            <p:ph type="body" idx="1"/>
+          </p:nvPr>
+        </p:nvSpPr>
+        <p:spPr/>
+        <p:txBody>
+          <a:bodyPr/>
+          <a:lstStyle/>
+          <a:p>
+            <a:endParaRPr lang="en-US" dirty="0"/>
+          </a:p>
+        </p:txBody>
+      </p:sp>
+      <p:sp>
+        <p:nvSpPr>
+          <p:cNvPr id="4" name="Slide Number Placeholder 3"/>
+          <p:cNvSpPr>
+            <a:spLocks noGrp="1"/>
+          </p:cNvSpPr>
+          <p:nvPr>
+            <p:ph type="sldNum" sz="quarter" idx="5"/>
+          </p:nvPr>
+        </p:nvSpPr>
+        <p:spPr/>
+        <p:txBody>
+          <a:bodyPr/>
+          <a:lstStyle/>
+          <a:p>
+            <a:fld id="{48C984AE-A603-4044-BF5B-25A43A0CB870}" type="slidenum">
+              <a:rPr lang="en-US" smtClean="0"/>
+              <a:t>21</a:t>
+            </a:fld>
+            <a:endParaRPr lang="en-US"/>
+          </a:p>
+        </p:txBody>
+      </p:sp>
+    </p:spTree>
+    <p:extLst>
+      <p:ext uri="{BB962C8B-B14F-4D97-AF65-F5344CB8AC3E}">
+        <p14:creationId xmlns:p14="http://schemas.microsoft.com/office/powerpoint/2010/main" val="3368766477"/>
+      </p:ext>
+    </p:extLst>
+  </p:cSld>
+  <p:clrMapOvr>
+    <a:masterClrMapping/>
+  </p:clrMapOvr>
+</p:notes>
+</file>
+
+<file path=ppt/notesSlides/notesSlide21.xml><?xml version="1.0" encoding="utf-8"?>
+<p:notes xmlns:a="http://schemas.openxmlformats.org/drawingml/2006/main" xmlns:r="http://schemas.openxmlformats.org/officeDocument/2006/relationships" xmlns:p="http://schemas.openxmlformats.org/presentationml/2006/main">
+  <p:cSld>
+    <p:spTree>
+      <p:nvGrpSpPr>
+        <p:cNvPr id="1" name=""/>
+        <p:cNvGrpSpPr/>
+        <p:nvPr/>
+      </p:nvGrpSpPr>
+      <p:grpSpPr>
+        <a:xfrm>
+          <a:off x="0" y="0"/>
+          <a:ext cx="0" cy="0"/>
+          <a:chOff x="0" y="0"/>
+          <a:chExt cx="0" cy="0"/>
+        </a:xfrm>
+      </p:grpSpPr>
+      <p:sp>
+        <p:nvSpPr>
+          <p:cNvPr id="2" name="Slide Image Placeholder 1"/>
+          <p:cNvSpPr>
+            <a:spLocks noGrp="1" noRot="1" noChangeAspect="1"/>
+          </p:cNvSpPr>
+          <p:nvPr>
+            <p:ph type="sldImg"/>
+          </p:nvPr>
+        </p:nvSpPr>
+        <p:spPr/>
+      </p:sp>
+      <p:sp>
+        <p:nvSpPr>
+          <p:cNvPr id="3" name="Notes Placeholder 2"/>
+          <p:cNvSpPr>
+            <a:spLocks noGrp="1"/>
+          </p:cNvSpPr>
+          <p:nvPr>
+            <p:ph type="body" idx="1"/>
+          </p:nvPr>
+        </p:nvSpPr>
+        <p:spPr/>
+        <p:txBody>
+          <a:bodyPr/>
+          <a:lstStyle/>
+          <a:p>
+            <a:endParaRPr lang="en-US" dirty="0"/>
+          </a:p>
+        </p:txBody>
+      </p:sp>
+      <p:sp>
+        <p:nvSpPr>
+          <p:cNvPr id="4" name="Slide Number Placeholder 3"/>
+          <p:cNvSpPr>
+            <a:spLocks noGrp="1"/>
+          </p:cNvSpPr>
+          <p:nvPr>
+            <p:ph type="sldNum" sz="quarter" idx="5"/>
+          </p:nvPr>
+        </p:nvSpPr>
+        <p:spPr/>
+        <p:txBody>
+          <a:bodyPr/>
+          <a:lstStyle/>
+          <a:p>
+            <a:fld id="{48C984AE-A603-4044-BF5B-25A43A0CB870}" type="slidenum">
+              <a:rPr lang="en-US" smtClean="0"/>
+              <a:t>22</a:t>
+            </a:fld>
+            <a:endParaRPr lang="en-US"/>
+          </a:p>
+        </p:txBody>
+      </p:sp>
+    </p:spTree>
+    <p:extLst>
+      <p:ext uri="{BB962C8B-B14F-4D97-AF65-F5344CB8AC3E}">
+        <p14:creationId xmlns:p14="http://schemas.microsoft.com/office/powerpoint/2010/main" val="165305583"/>
+      </p:ext>
+    </p:extLst>
+  </p:cSld>
+  <p:clrMapOvr>
+    <a:masterClrMapping/>
+  </p:clrMapOvr>
+</p:notes>
+</file>
+
+<file path=ppt/notesSlides/notesSlide22.xml><?xml version="1.0" encoding="utf-8"?>
+<p:notes xmlns:a="http://schemas.openxmlformats.org/drawingml/2006/main" xmlns:r="http://schemas.openxmlformats.org/officeDocument/2006/relationships" xmlns:p="http://schemas.openxmlformats.org/presentationml/2006/main">
+  <p:cSld>
+    <p:spTree>
+      <p:nvGrpSpPr>
+        <p:cNvPr id="1" name=""/>
+        <p:cNvGrpSpPr/>
+        <p:nvPr/>
+      </p:nvGrpSpPr>
+      <p:grpSpPr>
+        <a:xfrm>
+          <a:off x="0" y="0"/>
+          <a:ext cx="0" cy="0"/>
+          <a:chOff x="0" y="0"/>
+          <a:chExt cx="0" cy="0"/>
+        </a:xfrm>
+      </p:grpSpPr>
+      <p:sp>
+        <p:nvSpPr>
+          <p:cNvPr id="2" name="Slide Image Placeholder 1"/>
+          <p:cNvSpPr>
+            <a:spLocks noGrp="1" noRot="1" noChangeAspect="1"/>
+          </p:cNvSpPr>
+          <p:nvPr>
+            <p:ph type="sldImg"/>
+          </p:nvPr>
+        </p:nvSpPr>
+        <p:spPr/>
+      </p:sp>
+      <p:sp>
+        <p:nvSpPr>
+          <p:cNvPr id="3" name="Notes Placeholder 2"/>
+          <p:cNvSpPr>
+            <a:spLocks noGrp="1"/>
+          </p:cNvSpPr>
+          <p:nvPr>
+            <p:ph type="body" idx="1"/>
+          </p:nvPr>
+        </p:nvSpPr>
+        <p:spPr/>
+        <p:txBody>
+          <a:bodyPr/>
+          <a:lstStyle/>
+          <a:p>
+            <a:endParaRPr lang="ru-RU" dirty="0"/>
+          </a:p>
+        </p:txBody>
+      </p:sp>
+      <p:sp>
+        <p:nvSpPr>
+          <p:cNvPr id="4" name="Slide Number Placeholder 3"/>
+          <p:cNvSpPr>
+            <a:spLocks noGrp="1"/>
+          </p:cNvSpPr>
+          <p:nvPr>
+            <p:ph type="sldNum" sz="quarter" idx="5"/>
+          </p:nvPr>
+        </p:nvSpPr>
+        <p:spPr/>
+        <p:txBody>
+          <a:bodyPr/>
+          <a:lstStyle/>
+          <a:p>
+            <a:fld id="{48C984AE-A603-4044-BF5B-25A43A0CB870}" type="slidenum">
+              <a:rPr lang="en-US" smtClean="0"/>
+              <a:t>23</a:t>
+            </a:fld>
+            <a:endParaRPr lang="en-US"/>
+          </a:p>
+        </p:txBody>
+      </p:sp>
+    </p:spTree>
+    <p:extLst>
+      <p:ext uri="{BB962C8B-B14F-4D97-AF65-F5344CB8AC3E}">
+        <p14:creationId xmlns:p14="http://schemas.microsoft.com/office/powerpoint/2010/main" val="4155632346"/>
+      </p:ext>
+    </p:extLst>
+  </p:cSld>
+  <p:clrMapOvr>
+    <a:masterClrMapping/>
+  </p:clrMapOvr>
+</p:notes>
+</file>
+
+<file path=ppt/notesSlides/notesSlide23.xml><?xml version="1.0" encoding="utf-8"?>
+<p:notes xmlns:a="http://schemas.openxmlformats.org/drawingml/2006/main" xmlns:r="http://schemas.openxmlformats.org/officeDocument/2006/relationships" xmlns:p="http://schemas.openxmlformats.org/presentationml/2006/main">
+  <p:cSld>
+    <p:spTree>
+      <p:nvGrpSpPr>
+        <p:cNvPr id="1" name=""/>
+        <p:cNvGrpSpPr/>
+        <p:nvPr/>
+      </p:nvGrpSpPr>
+      <p:grpSpPr>
+        <a:xfrm>
+          <a:off x="0" y="0"/>
+          <a:ext cx="0" cy="0"/>
+          <a:chOff x="0" y="0"/>
+          <a:chExt cx="0" cy="0"/>
+        </a:xfrm>
+      </p:grpSpPr>
+      <p:sp>
+        <p:nvSpPr>
+          <p:cNvPr id="2" name="Slide Image Placeholder 1"/>
+          <p:cNvSpPr>
+            <a:spLocks noGrp="1" noRot="1" noChangeAspect="1"/>
+          </p:cNvSpPr>
+          <p:nvPr>
+            <p:ph type="sldImg"/>
+          </p:nvPr>
+        </p:nvSpPr>
+        <p:spPr/>
+      </p:sp>
+      <p:sp>
+        <p:nvSpPr>
+          <p:cNvPr id="3" name="Notes Placeholder 2"/>
+          <p:cNvSpPr>
+            <a:spLocks noGrp="1"/>
+          </p:cNvSpPr>
+          <p:nvPr>
+            <p:ph type="body" idx="1"/>
+          </p:nvPr>
+        </p:nvSpPr>
+        <p:spPr/>
+        <p:txBody>
+          <a:bodyPr/>
+          <a:lstStyle/>
+          <a:p>
+            <a:r>
+              <a:rPr lang="ru-RU"/>
+              <a:t>С помощью комментариев вы можете описывать что выполняет определенный кусок кода. В комментариях возможно указывать, любую информацию. При выполнении кода интерпретатор просто пропустит этот участок.</a:t>
+            </a:r>
+          </a:p>
+          <a:p>
+            <a:r>
+              <a:rPr lang="ru-RU"/>
+              <a:t>Многстрочные комментарии чаще используются для документирования кода. Они уже несут смысловую нагрузку в том, что их можно автоматически собирать по всему документу и формировать один файл или базу знаний для описания тех или иных функций кода.</a:t>
+            </a:r>
+          </a:p>
+          <a:p>
+            <a:r>
+              <a:rPr lang="ru-RU"/>
+              <a:t>Первые несколько занятий вы будете размещать в блоках многострочных комментариев текст вашей задачи. Поскольку большинство ваших первых решений будут хранится лишь в одном файле — это будет просто и практично.</a:t>
+            </a:r>
+          </a:p>
+          <a:p>
+            <a:endParaRPr lang="en-US" dirty="0"/>
+          </a:p>
+        </p:txBody>
+      </p:sp>
+      <p:sp>
+        <p:nvSpPr>
+          <p:cNvPr id="4" name="Slide Number Placeholder 3"/>
+          <p:cNvSpPr>
+            <a:spLocks noGrp="1"/>
+          </p:cNvSpPr>
+          <p:nvPr>
+            <p:ph type="sldNum" sz="quarter" idx="5"/>
+          </p:nvPr>
+        </p:nvSpPr>
+        <p:spPr/>
+        <p:txBody>
+          <a:bodyPr/>
+          <a:lstStyle/>
+          <a:p>
+            <a:fld id="{48C984AE-A603-4044-BF5B-25A43A0CB870}" type="slidenum">
+              <a:rPr lang="en-US" smtClean="0"/>
+              <a:t>24</a:t>
+            </a:fld>
+            <a:endParaRPr lang="en-US"/>
+          </a:p>
+        </p:txBody>
+      </p:sp>
+    </p:spTree>
+    <p:extLst>
+      <p:ext uri="{BB962C8B-B14F-4D97-AF65-F5344CB8AC3E}">
+        <p14:creationId xmlns:p14="http://schemas.microsoft.com/office/powerpoint/2010/main" val="1499128497"/>
+      </p:ext>
+    </p:extLst>
+  </p:cSld>
+  <p:clrMapOvr>
+    <a:masterClrMapping/>
+  </p:clrMapOvr>
+</p:notes>
+</file>
+
+<file path=ppt/notesSlides/notesSlide24.xml><?xml version="1.0" encoding="utf-8"?>
+<p:notes xmlns:a="http://schemas.openxmlformats.org/drawingml/2006/main" xmlns:r="http://schemas.openxmlformats.org/officeDocument/2006/relationships" xmlns:p="http://schemas.openxmlformats.org/presentationml/2006/main">
+  <p:cSld>
+    <p:spTree>
+      <p:nvGrpSpPr>
+        <p:cNvPr id="1" name=""/>
+        <p:cNvGrpSpPr/>
+        <p:nvPr/>
+      </p:nvGrpSpPr>
+      <p:grpSpPr>
+        <a:xfrm>
+          <a:off x="0" y="0"/>
+          <a:ext cx="0" cy="0"/>
+          <a:chOff x="0" y="0"/>
+          <a:chExt cx="0" cy="0"/>
+        </a:xfrm>
+      </p:grpSpPr>
+      <p:sp>
+        <p:nvSpPr>
+          <p:cNvPr id="2" name="Slide Image Placeholder 1"/>
+          <p:cNvSpPr>
+            <a:spLocks noGrp="1" noRot="1" noChangeAspect="1"/>
+          </p:cNvSpPr>
+          <p:nvPr>
+            <p:ph type="sldImg"/>
+          </p:nvPr>
+        </p:nvSpPr>
+        <p:spPr/>
+      </p:sp>
+      <p:sp>
+        <p:nvSpPr>
+          <p:cNvPr id="3" name="Notes Placeholder 2"/>
+          <p:cNvSpPr>
+            <a:spLocks noGrp="1"/>
+          </p:cNvSpPr>
+          <p:nvPr>
+            <p:ph type="body" idx="1"/>
+          </p:nvPr>
+        </p:nvSpPr>
+        <p:spPr/>
+        <p:txBody>
+          <a:bodyPr/>
+          <a:lstStyle/>
+          <a:p>
+            <a:endParaRPr lang="en-US" dirty="0"/>
+          </a:p>
+        </p:txBody>
+      </p:sp>
+      <p:sp>
+        <p:nvSpPr>
+          <p:cNvPr id="4" name="Slide Number Placeholder 3"/>
+          <p:cNvSpPr>
+            <a:spLocks noGrp="1"/>
+          </p:cNvSpPr>
+          <p:nvPr>
+            <p:ph type="sldNum" sz="quarter" idx="5"/>
+          </p:nvPr>
+        </p:nvSpPr>
+        <p:spPr/>
+        <p:txBody>
+          <a:bodyPr/>
+          <a:lstStyle/>
+          <a:p>
+            <a:fld id="{48C984AE-A603-4044-BF5B-25A43A0CB870}" type="slidenum">
+              <a:rPr lang="en-US" smtClean="0"/>
+              <a:t>25</a:t>
+            </a:fld>
+            <a:endParaRPr lang="en-US"/>
+          </a:p>
+        </p:txBody>
+      </p:sp>
+    </p:spTree>
+    <p:extLst>
+      <p:ext uri="{BB962C8B-B14F-4D97-AF65-F5344CB8AC3E}">
+        <p14:creationId xmlns:p14="http://schemas.microsoft.com/office/powerpoint/2010/main" val="3311141047"/>
+      </p:ext>
+    </p:extLst>
+  </p:cSld>
+  <p:clrMapOvr>
+    <a:masterClrMapping/>
+  </p:clrMapOvr>
+</p:notes>
+</file>
+
+<file path=ppt/notesSlides/notesSlide25.xml><?xml version="1.0" encoding="utf-8"?>
+<p:notes xmlns:a="http://schemas.openxmlformats.org/drawingml/2006/main" xmlns:r="http://schemas.openxmlformats.org/officeDocument/2006/relationships" xmlns:p="http://schemas.openxmlformats.org/presentationml/2006/main">
+  <p:cSld>
+    <p:spTree>
+      <p:nvGrpSpPr>
+        <p:cNvPr id="1" name=""/>
+        <p:cNvGrpSpPr/>
+        <p:nvPr/>
+      </p:nvGrpSpPr>
+      <p:grpSpPr>
+        <a:xfrm>
+          <a:off x="0" y="0"/>
+          <a:ext cx="0" cy="0"/>
+          <a:chOff x="0" y="0"/>
+          <a:chExt cx="0" cy="0"/>
+        </a:xfrm>
+      </p:grpSpPr>
+      <p:sp>
+        <p:nvSpPr>
+          <p:cNvPr id="2" name="Slide Image Placeholder 1"/>
+          <p:cNvSpPr>
+            <a:spLocks noGrp="1" noRot="1" noChangeAspect="1"/>
+          </p:cNvSpPr>
+          <p:nvPr>
+            <p:ph type="sldImg"/>
+          </p:nvPr>
+        </p:nvSpPr>
+        <p:spPr/>
+      </p:sp>
+      <p:sp>
+        <p:nvSpPr>
+          <p:cNvPr id="3" name="Notes Placeholder 2"/>
+          <p:cNvSpPr>
+            <a:spLocks noGrp="1"/>
+          </p:cNvSpPr>
+          <p:nvPr>
+            <p:ph type="body" idx="1"/>
+          </p:nvPr>
+        </p:nvSpPr>
+        <p:spPr/>
+        <p:txBody>
+          <a:bodyPr/>
+          <a:lstStyle/>
+          <a:p>
+            <a:endParaRPr lang="en-US" dirty="0"/>
+          </a:p>
+        </p:txBody>
+      </p:sp>
+      <p:sp>
+        <p:nvSpPr>
+          <p:cNvPr id="4" name="Slide Number Placeholder 3"/>
+          <p:cNvSpPr>
+            <a:spLocks noGrp="1"/>
+          </p:cNvSpPr>
+          <p:nvPr>
+            <p:ph type="sldNum" sz="quarter" idx="5"/>
+          </p:nvPr>
+        </p:nvSpPr>
+        <p:spPr/>
+        <p:txBody>
+          <a:bodyPr/>
+          <a:lstStyle/>
+          <a:p>
+            <a:fld id="{48C984AE-A603-4044-BF5B-25A43A0CB870}" type="slidenum">
+              <a:rPr lang="en-US" smtClean="0"/>
+              <a:t>26</a:t>
+            </a:fld>
+            <a:endParaRPr lang="en-US"/>
+          </a:p>
+        </p:txBody>
+      </p:sp>
+    </p:spTree>
+    <p:extLst>
+      <p:ext uri="{BB962C8B-B14F-4D97-AF65-F5344CB8AC3E}">
+        <p14:creationId xmlns:p14="http://schemas.microsoft.com/office/powerpoint/2010/main" val="2685217621"/>
+      </p:ext>
+    </p:extLst>
+  </p:cSld>
+  <p:clrMapOvr>
+    <a:masterClrMapping/>
+  </p:clrMapOvr>
+</p:notes>
+</file>
+
+<file path=ppt/notesSlides/notesSlide26.xml><?xml version="1.0" encoding="utf-8"?>
+<p:notes xmlns:a="http://schemas.openxmlformats.org/drawingml/2006/main" xmlns:r="http://schemas.openxmlformats.org/officeDocument/2006/relationships" xmlns:p="http://schemas.openxmlformats.org/presentationml/2006/main">
+  <p:cSld>
+    <p:spTree>
+      <p:nvGrpSpPr>
+        <p:cNvPr id="1" name=""/>
+        <p:cNvGrpSpPr/>
+        <p:nvPr/>
+      </p:nvGrpSpPr>
+      <p:grpSpPr>
+        <a:xfrm>
+          <a:off x="0" y="0"/>
+          <a:ext cx="0" cy="0"/>
+          <a:chOff x="0" y="0"/>
+          <a:chExt cx="0" cy="0"/>
+        </a:xfrm>
+      </p:grpSpPr>
+      <p:sp>
+        <p:nvSpPr>
+          <p:cNvPr id="2" name="Slide Image Placeholder 1"/>
+          <p:cNvSpPr>
+            <a:spLocks noGrp="1" noRot="1" noChangeAspect="1"/>
+          </p:cNvSpPr>
+          <p:nvPr>
+            <p:ph type="sldImg"/>
+          </p:nvPr>
+        </p:nvSpPr>
+        <p:spPr/>
+      </p:sp>
+      <p:sp>
+        <p:nvSpPr>
+          <p:cNvPr id="3" name="Notes Placeholder 2"/>
+          <p:cNvSpPr>
+            <a:spLocks noGrp="1"/>
+          </p:cNvSpPr>
+          <p:nvPr>
+            <p:ph type="body" idx="1"/>
+          </p:nvPr>
+        </p:nvSpPr>
+        <p:spPr/>
+        <p:txBody>
+          <a:bodyPr/>
+          <a:lstStyle/>
+          <a:p>
+            <a:endParaRPr lang="en-US" dirty="0"/>
+          </a:p>
+        </p:txBody>
+      </p:sp>
+      <p:sp>
+        <p:nvSpPr>
+          <p:cNvPr id="4" name="Slide Number Placeholder 3"/>
+          <p:cNvSpPr>
+            <a:spLocks noGrp="1"/>
+          </p:cNvSpPr>
+          <p:nvPr>
+            <p:ph type="sldNum" sz="quarter" idx="5"/>
+          </p:nvPr>
+        </p:nvSpPr>
+        <p:spPr/>
+        <p:txBody>
+          <a:bodyPr/>
+          <a:lstStyle/>
+          <a:p>
+            <a:fld id="{48C984AE-A603-4044-BF5B-25A43A0CB870}" type="slidenum">
+              <a:rPr lang="en-US" smtClean="0"/>
+              <a:t>27</a:t>
+            </a:fld>
+            <a:endParaRPr lang="en-US"/>
+          </a:p>
+        </p:txBody>
+      </p:sp>
+    </p:spTree>
+    <p:extLst>
+      <p:ext uri="{BB962C8B-B14F-4D97-AF65-F5344CB8AC3E}">
+        <p14:creationId xmlns:p14="http://schemas.microsoft.com/office/powerpoint/2010/main" val="1704525685"/>
+      </p:ext>
+    </p:extLst>
+  </p:cSld>
+  <p:clrMapOvr>
+    <a:masterClrMapping/>
+  </p:clrMapOvr>
+</p:notes>
+</file>
+
+<file path=ppt/notesSlides/notesSlide27.xml><?xml version="1.0" encoding="utf-8"?>
+<p:notes xmlns:a="http://schemas.openxmlformats.org/drawingml/2006/main" xmlns:r="http://schemas.openxmlformats.org/officeDocument/2006/relationships" xmlns:p="http://schemas.openxmlformats.org/presentationml/2006/main">
+  <p:cSld>
+    <p:spTree>
+      <p:nvGrpSpPr>
+        <p:cNvPr id="1" name=""/>
+        <p:cNvGrpSpPr/>
+        <p:nvPr/>
+      </p:nvGrpSpPr>
+      <p:grpSpPr>
+        <a:xfrm>
+          <a:off x="0" y="0"/>
+          <a:ext cx="0" cy="0"/>
+          <a:chOff x="0" y="0"/>
+          <a:chExt cx="0" cy="0"/>
+        </a:xfrm>
+      </p:grpSpPr>
+      <p:sp>
+        <p:nvSpPr>
+          <p:cNvPr id="2" name="Slide Image Placeholder 1"/>
+          <p:cNvSpPr>
+            <a:spLocks noGrp="1" noRot="1" noChangeAspect="1"/>
+          </p:cNvSpPr>
+          <p:nvPr>
+            <p:ph type="sldImg"/>
+          </p:nvPr>
+        </p:nvSpPr>
+        <p:spPr/>
+      </p:sp>
+      <p:sp>
+        <p:nvSpPr>
+          <p:cNvPr id="3" name="Notes Placeholder 2"/>
+          <p:cNvSpPr>
+            <a:spLocks noGrp="1"/>
+          </p:cNvSpPr>
+          <p:nvPr>
+            <p:ph type="body" idx="1"/>
+          </p:nvPr>
+        </p:nvSpPr>
+        <p:spPr/>
+        <p:txBody>
+          <a:bodyPr/>
+          <a:lstStyle/>
+          <a:p>
+            <a:endParaRPr lang="ru-RU" dirty="0"/>
+          </a:p>
+        </p:txBody>
+      </p:sp>
+      <p:sp>
+        <p:nvSpPr>
+          <p:cNvPr id="4" name="Slide Number Placeholder 3"/>
+          <p:cNvSpPr>
+            <a:spLocks noGrp="1"/>
+          </p:cNvSpPr>
+          <p:nvPr>
+            <p:ph type="sldNum" sz="quarter" idx="5"/>
+          </p:nvPr>
+        </p:nvSpPr>
+        <p:spPr/>
+        <p:txBody>
+          <a:bodyPr/>
+          <a:lstStyle/>
+          <a:p>
+            <a:fld id="{48C984AE-A603-4044-BF5B-25A43A0CB870}" type="slidenum">
+              <a:rPr lang="en-US" smtClean="0"/>
+              <a:t>28</a:t>
+            </a:fld>
+            <a:endParaRPr lang="en-US"/>
+          </a:p>
+        </p:txBody>
+      </p:sp>
+    </p:spTree>
+    <p:extLst>
+      <p:ext uri="{BB962C8B-B14F-4D97-AF65-F5344CB8AC3E}">
+        <p14:creationId xmlns:p14="http://schemas.microsoft.com/office/powerpoint/2010/main" val="58766433"/>
+      </p:ext>
+    </p:extLst>
+  </p:cSld>
+  <p:clrMapOvr>
+    <a:masterClrMapping/>
+  </p:clrMapOvr>
+</p:notes>
+</file>
+
+<file path=ppt/notesSlides/notesSlide28.xml><?xml version="1.0" encoding="utf-8"?>
+<p:notes xmlns:a="http://schemas.openxmlformats.org/drawingml/2006/main" xmlns:r="http://schemas.openxmlformats.org/officeDocument/2006/relationships" xmlns:p="http://schemas.openxmlformats.org/presentationml/2006/main">
+  <p:cSld>
+    <p:spTree>
+      <p:nvGrpSpPr>
+        <p:cNvPr id="1" name=""/>
+        <p:cNvGrpSpPr/>
+        <p:nvPr/>
+      </p:nvGrpSpPr>
+      <p:grpSpPr>
+        <a:xfrm>
+          <a:off x="0" y="0"/>
+          <a:ext cx="0" cy="0"/>
+          <a:chOff x="0" y="0"/>
+          <a:chExt cx="0" cy="0"/>
+        </a:xfrm>
+      </p:grpSpPr>
+      <p:sp>
+        <p:nvSpPr>
+          <p:cNvPr id="2" name="Slide Image Placeholder 1"/>
+          <p:cNvSpPr>
+            <a:spLocks noGrp="1" noRot="1" noChangeAspect="1"/>
+          </p:cNvSpPr>
+          <p:nvPr>
+            <p:ph type="sldImg"/>
+          </p:nvPr>
+        </p:nvSpPr>
+        <p:spPr/>
+      </p:sp>
+      <p:sp>
+        <p:nvSpPr>
+          <p:cNvPr id="3" name="Notes Placeholder 2"/>
+          <p:cNvSpPr>
+            <a:spLocks noGrp="1"/>
+          </p:cNvSpPr>
+          <p:nvPr>
+            <p:ph type="body" idx="1"/>
+          </p:nvPr>
+        </p:nvSpPr>
+        <p:spPr/>
+        <p:txBody>
+          <a:bodyPr/>
+          <a:lstStyle/>
+          <a:p>
+            <a:endParaRPr lang="ru-RU" dirty="0"/>
+          </a:p>
+        </p:txBody>
+      </p:sp>
+      <p:sp>
+        <p:nvSpPr>
+          <p:cNvPr id="4" name="Slide Number Placeholder 3"/>
+          <p:cNvSpPr>
+            <a:spLocks noGrp="1"/>
+          </p:cNvSpPr>
+          <p:nvPr>
+            <p:ph type="sldNum" sz="quarter" idx="5"/>
+          </p:nvPr>
+        </p:nvSpPr>
+        <p:spPr/>
+        <p:txBody>
+          <a:bodyPr/>
+          <a:lstStyle/>
+          <a:p>
+            <a:fld id="{48C984AE-A603-4044-BF5B-25A43A0CB870}" type="slidenum">
+              <a:rPr lang="en-US" smtClean="0"/>
+              <a:t>29</a:t>
+            </a:fld>
+            <a:endParaRPr lang="en-US"/>
+          </a:p>
+        </p:txBody>
+      </p:sp>
+    </p:spTree>
+    <p:extLst>
+      <p:ext uri="{BB962C8B-B14F-4D97-AF65-F5344CB8AC3E}">
+        <p14:creationId xmlns:p14="http://schemas.microsoft.com/office/powerpoint/2010/main" val="3170124116"/>
+      </p:ext>
+    </p:extLst>
+  </p:cSld>
+  <p:clrMapOvr>
+    <a:masterClrMapping/>
+  </p:clrMapOvr>
+</p:notes>
+</file>
+
+<file path=ppt/notesSlides/notesSlide29.xml><?xml version="1.0" encoding="utf-8"?>
+<p:notes xmlns:a="http://schemas.openxmlformats.org/drawingml/2006/main" xmlns:r="http://schemas.openxmlformats.org/officeDocument/2006/relationships" xmlns:p="http://schemas.openxmlformats.org/presentationml/2006/main">
+  <p:cSld>
+    <p:spTree>
+      <p:nvGrpSpPr>
+        <p:cNvPr id="1" name=""/>
+        <p:cNvGrpSpPr/>
+        <p:nvPr/>
+      </p:nvGrpSpPr>
+      <p:grpSpPr>
+        <a:xfrm>
+          <a:off x="0" y="0"/>
+          <a:ext cx="0" cy="0"/>
+          <a:chOff x="0" y="0"/>
+          <a:chExt cx="0" cy="0"/>
+        </a:xfrm>
+      </p:grpSpPr>
+      <p:sp>
+        <p:nvSpPr>
+          <p:cNvPr id="2" name="Slide Image Placeholder 1"/>
+          <p:cNvSpPr>
+            <a:spLocks noGrp="1" noRot="1" noChangeAspect="1"/>
+          </p:cNvSpPr>
+          <p:nvPr>
+            <p:ph type="sldImg"/>
+          </p:nvPr>
+        </p:nvSpPr>
+        <p:spPr/>
+      </p:sp>
+      <p:sp>
+        <p:nvSpPr>
+          <p:cNvPr id="3" name="Notes Placeholder 2"/>
+          <p:cNvSpPr>
+            <a:spLocks noGrp="1"/>
+          </p:cNvSpPr>
+          <p:nvPr>
+            <p:ph type="body" idx="1"/>
+          </p:nvPr>
+        </p:nvSpPr>
+        <p:spPr/>
+        <p:txBody>
+          <a:bodyPr/>
+          <a:lstStyle/>
+          <a:p>
+            <a:endParaRPr lang="ru-RU" dirty="0"/>
+          </a:p>
+        </p:txBody>
+      </p:sp>
+      <p:sp>
+        <p:nvSpPr>
+          <p:cNvPr id="4" name="Slide Number Placeholder 3"/>
+          <p:cNvSpPr>
+            <a:spLocks noGrp="1"/>
+          </p:cNvSpPr>
+          <p:nvPr>
+            <p:ph type="sldNum" sz="quarter" idx="5"/>
+          </p:nvPr>
+        </p:nvSpPr>
+        <p:spPr/>
+        <p:txBody>
+          <a:bodyPr/>
+          <a:lstStyle/>
+          <a:p>
+            <a:fld id="{48C984AE-A603-4044-BF5B-25A43A0CB870}" type="slidenum">
+              <a:rPr lang="en-US" smtClean="0"/>
+              <a:t>30</a:t>
+            </a:fld>
+            <a:endParaRPr lang="en-US"/>
+          </a:p>
+        </p:txBody>
+      </p:sp>
+    </p:spTree>
+    <p:extLst>
+      <p:ext uri="{BB962C8B-B14F-4D97-AF65-F5344CB8AC3E}">
+        <p14:creationId xmlns:p14="http://schemas.microsoft.com/office/powerpoint/2010/main" val="1139765377"/>
+      </p:ext>
+    </p:extLst>
+  </p:cSld>
+  <p:clrMapOvr>
+    <a:masterClrMapping/>
+  </p:clrMapOvr>
+</p:notes>
+</file>
+
+<file path=ppt/notesSlides/notesSlide3.xml><?xml version="1.0" encoding="utf-8"?>
+<p:notes xmlns:a="http://schemas.openxmlformats.org/drawingml/2006/main" xmlns:r="http://schemas.openxmlformats.org/officeDocument/2006/relationships" xmlns:p="http://schemas.openxmlformats.org/presentationml/2006/main">
+  <p:cSld>
+    <p:spTree>
+      <p:nvGrpSpPr>
+        <p:cNvPr id="1" name=""/>
+        <p:cNvGrpSpPr/>
+        <p:nvPr/>
+      </p:nvGrpSpPr>
+      <p:grpSpPr>
+        <a:xfrm>
+          <a:off x="0" y="0"/>
+          <a:ext cx="0" cy="0"/>
+          <a:chOff x="0" y="0"/>
+          <a:chExt cx="0" cy="0"/>
+        </a:xfrm>
+      </p:grpSpPr>
+      <p:sp>
+        <p:nvSpPr>
+          <p:cNvPr id="2" name="Slide Image Placeholder 1"/>
+          <p:cNvSpPr>
+            <a:spLocks noGrp="1" noRot="1" noChangeAspect="1"/>
+          </p:cNvSpPr>
+          <p:nvPr>
+            <p:ph type="sldImg"/>
+          </p:nvPr>
+        </p:nvSpPr>
+        <p:spPr/>
+      </p:sp>
+      <p:sp>
+        <p:nvSpPr>
+          <p:cNvPr id="3" name="Notes Placeholder 2"/>
+          <p:cNvSpPr>
+            <a:spLocks noGrp="1"/>
+          </p:cNvSpPr>
+          <p:nvPr>
+            <p:ph type="body" idx="1"/>
+          </p:nvPr>
+        </p:nvSpPr>
+        <p:spPr/>
+        <p:txBody>
+          <a:bodyPr/>
+          <a:lstStyle/>
+          <a:p>
+            <a:pPr marL="0" marR="0" lvl="0" indent="0" algn="l" defTabSz="914400" rtl="0" eaLnBrk="1" fontAlgn="auto" latinLnBrk="0" hangingPunct="1">
+              <a:lnSpc>
+                <a:spcPct val="100000"/>
+              </a:lnSpc>
+              <a:spcBef>
+                <a:spcPts val="0"/>
+              </a:spcBef>
+              <a:spcAft>
+                <a:spcPts val="0"/>
+              </a:spcAft>
+              <a:buClrTx/>
+              <a:buSzTx/>
+              <a:buFontTx/>
+              <a:buNone/>
+              <a:tabLst/>
+              <a:defRPr/>
+            </a:pPr>
+            <a:endParaRPr lang="ru-RU" dirty="0"/>
+          </a:p>
+        </p:txBody>
+      </p:sp>
+      <p:sp>
+        <p:nvSpPr>
+          <p:cNvPr id="4" name="Slide Number Placeholder 3"/>
+          <p:cNvSpPr>
+            <a:spLocks noGrp="1"/>
+          </p:cNvSpPr>
+          <p:nvPr>
+            <p:ph type="sldNum" sz="quarter" idx="5"/>
+          </p:nvPr>
+        </p:nvSpPr>
+        <p:spPr/>
+        <p:txBody>
+          <a:bodyPr/>
+          <a:lstStyle/>
+          <a:p>
+            <a:fld id="{48C984AE-A603-4044-BF5B-25A43A0CB870}" type="slidenum">
+              <a:rPr lang="en-US" smtClean="0"/>
+              <a:t>3</a:t>
+            </a:fld>
+            <a:endParaRPr lang="en-US"/>
+          </a:p>
+        </p:txBody>
+      </p:sp>
+    </p:spTree>
+    <p:extLst>
+      <p:ext uri="{BB962C8B-B14F-4D97-AF65-F5344CB8AC3E}">
+        <p14:creationId xmlns:p14="http://schemas.microsoft.com/office/powerpoint/2010/main" val="1447132124"/>
+      </p:ext>
+    </p:extLst>
+  </p:cSld>
+  <p:clrMapOvr>
+    <a:masterClrMapping/>
+  </p:clrMapOvr>
+</p:notes>
+</file>
+
+<file path=ppt/notesSlides/notesSlide30.xml><?xml version="1.0" encoding="utf-8"?>
+<p:notes xmlns:a="http://schemas.openxmlformats.org/drawingml/2006/main" xmlns:r="http://schemas.openxmlformats.org/officeDocument/2006/relationships" xmlns:p="http://schemas.openxmlformats.org/presentationml/2006/main">
+  <p:cSld>
+    <p:spTree>
+      <p:nvGrpSpPr>
+        <p:cNvPr id="1" name=""/>
+        <p:cNvGrpSpPr/>
+        <p:nvPr/>
+      </p:nvGrpSpPr>
+      <p:grpSpPr>
+        <a:xfrm>
+          <a:off x="0" y="0"/>
+          <a:ext cx="0" cy="0"/>
+          <a:chOff x="0" y="0"/>
+          <a:chExt cx="0" cy="0"/>
+        </a:xfrm>
+      </p:grpSpPr>
+      <p:sp>
+        <p:nvSpPr>
+          <p:cNvPr id="2" name="Slide Image Placeholder 1"/>
+          <p:cNvSpPr>
+            <a:spLocks noGrp="1" noRot="1" noChangeAspect="1"/>
+          </p:cNvSpPr>
+          <p:nvPr>
+            <p:ph type="sldImg"/>
+          </p:nvPr>
+        </p:nvSpPr>
+        <p:spPr/>
+      </p:sp>
+      <p:sp>
+        <p:nvSpPr>
+          <p:cNvPr id="3" name="Notes Placeholder 2"/>
+          <p:cNvSpPr>
+            <a:spLocks noGrp="1"/>
+          </p:cNvSpPr>
+          <p:nvPr>
+            <p:ph type="body" idx="1"/>
+          </p:nvPr>
+        </p:nvSpPr>
+        <p:spPr/>
+        <p:txBody>
+          <a:bodyPr/>
+          <a:lstStyle/>
+          <a:p>
+            <a:pPr marL="0" marR="0" lvl="0" indent="0" algn="l" defTabSz="914400" rtl="0" eaLnBrk="1" fontAlgn="auto" latinLnBrk="0" hangingPunct="1">
+              <a:lnSpc>
+                <a:spcPct val="100000"/>
+              </a:lnSpc>
+              <a:spcBef>
+                <a:spcPts val="0"/>
+              </a:spcBef>
+              <a:spcAft>
+                <a:spcPts val="0"/>
+              </a:spcAft>
+              <a:buClrTx/>
+              <a:buSzTx/>
+              <a:buFontTx/>
+              <a:buNone/>
+              <a:tabLst/>
+              <a:defRPr/>
+            </a:pPr>
+            <a:endParaRPr lang="en-US" dirty="0"/>
+          </a:p>
+        </p:txBody>
+      </p:sp>
+      <p:sp>
+        <p:nvSpPr>
+          <p:cNvPr id="4" name="Slide Number Placeholder 3"/>
+          <p:cNvSpPr>
+            <a:spLocks noGrp="1"/>
+          </p:cNvSpPr>
+          <p:nvPr>
+            <p:ph type="sldNum" sz="quarter" idx="5"/>
+          </p:nvPr>
+        </p:nvSpPr>
+        <p:spPr/>
+        <p:txBody>
+          <a:bodyPr/>
+          <a:lstStyle/>
+          <a:p>
+            <a:fld id="{48C984AE-A603-4044-BF5B-25A43A0CB870}" type="slidenum">
+              <a:rPr lang="en-US" smtClean="0"/>
+              <a:t>31</a:t>
+            </a:fld>
+            <a:endParaRPr lang="en-US"/>
+          </a:p>
+        </p:txBody>
+      </p:sp>
+    </p:spTree>
+    <p:extLst>
+      <p:ext uri="{BB962C8B-B14F-4D97-AF65-F5344CB8AC3E}">
+        <p14:creationId xmlns:p14="http://schemas.microsoft.com/office/powerpoint/2010/main" val="3847779843"/>
+      </p:ext>
+    </p:extLst>
+  </p:cSld>
+  <p:clrMapOvr>
+    <a:masterClrMapping/>
+  </p:clrMapOvr>
+</p:notes>
+</file>
+
+<file path=ppt/notesSlides/notesSlide31.xml><?xml version="1.0" encoding="utf-8"?>
+<p:notes xmlns:a="http://schemas.openxmlformats.org/drawingml/2006/main" xmlns:r="http://schemas.openxmlformats.org/officeDocument/2006/relationships" xmlns:p="http://schemas.openxmlformats.org/presentationml/2006/main">
+  <p:cSld>
+    <p:spTree>
+      <p:nvGrpSpPr>
+        <p:cNvPr id="1" name=""/>
+        <p:cNvGrpSpPr/>
+        <p:nvPr/>
+      </p:nvGrpSpPr>
+      <p:grpSpPr>
+        <a:xfrm>
+          <a:off x="0" y="0"/>
+          <a:ext cx="0" cy="0"/>
+          <a:chOff x="0" y="0"/>
+          <a:chExt cx="0" cy="0"/>
+        </a:xfrm>
+      </p:grpSpPr>
+      <p:sp>
+        <p:nvSpPr>
+          <p:cNvPr id="2" name="Slide Image Placeholder 1"/>
+          <p:cNvSpPr>
+            <a:spLocks noGrp="1" noRot="1" noChangeAspect="1"/>
+          </p:cNvSpPr>
+          <p:nvPr>
+            <p:ph type="sldImg"/>
+          </p:nvPr>
+        </p:nvSpPr>
+        <p:spPr/>
+      </p:sp>
+      <p:sp>
+        <p:nvSpPr>
+          <p:cNvPr id="3" name="Notes Placeholder 2"/>
+          <p:cNvSpPr>
+            <a:spLocks noGrp="1"/>
+          </p:cNvSpPr>
+          <p:nvPr>
+            <p:ph type="body" idx="1"/>
+          </p:nvPr>
+        </p:nvSpPr>
+        <p:spPr/>
+        <p:txBody>
+          <a:bodyPr/>
+          <a:lstStyle/>
+          <a:p>
+            <a:endParaRPr lang="en-US" dirty="0"/>
+          </a:p>
+        </p:txBody>
+      </p:sp>
+      <p:sp>
+        <p:nvSpPr>
+          <p:cNvPr id="4" name="Slide Number Placeholder 3"/>
+          <p:cNvSpPr>
+            <a:spLocks noGrp="1"/>
+          </p:cNvSpPr>
+          <p:nvPr>
+            <p:ph type="sldNum" sz="quarter" idx="5"/>
+          </p:nvPr>
+        </p:nvSpPr>
+        <p:spPr/>
+        <p:txBody>
+          <a:bodyPr/>
+          <a:lstStyle/>
+          <a:p>
+            <a:fld id="{48C984AE-A603-4044-BF5B-25A43A0CB870}" type="slidenum">
+              <a:rPr lang="en-US" smtClean="0"/>
+              <a:t>32</a:t>
+            </a:fld>
+            <a:endParaRPr lang="en-US"/>
+          </a:p>
+        </p:txBody>
+      </p:sp>
+    </p:spTree>
+    <p:extLst>
+      <p:ext uri="{BB962C8B-B14F-4D97-AF65-F5344CB8AC3E}">
+        <p14:creationId xmlns:p14="http://schemas.microsoft.com/office/powerpoint/2010/main" val="3440857585"/>
+      </p:ext>
+    </p:extLst>
+  </p:cSld>
+  <p:clrMapOvr>
+    <a:masterClrMapping/>
+  </p:clrMapOvr>
+</p:notes>
+</file>
+
+<file path=ppt/notesSlides/notesSlide32.xml><?xml version="1.0" encoding="utf-8"?>
+<p:notes xmlns:a="http://schemas.openxmlformats.org/drawingml/2006/main" xmlns:r="http://schemas.openxmlformats.org/officeDocument/2006/relationships" xmlns:p="http://schemas.openxmlformats.org/presentationml/2006/main">
+  <p:cSld>
+    <p:spTree>
+      <p:nvGrpSpPr>
+        <p:cNvPr id="1" name=""/>
+        <p:cNvGrpSpPr/>
+        <p:nvPr/>
+      </p:nvGrpSpPr>
+      <p:grpSpPr>
+        <a:xfrm>
+          <a:off x="0" y="0"/>
+          <a:ext cx="0" cy="0"/>
+          <a:chOff x="0" y="0"/>
+          <a:chExt cx="0" cy="0"/>
+        </a:xfrm>
+      </p:grpSpPr>
+      <p:sp>
+        <p:nvSpPr>
+          <p:cNvPr id="2" name="Slide Image Placeholder 1"/>
+          <p:cNvSpPr>
+            <a:spLocks noGrp="1" noRot="1" noChangeAspect="1"/>
+          </p:cNvSpPr>
+          <p:nvPr>
+            <p:ph type="sldImg"/>
+          </p:nvPr>
+        </p:nvSpPr>
+        <p:spPr/>
+      </p:sp>
+      <p:sp>
+        <p:nvSpPr>
+          <p:cNvPr id="3" name="Notes Placeholder 2"/>
+          <p:cNvSpPr>
+            <a:spLocks noGrp="1"/>
+          </p:cNvSpPr>
+          <p:nvPr>
+            <p:ph type="body" idx="1"/>
+          </p:nvPr>
+        </p:nvSpPr>
+        <p:spPr/>
+        <p:txBody>
+          <a:bodyPr/>
+          <a:lstStyle/>
+          <a:p>
+            <a:endParaRPr lang="en-US" dirty="0"/>
+          </a:p>
+        </p:txBody>
+      </p:sp>
+      <p:sp>
+        <p:nvSpPr>
+          <p:cNvPr id="4" name="Slide Number Placeholder 3"/>
+          <p:cNvSpPr>
+            <a:spLocks noGrp="1"/>
+          </p:cNvSpPr>
+          <p:nvPr>
+            <p:ph type="sldNum" sz="quarter" idx="5"/>
+          </p:nvPr>
+        </p:nvSpPr>
+        <p:spPr/>
+        <p:txBody>
+          <a:bodyPr/>
+          <a:lstStyle/>
+          <a:p>
+            <a:fld id="{48C984AE-A603-4044-BF5B-25A43A0CB870}" type="slidenum">
+              <a:rPr lang="en-US" smtClean="0"/>
+              <a:t>33</a:t>
+            </a:fld>
+            <a:endParaRPr lang="en-US"/>
+          </a:p>
+        </p:txBody>
+      </p:sp>
+    </p:spTree>
+    <p:extLst>
+      <p:ext uri="{BB962C8B-B14F-4D97-AF65-F5344CB8AC3E}">
+        <p14:creationId xmlns:p14="http://schemas.microsoft.com/office/powerpoint/2010/main" val="3219045917"/>
+      </p:ext>
+    </p:extLst>
+  </p:cSld>
+  <p:clrMapOvr>
+    <a:masterClrMapping/>
+  </p:clrMapOvr>
+</p:notes>
+</file>
+
+<file path=ppt/notesSlides/notesSlide33.xml><?xml version="1.0" encoding="utf-8"?>
+<p:notes xmlns:a="http://schemas.openxmlformats.org/drawingml/2006/main" xmlns:r="http://schemas.openxmlformats.org/officeDocument/2006/relationships" xmlns:p="http://schemas.openxmlformats.org/presentationml/2006/main">
+  <p:cSld>
+    <p:spTree>
+      <p:nvGrpSpPr>
+        <p:cNvPr id="1" name=""/>
+        <p:cNvGrpSpPr/>
+        <p:nvPr/>
+      </p:nvGrpSpPr>
+      <p:grpSpPr>
+        <a:xfrm>
+          <a:off x="0" y="0"/>
+          <a:ext cx="0" cy="0"/>
+          <a:chOff x="0" y="0"/>
+          <a:chExt cx="0" cy="0"/>
+        </a:xfrm>
+      </p:grpSpPr>
+      <p:sp>
+        <p:nvSpPr>
+          <p:cNvPr id="2" name="Slide Image Placeholder 1"/>
+          <p:cNvSpPr>
+            <a:spLocks noGrp="1" noRot="1" noChangeAspect="1"/>
+          </p:cNvSpPr>
+          <p:nvPr>
+            <p:ph type="sldImg"/>
+          </p:nvPr>
+        </p:nvSpPr>
+        <p:spPr/>
+      </p:sp>
+      <p:sp>
+        <p:nvSpPr>
+          <p:cNvPr id="3" name="Notes Placeholder 2"/>
+          <p:cNvSpPr>
+            <a:spLocks noGrp="1"/>
+          </p:cNvSpPr>
+          <p:nvPr>
+            <p:ph type="body" idx="1"/>
+          </p:nvPr>
+        </p:nvSpPr>
+        <p:spPr/>
+        <p:txBody>
+          <a:bodyPr/>
+          <a:lstStyle/>
+          <a:p>
+            <a:endParaRPr lang="en-US" dirty="0"/>
+          </a:p>
+        </p:txBody>
+      </p:sp>
+      <p:sp>
+        <p:nvSpPr>
+          <p:cNvPr id="4" name="Slide Number Placeholder 3"/>
+          <p:cNvSpPr>
+            <a:spLocks noGrp="1"/>
+          </p:cNvSpPr>
+          <p:nvPr>
+            <p:ph type="sldNum" sz="quarter" idx="5"/>
+          </p:nvPr>
+        </p:nvSpPr>
+        <p:spPr/>
+        <p:txBody>
+          <a:bodyPr/>
+          <a:lstStyle/>
+          <a:p>
+            <a:fld id="{48C984AE-A603-4044-BF5B-25A43A0CB870}" type="slidenum">
+              <a:rPr lang="en-US" smtClean="0"/>
+              <a:t>34</a:t>
+            </a:fld>
+            <a:endParaRPr lang="en-US"/>
+          </a:p>
+        </p:txBody>
+      </p:sp>
+    </p:spTree>
+    <p:extLst>
+      <p:ext uri="{BB962C8B-B14F-4D97-AF65-F5344CB8AC3E}">
+        <p14:creationId xmlns:p14="http://schemas.microsoft.com/office/powerpoint/2010/main" val="4085700139"/>
+      </p:ext>
+    </p:extLst>
+  </p:cSld>
+  <p:clrMapOvr>
+    <a:masterClrMapping/>
+  </p:clrMapOvr>
+</p:notes>
+</file>
+
+<file path=ppt/notesSlides/notesSlide34.xml><?xml version="1.0" encoding="utf-8"?>
+<p:notes xmlns:a="http://schemas.openxmlformats.org/drawingml/2006/main" xmlns:r="http://schemas.openxmlformats.org/officeDocument/2006/relationships" xmlns:p="http://schemas.openxmlformats.org/presentationml/2006/main">
+  <p:cSld>
+    <p:spTree>
+      <p:nvGrpSpPr>
+        <p:cNvPr id="1" name=""/>
+        <p:cNvGrpSpPr/>
+        <p:nvPr/>
+      </p:nvGrpSpPr>
+      <p:grpSpPr>
+        <a:xfrm>
+          <a:off x="0" y="0"/>
+          <a:ext cx="0" cy="0"/>
+          <a:chOff x="0" y="0"/>
+          <a:chExt cx="0" cy="0"/>
+        </a:xfrm>
+      </p:grpSpPr>
+      <p:sp>
+        <p:nvSpPr>
+          <p:cNvPr id="2" name="Slide Image Placeholder 1"/>
+          <p:cNvSpPr>
+            <a:spLocks noGrp="1" noRot="1" noChangeAspect="1"/>
+          </p:cNvSpPr>
+          <p:nvPr>
+            <p:ph type="sldImg"/>
+          </p:nvPr>
+        </p:nvSpPr>
+        <p:spPr/>
+      </p:sp>
+      <p:sp>
+        <p:nvSpPr>
+          <p:cNvPr id="3" name="Notes Placeholder 2"/>
+          <p:cNvSpPr>
+            <a:spLocks noGrp="1"/>
+          </p:cNvSpPr>
+          <p:nvPr>
+            <p:ph type="body" idx="1"/>
+          </p:nvPr>
+        </p:nvSpPr>
+        <p:spPr/>
+        <p:txBody>
+          <a:bodyPr/>
+          <a:lstStyle/>
+          <a:p>
+            <a:endParaRPr lang="en-US" dirty="0"/>
+          </a:p>
+        </p:txBody>
+      </p:sp>
+      <p:sp>
+        <p:nvSpPr>
+          <p:cNvPr id="4" name="Slide Number Placeholder 3"/>
+          <p:cNvSpPr>
+            <a:spLocks noGrp="1"/>
+          </p:cNvSpPr>
+          <p:nvPr>
+            <p:ph type="sldNum" sz="quarter" idx="5"/>
+          </p:nvPr>
+        </p:nvSpPr>
+        <p:spPr/>
+        <p:txBody>
+          <a:bodyPr/>
+          <a:lstStyle/>
+          <a:p>
+            <a:fld id="{48C984AE-A603-4044-BF5B-25A43A0CB870}" type="slidenum">
+              <a:rPr lang="en-US" smtClean="0"/>
+              <a:t>35</a:t>
+            </a:fld>
+            <a:endParaRPr lang="en-US"/>
+          </a:p>
+        </p:txBody>
+      </p:sp>
+    </p:spTree>
+    <p:extLst>
+      <p:ext uri="{BB962C8B-B14F-4D97-AF65-F5344CB8AC3E}">
+        <p14:creationId xmlns:p14="http://schemas.microsoft.com/office/powerpoint/2010/main" val="2653616896"/>
+      </p:ext>
+    </p:extLst>
+  </p:cSld>
+  <p:clrMapOvr>
+    <a:masterClrMapping/>
+  </p:clrMapOvr>
+</p:notes>
+</file>
+
+<file path=ppt/notesSlides/notesSlide35.xml><?xml version="1.0" encoding="utf-8"?>
+<p:notes xmlns:a="http://schemas.openxmlformats.org/drawingml/2006/main" xmlns:r="http://schemas.openxmlformats.org/officeDocument/2006/relationships" xmlns:p="http://schemas.openxmlformats.org/presentationml/2006/main">
+  <p:cSld>
+    <p:spTree>
+      <p:nvGrpSpPr>
+        <p:cNvPr id="1" name=""/>
+        <p:cNvGrpSpPr/>
+        <p:nvPr/>
+      </p:nvGrpSpPr>
+      <p:grpSpPr>
+        <a:xfrm>
+          <a:off x="0" y="0"/>
+          <a:ext cx="0" cy="0"/>
+          <a:chOff x="0" y="0"/>
+          <a:chExt cx="0" cy="0"/>
+        </a:xfrm>
+      </p:grpSpPr>
+      <p:sp>
+        <p:nvSpPr>
+          <p:cNvPr id="2" name="Slide Image Placeholder 1"/>
+          <p:cNvSpPr>
+            <a:spLocks noGrp="1" noRot="1" noChangeAspect="1"/>
+          </p:cNvSpPr>
+          <p:nvPr>
+            <p:ph type="sldImg"/>
+          </p:nvPr>
+        </p:nvSpPr>
+        <p:spPr/>
+      </p:sp>
+      <p:sp>
+        <p:nvSpPr>
+          <p:cNvPr id="3" name="Notes Placeholder 2"/>
+          <p:cNvSpPr>
+            <a:spLocks noGrp="1"/>
+          </p:cNvSpPr>
+          <p:nvPr>
+            <p:ph type="body" idx="1"/>
+          </p:nvPr>
+        </p:nvSpPr>
+        <p:spPr/>
+        <p:txBody>
+          <a:bodyPr/>
+          <a:lstStyle/>
+          <a:p>
+            <a:endParaRPr lang="en-US" dirty="0"/>
+          </a:p>
+        </p:txBody>
+      </p:sp>
+      <p:sp>
+        <p:nvSpPr>
+          <p:cNvPr id="4" name="Slide Number Placeholder 3"/>
+          <p:cNvSpPr>
+            <a:spLocks noGrp="1"/>
+          </p:cNvSpPr>
+          <p:nvPr>
+            <p:ph type="sldNum" sz="quarter" idx="5"/>
+          </p:nvPr>
+        </p:nvSpPr>
+        <p:spPr/>
+        <p:txBody>
+          <a:bodyPr/>
+          <a:lstStyle/>
+          <a:p>
+            <a:fld id="{48C984AE-A603-4044-BF5B-25A43A0CB870}" type="slidenum">
+              <a:rPr lang="en-US" smtClean="0"/>
+              <a:t>36</a:t>
+            </a:fld>
+            <a:endParaRPr lang="en-US"/>
+          </a:p>
+        </p:txBody>
+      </p:sp>
+    </p:spTree>
+    <p:extLst>
+      <p:ext uri="{BB962C8B-B14F-4D97-AF65-F5344CB8AC3E}">
+        <p14:creationId xmlns:p14="http://schemas.microsoft.com/office/powerpoint/2010/main" val="420612374"/>
+      </p:ext>
+    </p:extLst>
+  </p:cSld>
+  <p:clrMapOvr>
+    <a:masterClrMapping/>
+  </p:clrMapOvr>
+</p:notes>
+</file>
+
+<file path=ppt/notesSlides/notesSlide4.xml><?xml version="1.0" encoding="utf-8"?>
+<p:notes xmlns:a="http://schemas.openxmlformats.org/drawingml/2006/main" xmlns:r="http://schemas.openxmlformats.org/officeDocument/2006/relationships" xmlns:p="http://schemas.openxmlformats.org/presentationml/2006/main">
+  <p:cSld>
+    <p:spTree>
+      <p:nvGrpSpPr>
+        <p:cNvPr id="1" name=""/>
+        <p:cNvGrpSpPr/>
+        <p:nvPr/>
+      </p:nvGrpSpPr>
+      <p:grpSpPr>
+        <a:xfrm>
+          <a:off x="0" y="0"/>
+          <a:ext cx="0" cy="0"/>
+          <a:chOff x="0" y="0"/>
+          <a:chExt cx="0" cy="0"/>
+        </a:xfrm>
+      </p:grpSpPr>
+      <p:sp>
+        <p:nvSpPr>
+          <p:cNvPr id="2" name="Slide Image Placeholder 1"/>
+          <p:cNvSpPr>
+            <a:spLocks noGrp="1" noRot="1" noChangeAspect="1"/>
+          </p:cNvSpPr>
+          <p:nvPr>
+            <p:ph type="sldImg"/>
+          </p:nvPr>
+        </p:nvSpPr>
+        <p:spPr/>
+      </p:sp>
+      <p:sp>
+        <p:nvSpPr>
+          <p:cNvPr id="3" name="Notes Placeholder 2"/>
+          <p:cNvSpPr>
+            <a:spLocks noGrp="1"/>
+          </p:cNvSpPr>
+          <p:nvPr>
+            <p:ph type="body" idx="1"/>
+          </p:nvPr>
+        </p:nvSpPr>
+        <p:spPr/>
+        <p:txBody>
+          <a:bodyPr/>
+          <a:lstStyle/>
+          <a:p>
+            <a:pPr marL="0" marR="0" lvl="0" indent="0" algn="l" defTabSz="914400" rtl="0" eaLnBrk="1" fontAlgn="auto" latinLnBrk="0" hangingPunct="1">
+              <a:lnSpc>
+                <a:spcPct val="100000"/>
+              </a:lnSpc>
+              <a:spcBef>
+                <a:spcPts val="0"/>
+              </a:spcBef>
+              <a:spcAft>
+                <a:spcPts val="0"/>
+              </a:spcAft>
+              <a:buClrTx/>
+              <a:buSzTx/>
+              <a:buFontTx/>
+              <a:buNone/>
+              <a:tabLst/>
+              <a:defRPr/>
+            </a:pPr>
+            <a:endParaRPr lang="ru-RU" dirty="0"/>
+          </a:p>
+        </p:txBody>
+      </p:sp>
+      <p:sp>
+        <p:nvSpPr>
+          <p:cNvPr id="4" name="Slide Number Placeholder 3"/>
+          <p:cNvSpPr>
+            <a:spLocks noGrp="1"/>
+          </p:cNvSpPr>
+          <p:nvPr>
+            <p:ph type="sldNum" sz="quarter" idx="5"/>
+          </p:nvPr>
+        </p:nvSpPr>
+        <p:spPr/>
+        <p:txBody>
+          <a:bodyPr/>
+          <a:lstStyle/>
+          <a:p>
+            <a:fld id="{48C984AE-A603-4044-BF5B-25A43A0CB870}" type="slidenum">
+              <a:rPr lang="en-US" smtClean="0"/>
+              <a:t>4</a:t>
+            </a:fld>
+            <a:endParaRPr lang="en-US"/>
+          </a:p>
+        </p:txBody>
+      </p:sp>
+    </p:spTree>
+    <p:extLst>
+      <p:ext uri="{BB962C8B-B14F-4D97-AF65-F5344CB8AC3E}">
+        <p14:creationId xmlns:p14="http://schemas.microsoft.com/office/powerpoint/2010/main" val="314845433"/>
+      </p:ext>
+    </p:extLst>
+  </p:cSld>
+  <p:clrMapOvr>
+    <a:masterClrMapping/>
+  </p:clrMapOvr>
+</p:notes>
+</file>
+
+<file path=ppt/notesSlides/notesSlide5.xml><?xml version="1.0" encoding="utf-8"?>
+<p:notes xmlns:a="http://schemas.openxmlformats.org/drawingml/2006/main" xmlns:r="http://schemas.openxmlformats.org/officeDocument/2006/relationships" xmlns:p="http://schemas.openxmlformats.org/presentationml/2006/main">
+  <p:cSld>
+    <p:spTree>
+      <p:nvGrpSpPr>
+        <p:cNvPr id="1" name=""/>
+        <p:cNvGrpSpPr/>
+        <p:nvPr/>
+      </p:nvGrpSpPr>
+      <p:grpSpPr>
+        <a:xfrm>
+          <a:off x="0" y="0"/>
+          <a:ext cx="0" cy="0"/>
+          <a:chOff x="0" y="0"/>
+          <a:chExt cx="0" cy="0"/>
+        </a:xfrm>
+      </p:grpSpPr>
+      <p:sp>
+        <p:nvSpPr>
+          <p:cNvPr id="2" name="Slide Image Placeholder 1"/>
+          <p:cNvSpPr>
+            <a:spLocks noGrp="1" noRot="1" noChangeAspect="1"/>
+          </p:cNvSpPr>
+          <p:nvPr>
+            <p:ph type="sldImg"/>
+          </p:nvPr>
+        </p:nvSpPr>
+        <p:spPr/>
+      </p:sp>
+      <p:sp>
+        <p:nvSpPr>
+          <p:cNvPr id="3" name="Notes Placeholder 2"/>
+          <p:cNvSpPr>
+            <a:spLocks noGrp="1"/>
+          </p:cNvSpPr>
+          <p:nvPr>
+            <p:ph type="body" idx="1"/>
+          </p:nvPr>
+        </p:nvSpPr>
+        <p:spPr/>
+        <p:txBody>
+          <a:bodyPr/>
+          <a:lstStyle/>
+          <a:p>
+            <a:endParaRPr lang="en-US" dirty="0"/>
+          </a:p>
+        </p:txBody>
+      </p:sp>
+      <p:sp>
+        <p:nvSpPr>
+          <p:cNvPr id="4" name="Slide Number Placeholder 3"/>
+          <p:cNvSpPr>
+            <a:spLocks noGrp="1"/>
+          </p:cNvSpPr>
+          <p:nvPr>
+            <p:ph type="sldNum" sz="quarter" idx="5"/>
+          </p:nvPr>
+        </p:nvSpPr>
+        <p:spPr/>
+        <p:txBody>
+          <a:bodyPr/>
+          <a:lstStyle/>
+          <a:p>
+            <a:fld id="{48C984AE-A603-4044-BF5B-25A43A0CB870}" type="slidenum">
+              <a:rPr lang="en-US" smtClean="0"/>
+              <a:t>5</a:t>
+            </a:fld>
+            <a:endParaRPr lang="en-US"/>
+          </a:p>
+        </p:txBody>
+      </p:sp>
+    </p:spTree>
+    <p:extLst>
+      <p:ext uri="{BB962C8B-B14F-4D97-AF65-F5344CB8AC3E}">
+        <p14:creationId xmlns:p14="http://schemas.microsoft.com/office/powerpoint/2010/main" val="20717619"/>
+      </p:ext>
+    </p:extLst>
+  </p:cSld>
+  <p:clrMapOvr>
+    <a:masterClrMapping/>
+  </p:clrMapOvr>
+</p:notes>
+</file>
+
+<file path=ppt/notesSlides/notesSlide6.xml><?xml version="1.0" encoding="utf-8"?>
+<p:notes xmlns:a="http://schemas.openxmlformats.org/drawingml/2006/main" xmlns:r="http://schemas.openxmlformats.org/officeDocument/2006/relationships" xmlns:p="http://schemas.openxmlformats.org/presentationml/2006/main">
+  <p:cSld>
+    <p:spTree>
+      <p:nvGrpSpPr>
+        <p:cNvPr id="1" name=""/>
+        <p:cNvGrpSpPr/>
+        <p:nvPr/>
+      </p:nvGrpSpPr>
+      <p:grpSpPr>
+        <a:xfrm>
+          <a:off x="0" y="0"/>
+          <a:ext cx="0" cy="0"/>
+          <a:chOff x="0" y="0"/>
+          <a:chExt cx="0" cy="0"/>
+        </a:xfrm>
+      </p:grpSpPr>
+      <p:sp>
+        <p:nvSpPr>
+          <p:cNvPr id="2" name="Slide Image Placeholder 1"/>
+          <p:cNvSpPr>
+            <a:spLocks noGrp="1" noRot="1" noChangeAspect="1"/>
+          </p:cNvSpPr>
+          <p:nvPr>
+            <p:ph type="sldImg"/>
+          </p:nvPr>
+        </p:nvSpPr>
+        <p:spPr/>
+      </p:sp>
+      <p:sp>
+        <p:nvSpPr>
+          <p:cNvPr id="3" name="Notes Placeholder 2"/>
+          <p:cNvSpPr>
+            <a:spLocks noGrp="1"/>
+          </p:cNvSpPr>
+          <p:nvPr>
+            <p:ph type="body" idx="1"/>
+          </p:nvPr>
+        </p:nvSpPr>
+        <p:spPr/>
+        <p:txBody>
+          <a:bodyPr/>
+          <a:lstStyle/>
+          <a:p>
+            <a:endParaRPr lang="en-US" dirty="0"/>
+          </a:p>
+        </p:txBody>
+      </p:sp>
+      <p:sp>
+        <p:nvSpPr>
+          <p:cNvPr id="4" name="Slide Number Placeholder 3"/>
+          <p:cNvSpPr>
+            <a:spLocks noGrp="1"/>
+          </p:cNvSpPr>
+          <p:nvPr>
+            <p:ph type="sldNum" sz="quarter" idx="5"/>
+          </p:nvPr>
+        </p:nvSpPr>
+        <p:spPr/>
+        <p:txBody>
+          <a:bodyPr/>
+          <a:lstStyle/>
+          <a:p>
+            <a:fld id="{48C984AE-A603-4044-BF5B-25A43A0CB870}" type="slidenum">
+              <a:rPr lang="en-US" smtClean="0"/>
+              <a:t>6</a:t>
+            </a:fld>
+            <a:endParaRPr lang="en-US"/>
+          </a:p>
+        </p:txBody>
+      </p:sp>
+    </p:spTree>
+    <p:extLst>
+      <p:ext uri="{BB962C8B-B14F-4D97-AF65-F5344CB8AC3E}">
+        <p14:creationId xmlns:p14="http://schemas.microsoft.com/office/powerpoint/2010/main" val="340059683"/>
+      </p:ext>
+    </p:extLst>
+  </p:cSld>
+  <p:clrMapOvr>
+    <a:masterClrMapping/>
+  </p:clrMapOvr>
+</p:notes>
+</file>
+
+<file path=ppt/notesSlides/notesSlide7.xml><?xml version="1.0" encoding="utf-8"?>
+<p:notes xmlns:a="http://schemas.openxmlformats.org/drawingml/2006/main" xmlns:r="http://schemas.openxmlformats.org/officeDocument/2006/relationships" xmlns:p="http://schemas.openxmlformats.org/presentationml/2006/main">
+  <p:cSld>
+    <p:spTree>
+      <p:nvGrpSpPr>
+        <p:cNvPr id="1" name=""/>
+        <p:cNvGrpSpPr/>
+        <p:nvPr/>
+      </p:nvGrpSpPr>
+      <p:grpSpPr>
+        <a:xfrm>
+          <a:off x="0" y="0"/>
+          <a:ext cx="0" cy="0"/>
+          <a:chOff x="0" y="0"/>
+          <a:chExt cx="0" cy="0"/>
+        </a:xfrm>
+      </p:grpSpPr>
+      <p:sp>
+        <p:nvSpPr>
+          <p:cNvPr id="2" name="Slide Image Placeholder 1"/>
+          <p:cNvSpPr>
+            <a:spLocks noGrp="1" noRot="1" noChangeAspect="1"/>
+          </p:cNvSpPr>
+          <p:nvPr>
+            <p:ph type="sldImg"/>
+          </p:nvPr>
+        </p:nvSpPr>
+        <p:spPr/>
+      </p:sp>
+      <p:sp>
+        <p:nvSpPr>
+          <p:cNvPr id="3" name="Notes Placeholder 2"/>
+          <p:cNvSpPr>
+            <a:spLocks noGrp="1"/>
+          </p:cNvSpPr>
+          <p:nvPr>
+            <p:ph type="body" idx="1"/>
+          </p:nvPr>
+        </p:nvSpPr>
+        <p:spPr/>
+        <p:txBody>
+          <a:bodyPr/>
+          <a:lstStyle/>
+          <a:p>
+            <a:endParaRPr lang="en-US" dirty="0"/>
+          </a:p>
+        </p:txBody>
+      </p:sp>
+      <p:sp>
+        <p:nvSpPr>
+          <p:cNvPr id="4" name="Slide Number Placeholder 3"/>
+          <p:cNvSpPr>
+            <a:spLocks noGrp="1"/>
+          </p:cNvSpPr>
+          <p:nvPr>
+            <p:ph type="sldNum" sz="quarter" idx="5"/>
+          </p:nvPr>
+        </p:nvSpPr>
+        <p:spPr/>
+        <p:txBody>
+          <a:bodyPr/>
+          <a:lstStyle/>
+          <a:p>
+            <a:fld id="{48C984AE-A603-4044-BF5B-25A43A0CB870}" type="slidenum">
+              <a:rPr lang="en-US" smtClean="0"/>
+              <a:t>7</a:t>
+            </a:fld>
+            <a:endParaRPr lang="en-US"/>
+          </a:p>
+        </p:txBody>
+      </p:sp>
+    </p:spTree>
+    <p:extLst>
+      <p:ext uri="{BB962C8B-B14F-4D97-AF65-F5344CB8AC3E}">
+        <p14:creationId xmlns:p14="http://schemas.microsoft.com/office/powerpoint/2010/main" val="1497844731"/>
+      </p:ext>
+    </p:extLst>
+  </p:cSld>
+  <p:clrMapOvr>
+    <a:masterClrMapping/>
+  </p:clrMapOvr>
+</p:notes>
+</file>
+
+<file path=ppt/notesSlides/notesSlide8.xml><?xml version="1.0" encoding="utf-8"?>
+<p:notes xmlns:a="http://schemas.openxmlformats.org/drawingml/2006/main" xmlns:r="http://schemas.openxmlformats.org/officeDocument/2006/relationships" xmlns:p="http://schemas.openxmlformats.org/presentationml/2006/main">
+  <p:cSld>
+    <p:spTree>
+      <p:nvGrpSpPr>
+        <p:cNvPr id="1" name=""/>
+        <p:cNvGrpSpPr/>
+        <p:nvPr/>
+      </p:nvGrpSpPr>
+      <p:grpSpPr>
+        <a:xfrm>
+          <a:off x="0" y="0"/>
+          <a:ext cx="0" cy="0"/>
+          <a:chOff x="0" y="0"/>
+          <a:chExt cx="0" cy="0"/>
+        </a:xfrm>
+      </p:grpSpPr>
+      <p:sp>
+        <p:nvSpPr>
+          <p:cNvPr id="2" name="Slide Image Placeholder 1"/>
+          <p:cNvSpPr>
+            <a:spLocks noGrp="1" noRot="1" noChangeAspect="1"/>
+          </p:cNvSpPr>
+          <p:nvPr>
+            <p:ph type="sldImg"/>
+          </p:nvPr>
+        </p:nvSpPr>
+        <p:spPr/>
+      </p:sp>
+      <p:sp>
+        <p:nvSpPr>
+          <p:cNvPr id="3" name="Notes Placeholder 2"/>
+          <p:cNvSpPr>
+            <a:spLocks noGrp="1"/>
+          </p:cNvSpPr>
+          <p:nvPr>
+            <p:ph type="body" idx="1"/>
+          </p:nvPr>
+        </p:nvSpPr>
+        <p:spPr/>
+        <p:txBody>
+          <a:bodyPr/>
+          <a:lstStyle/>
+          <a:p>
+            <a:endParaRPr lang="en-US" dirty="0"/>
+          </a:p>
+        </p:txBody>
+      </p:sp>
+      <p:sp>
+        <p:nvSpPr>
+          <p:cNvPr id="4" name="Slide Number Placeholder 3"/>
+          <p:cNvSpPr>
+            <a:spLocks noGrp="1"/>
+          </p:cNvSpPr>
+          <p:nvPr>
+            <p:ph type="sldNum" sz="quarter" idx="5"/>
+          </p:nvPr>
+        </p:nvSpPr>
+        <p:spPr/>
+        <p:txBody>
+          <a:bodyPr/>
+          <a:lstStyle/>
+          <a:p>
+            <a:fld id="{48C984AE-A603-4044-BF5B-25A43A0CB870}" type="slidenum">
+              <a:rPr lang="en-US" smtClean="0"/>
+              <a:t>8</a:t>
+            </a:fld>
+            <a:endParaRPr lang="en-US"/>
+          </a:p>
+        </p:txBody>
+      </p:sp>
+    </p:spTree>
+    <p:extLst>
+      <p:ext uri="{BB962C8B-B14F-4D97-AF65-F5344CB8AC3E}">
+        <p14:creationId xmlns:p14="http://schemas.microsoft.com/office/powerpoint/2010/main" val="3562222254"/>
+      </p:ext>
+    </p:extLst>
+  </p:cSld>
+  <p:clrMapOvr>
+    <a:masterClrMapping/>
+  </p:clrMapOvr>
+</p:notes>
+</file>
+
+<file path=ppt/notesSlides/notesSlide9.xml><?xml version="1.0" encoding="utf-8"?>
+<p:notes xmlns:a="http://schemas.openxmlformats.org/drawingml/2006/main" xmlns:r="http://schemas.openxmlformats.org/officeDocument/2006/relationships" xmlns:p="http://schemas.openxmlformats.org/presentationml/2006/main">
+  <p:cSld>
+    <p:spTree>
+      <p:nvGrpSpPr>
+        <p:cNvPr id="1" name=""/>
+        <p:cNvGrpSpPr/>
+        <p:nvPr/>
+      </p:nvGrpSpPr>
+      <p:grpSpPr>
+        <a:xfrm>
+          <a:off x="0" y="0"/>
+          <a:ext cx="0" cy="0"/>
+          <a:chOff x="0" y="0"/>
+          <a:chExt cx="0" cy="0"/>
+        </a:xfrm>
+      </p:grpSpPr>
+      <p:sp>
+        <p:nvSpPr>
+          <p:cNvPr id="2" name="Slide Image Placeholder 1"/>
+          <p:cNvSpPr>
+            <a:spLocks noGrp="1" noRot="1" noChangeAspect="1"/>
+          </p:cNvSpPr>
+          <p:nvPr>
+            <p:ph type="sldImg"/>
+          </p:nvPr>
+        </p:nvSpPr>
+        <p:spPr/>
+      </p:sp>
+      <p:sp>
+        <p:nvSpPr>
+          <p:cNvPr id="3" name="Notes Placeholder 2"/>
+          <p:cNvSpPr>
+            <a:spLocks noGrp="1"/>
+          </p:cNvSpPr>
+          <p:nvPr>
+            <p:ph type="body" idx="1"/>
+          </p:nvPr>
+        </p:nvSpPr>
+        <p:spPr/>
+        <p:txBody>
+          <a:bodyPr/>
+          <a:lstStyle/>
+          <a:p>
+            <a:endParaRPr lang="ru-RU" dirty="0"/>
+          </a:p>
+        </p:txBody>
+      </p:sp>
+      <p:sp>
+        <p:nvSpPr>
+          <p:cNvPr id="4" name="Slide Number Placeholder 3"/>
+          <p:cNvSpPr>
+            <a:spLocks noGrp="1"/>
+          </p:cNvSpPr>
+          <p:nvPr>
+            <p:ph type="sldNum" sz="quarter" idx="5"/>
+          </p:nvPr>
+        </p:nvSpPr>
+        <p:spPr/>
+        <p:txBody>
+          <a:bodyPr/>
+          <a:lstStyle/>
+          <a:p>
+            <a:fld id="{48C984AE-A603-4044-BF5B-25A43A0CB870}" type="slidenum">
+              <a:rPr lang="en-US" smtClean="0"/>
+              <a:t>9</a:t>
+            </a:fld>
+            <a:endParaRPr lang="en-US"/>
+          </a:p>
+        </p:txBody>
+      </p:sp>
+    </p:spTree>
+    <p:extLst>
+      <p:ext uri="{BB962C8B-B14F-4D97-AF65-F5344CB8AC3E}">
+        <p14:creationId xmlns:p14="http://schemas.microsoft.com/office/powerpoint/2010/main" val="2612990083"/>
+      </p:ext>
+    </p:extLst>
+  </p:cSld>
+  <p:clrMapOvr>
+    <a:masterClrMapping/>
+  </p:clrMapOvr>
+</p:notes>
 </file>
 
 <file path=ppt/slideLayouts/slideLayout1.xml><?xml version="1.0" encoding="utf-8"?>
@@ -3107,7 +6496,7 @@
           <p:cNvPr id="2" name="Title 1">
             <a:extLst>
               <a:ext uri="{FF2B5EF4-FFF2-40B4-BE49-F238E27FC236}">
-                <a16:creationId xmlns:a16="http://schemas.microsoft.com/office/drawing/2014/main" id="{0967D6D5-CB0D-4879-92E5-D1AEEE92FECD}"/>
+                <a16:creationId xmlns:a16="http://schemas.microsoft.com/office/drawing/2014/main" id="{7CC8C2F9-A770-47EB-A9E7-808C72DF7F4B}"/>
               </a:ext>
             </a:extLst>
           </p:cNvPr>
@@ -3118,14 +6507,19 @@
             <p:ph type="title"/>
           </p:nvPr>
         </p:nvSpPr>
-        <p:spPr/>
+        <p:spPr>
+          <a:xfrm>
+            <a:off x="838200" y="0"/>
+            <a:ext cx="10515600" cy="1325563"/>
+          </a:xfrm>
+        </p:spPr>
         <p:txBody>
           <a:bodyPr/>
           <a:lstStyle/>
           <a:p>
             <a:r>
               <a:rPr lang="ru-RU" dirty="0"/>
-              <a:t>Клонирование проекта</a:t>
+              <a:t>Создание репозитория</a:t>
             </a:r>
             <a:endParaRPr lang="en-US" dirty="0"/>
           </a:p>
@@ -3136,7 +6530,7 @@
           <p:cNvPr id="5" name="Content Placeholder 4">
             <a:extLst>
               <a:ext uri="{FF2B5EF4-FFF2-40B4-BE49-F238E27FC236}">
-                <a16:creationId xmlns:a16="http://schemas.microsoft.com/office/drawing/2014/main" id="{2F7B52D8-1068-45B0-B9AB-78B39782FB8D}"/>
+                <a16:creationId xmlns:a16="http://schemas.microsoft.com/office/drawing/2014/main" id="{B661C347-3DC1-4A59-BC12-21504C22F899}"/>
               </a:ext>
             </a:extLst>
           </p:cNvPr>
@@ -3148,21 +6542,50 @@
           </p:nvPr>
         </p:nvPicPr>
         <p:blipFill rotWithShape="1">
-          <a:blip r:embed="rId2"/>
-          <a:srcRect t="16544" b="39156"/>
+          <a:blip r:embed="rId3"/>
+          <a:srcRect b="40488"/>
           <a:stretch/>
         </p:blipFill>
         <p:spPr>
           <a:xfrm>
-            <a:off x="560906" y="1690688"/>
-            <a:ext cx="11070187" cy="4240554"/>
+            <a:off x="259493" y="1121291"/>
+            <a:ext cx="7327556" cy="4247482"/>
           </a:xfrm>
+        </p:spPr>
+      </p:pic>
+      <p:pic>
+        <p:nvPicPr>
+          <p:cNvPr id="6" name="Content Placeholder 4">
+            <a:extLst>
+              <a:ext uri="{FF2B5EF4-FFF2-40B4-BE49-F238E27FC236}">
+                <a16:creationId xmlns:a16="http://schemas.microsoft.com/office/drawing/2014/main" id="{581CA1EF-F076-4022-A291-902151249558}"/>
+              </a:ext>
+            </a:extLst>
+          </p:cNvPr>
+          <p:cNvPicPr>
+            <a:picLocks noChangeAspect="1"/>
+          </p:cNvPicPr>
+          <p:nvPr/>
+        </p:nvPicPr>
+        <p:blipFill rotWithShape="1">
+          <a:blip r:embed="rId3"/>
+          <a:srcRect t="60873"/>
+          <a:stretch/>
+        </p:blipFill>
+        <p:spPr>
+          <a:xfrm>
+            <a:off x="5336779" y="4176584"/>
+            <a:ext cx="6595729" cy="2513669"/>
+          </a:xfrm>
+          <a:prstGeom prst="rect">
+            <a:avLst/>
+          </a:prstGeom>
         </p:spPr>
       </p:pic>
     </p:spTree>
     <p:extLst>
       <p:ext uri="{BB962C8B-B14F-4D97-AF65-F5344CB8AC3E}">
-        <p14:creationId xmlns:p14="http://schemas.microsoft.com/office/powerpoint/2010/main" val="582322722"/>
+        <p14:creationId xmlns:p14="http://schemas.microsoft.com/office/powerpoint/2010/main" val="3296804099"/>
       </p:ext>
     </p:extLst>
   </p:cSld>
@@ -3194,7 +6617,7 @@
           <p:cNvPr id="2" name="Title 1">
             <a:extLst>
               <a:ext uri="{FF2B5EF4-FFF2-40B4-BE49-F238E27FC236}">
-                <a16:creationId xmlns:a16="http://schemas.microsoft.com/office/drawing/2014/main" id="{A473DB02-56E5-4AD6-BA1D-0FA0CF68E94D}"/>
+                <a16:creationId xmlns:a16="http://schemas.microsoft.com/office/drawing/2014/main" id="{1273A35B-5574-40FD-A740-981AACC8E6D6}"/>
               </a:ext>
             </a:extLst>
           </p:cNvPr>
@@ -3205,51 +6628,60 @@
             <p:ph type="title"/>
           </p:nvPr>
         </p:nvSpPr>
-        <p:spPr/>
+        <p:spPr>
+          <a:xfrm>
+            <a:off x="838200" y="0"/>
+            <a:ext cx="10515600" cy="1325563"/>
+          </a:xfrm>
+        </p:spPr>
         <p:txBody>
           <a:bodyPr/>
           <a:lstStyle/>
           <a:p>
             <a:r>
               <a:rPr lang="ru-RU" dirty="0"/>
-              <a:t>Клонирование проекта</a:t>
-            </a:r>
-            <a:endParaRPr lang="en-US" dirty="0"/>
+              <a:t>Установка и настройка </a:t>
+            </a:r>
+            <a:r>
+              <a:rPr lang="en-US" dirty="0"/>
+              <a:t>Git</a:t>
+            </a:r>
           </a:p>
         </p:txBody>
       </p:sp>
       <p:pic>
         <p:nvPicPr>
-          <p:cNvPr id="5" name="Content Placeholder 4">
+          <p:cNvPr id="7" name="Picture 6">
             <a:extLst>
               <a:ext uri="{FF2B5EF4-FFF2-40B4-BE49-F238E27FC236}">
-                <a16:creationId xmlns:a16="http://schemas.microsoft.com/office/drawing/2014/main" id="{9441AF29-112F-45F8-B16C-019A33469D2D}"/>
+                <a16:creationId xmlns:a16="http://schemas.microsoft.com/office/drawing/2014/main" id="{C1FEE0F2-1AF5-4EF1-BCA4-F181638EB4BE}"/>
               </a:ext>
             </a:extLst>
           </p:cNvPr>
           <p:cNvPicPr>
-            <a:picLocks noGrp="1" noChangeAspect="1"/>
+            <a:picLocks noChangeAspect="1"/>
           </p:cNvPicPr>
-          <p:nvPr>
-            <p:ph idx="1"/>
-          </p:nvPr>
+          <p:nvPr/>
         </p:nvPicPr>
         <p:blipFill rotWithShape="1">
-          <a:blip r:embed="rId2"/>
-          <a:srcRect b="33105"/>
+          <a:blip r:embed="rId3"/>
+          <a:srcRect b="37005"/>
           <a:stretch/>
         </p:blipFill>
         <p:spPr>
           <a:xfrm>
-            <a:off x="948381" y="1690688"/>
-            <a:ext cx="10295238" cy="4385865"/>
+            <a:off x="2150526" y="1325563"/>
+            <a:ext cx="7890947" cy="5082112"/>
           </a:xfrm>
+          <a:prstGeom prst="rect">
+            <a:avLst/>
+          </a:prstGeom>
         </p:spPr>
       </p:pic>
     </p:spTree>
     <p:extLst>
       <p:ext uri="{BB962C8B-B14F-4D97-AF65-F5344CB8AC3E}">
-        <p14:creationId xmlns:p14="http://schemas.microsoft.com/office/powerpoint/2010/main" val="4231745001"/>
+        <p14:creationId xmlns:p14="http://schemas.microsoft.com/office/powerpoint/2010/main" val="3418843575"/>
       </p:ext>
     </p:extLst>
   </p:cSld>
@@ -3281,7 +6713,7 @@
           <p:cNvPr id="2" name="Title 1">
             <a:extLst>
               <a:ext uri="{FF2B5EF4-FFF2-40B4-BE49-F238E27FC236}">
-                <a16:creationId xmlns:a16="http://schemas.microsoft.com/office/drawing/2014/main" id="{6ECC774F-0F73-42BF-AF1F-1D8B9557AB36}"/>
+                <a16:creationId xmlns:a16="http://schemas.microsoft.com/office/drawing/2014/main" id="{A7412DAC-9C9B-4146-B50D-1D4876E32D6B}"/>
               </a:ext>
             </a:extLst>
           </p:cNvPr>
@@ -3297,46 +6729,69 @@
           <a:bodyPr/>
           <a:lstStyle/>
           <a:p>
-            <a:r>
-              <a:rPr lang="ru-RU" dirty="0"/>
-              <a:t>Создание коммита</a:t>
-            </a:r>
-            <a:endParaRPr lang="en-US" dirty="0"/>
+            <a:endParaRPr lang="en-US"/>
+          </a:p>
+        </p:txBody>
+      </p:sp>
+      <p:sp>
+        <p:nvSpPr>
+          <p:cNvPr id="3" name="Content Placeholder 2">
+            <a:extLst>
+              <a:ext uri="{FF2B5EF4-FFF2-40B4-BE49-F238E27FC236}">
+                <a16:creationId xmlns:a16="http://schemas.microsoft.com/office/drawing/2014/main" id="{B1505F71-EC20-48EB-8A9D-2FAEFA59B36B}"/>
+              </a:ext>
+            </a:extLst>
+          </p:cNvPr>
+          <p:cNvSpPr>
+            <a:spLocks noGrp="1"/>
+          </p:cNvSpPr>
+          <p:nvPr>
+            <p:ph idx="1"/>
+          </p:nvPr>
+        </p:nvSpPr>
+        <p:spPr/>
+        <p:txBody>
+          <a:bodyPr/>
+          <a:lstStyle/>
+          <a:p>
+            <a:endParaRPr lang="en-US"/>
           </a:p>
         </p:txBody>
       </p:sp>
       <p:pic>
         <p:nvPicPr>
-          <p:cNvPr id="5" name="Content Placeholder 4">
+          <p:cNvPr id="5" name="Picture 4">
             <a:extLst>
               <a:ext uri="{FF2B5EF4-FFF2-40B4-BE49-F238E27FC236}">
-                <a16:creationId xmlns:a16="http://schemas.microsoft.com/office/drawing/2014/main" id="{17DD98A5-2938-495A-BE04-1B28B36E50D3}"/>
+                <a16:creationId xmlns:a16="http://schemas.microsoft.com/office/drawing/2014/main" id="{9B17A40D-0395-4DF8-A34E-5A772833F5BD}"/>
               </a:ext>
             </a:extLst>
           </p:cNvPr>
           <p:cNvPicPr>
-            <a:picLocks noGrp="1" noChangeAspect="1"/>
+            <a:picLocks noChangeAspect="1"/>
           </p:cNvPicPr>
-          <p:nvPr>
-            <p:ph idx="1"/>
-          </p:nvPr>
+          <p:nvPr/>
         </p:nvPicPr>
-        <p:blipFill rotWithShape="1">
-          <a:blip r:embed="rId2"/>
-          <a:srcRect l="3194" t="4272" r="3543" b="35633"/>
-          <a:stretch/>
+        <p:blipFill>
+          <a:blip r:embed="rId3"/>
+          <a:stretch>
+            <a:fillRect/>
+          </a:stretch>
         </p:blipFill>
         <p:spPr>
           <a:xfrm>
-            <a:off x="1249281" y="1690688"/>
-            <a:ext cx="9693438" cy="4116988"/>
+            <a:off x="1495425" y="285750"/>
+            <a:ext cx="9201150" cy="6286500"/>
           </a:xfrm>
+          <a:prstGeom prst="rect">
+            <a:avLst/>
+          </a:prstGeom>
         </p:spPr>
       </p:pic>
     </p:spTree>
     <p:extLst>
       <p:ext uri="{BB962C8B-B14F-4D97-AF65-F5344CB8AC3E}">
-        <p14:creationId xmlns:p14="http://schemas.microsoft.com/office/powerpoint/2010/main" val="3181559682"/>
+        <p14:creationId xmlns:p14="http://schemas.microsoft.com/office/powerpoint/2010/main" val="1587704631"/>
       </p:ext>
     </p:extLst>
   </p:cSld>
@@ -3368,6 +6823,362 @@
           <p:cNvPr id="2" name="Title 1">
             <a:extLst>
               <a:ext uri="{FF2B5EF4-FFF2-40B4-BE49-F238E27FC236}">
+                <a16:creationId xmlns:a16="http://schemas.microsoft.com/office/drawing/2014/main" id="{9B57E14B-3316-4E3A-A317-97EE4862A2AD}"/>
+              </a:ext>
+            </a:extLst>
+          </p:cNvPr>
+          <p:cNvSpPr>
+            <a:spLocks noGrp="1"/>
+          </p:cNvSpPr>
+          <p:nvPr>
+            <p:ph type="title"/>
+          </p:nvPr>
+        </p:nvSpPr>
+        <p:spPr/>
+        <p:txBody>
+          <a:bodyPr/>
+          <a:lstStyle/>
+          <a:p>
+            <a:r>
+              <a:rPr lang="ru-RU" dirty="0"/>
+              <a:t>Добавление </a:t>
+            </a:r>
+            <a:r>
+              <a:rPr lang="en-US" dirty="0"/>
+              <a:t>SSH</a:t>
+            </a:r>
+            <a:r>
+              <a:rPr lang="ru-RU" dirty="0"/>
+              <a:t>-ключа</a:t>
+            </a:r>
+            <a:endParaRPr lang="en-US" dirty="0"/>
+          </a:p>
+        </p:txBody>
+      </p:sp>
+      <p:pic>
+        <p:nvPicPr>
+          <p:cNvPr id="5" name="Content Placeholder 4">
+            <a:extLst>
+              <a:ext uri="{FF2B5EF4-FFF2-40B4-BE49-F238E27FC236}">
+                <a16:creationId xmlns:a16="http://schemas.microsoft.com/office/drawing/2014/main" id="{C4613E74-D4F0-4EDA-A4B5-4121B8303E23}"/>
+              </a:ext>
+            </a:extLst>
+          </p:cNvPr>
+          <p:cNvPicPr>
+            <a:picLocks noGrp="1" noChangeAspect="1"/>
+          </p:cNvPicPr>
+          <p:nvPr>
+            <p:ph idx="1"/>
+          </p:nvPr>
+        </p:nvPicPr>
+        <p:blipFill rotWithShape="1">
+          <a:blip r:embed="rId3"/>
+          <a:srcRect t="17396" b="29217"/>
+          <a:stretch/>
+        </p:blipFill>
+        <p:spPr>
+          <a:xfrm>
+            <a:off x="1024090" y="1690688"/>
+            <a:ext cx="10143819" cy="4682765"/>
+          </a:xfrm>
+        </p:spPr>
+      </p:pic>
+    </p:spTree>
+    <p:extLst>
+      <p:ext uri="{BB962C8B-B14F-4D97-AF65-F5344CB8AC3E}">
+        <p14:creationId xmlns:p14="http://schemas.microsoft.com/office/powerpoint/2010/main" val="3068834375"/>
+      </p:ext>
+    </p:extLst>
+  </p:cSld>
+  <p:clrMapOvr>
+    <a:masterClrMapping/>
+  </p:clrMapOvr>
+</p:sld>
+</file>
+
+<file path=ppt/slides/slide14.xml><?xml version="1.0" encoding="utf-8"?>
+<p:sld xmlns:a="http://schemas.openxmlformats.org/drawingml/2006/main" xmlns:r="http://schemas.openxmlformats.org/officeDocument/2006/relationships" xmlns:p="http://schemas.openxmlformats.org/presentationml/2006/main">
+  <p:cSld>
+    <p:spTree>
+      <p:nvGrpSpPr>
+        <p:cNvPr id="1" name=""/>
+        <p:cNvGrpSpPr/>
+        <p:nvPr/>
+      </p:nvGrpSpPr>
+      <p:grpSpPr>
+        <a:xfrm>
+          <a:off x="0" y="0"/>
+          <a:ext cx="0" cy="0"/>
+          <a:chOff x="0" y="0"/>
+          <a:chExt cx="0" cy="0"/>
+        </a:xfrm>
+      </p:grpSpPr>
+      <p:sp>
+        <p:nvSpPr>
+          <p:cNvPr id="2" name="Title 1">
+            <a:extLst>
+              <a:ext uri="{FF2B5EF4-FFF2-40B4-BE49-F238E27FC236}">
+                <a16:creationId xmlns:a16="http://schemas.microsoft.com/office/drawing/2014/main" id="{A473DB02-56E5-4AD6-BA1D-0FA0CF68E94D}"/>
+              </a:ext>
+            </a:extLst>
+          </p:cNvPr>
+          <p:cNvSpPr>
+            <a:spLocks noGrp="1"/>
+          </p:cNvSpPr>
+          <p:nvPr>
+            <p:ph type="title"/>
+          </p:nvPr>
+        </p:nvSpPr>
+        <p:spPr/>
+        <p:txBody>
+          <a:bodyPr/>
+          <a:lstStyle/>
+          <a:p>
+            <a:r>
+              <a:rPr lang="ru-RU" dirty="0"/>
+              <a:t>Клонирование проекта</a:t>
+            </a:r>
+            <a:endParaRPr lang="en-US" dirty="0"/>
+          </a:p>
+        </p:txBody>
+      </p:sp>
+      <p:pic>
+        <p:nvPicPr>
+          <p:cNvPr id="5" name="Content Placeholder 4">
+            <a:extLst>
+              <a:ext uri="{FF2B5EF4-FFF2-40B4-BE49-F238E27FC236}">
+                <a16:creationId xmlns:a16="http://schemas.microsoft.com/office/drawing/2014/main" id="{9441AF29-112F-45F8-B16C-019A33469D2D}"/>
+              </a:ext>
+            </a:extLst>
+          </p:cNvPr>
+          <p:cNvPicPr>
+            <a:picLocks noGrp="1" noChangeAspect="1"/>
+          </p:cNvPicPr>
+          <p:nvPr>
+            <p:ph idx="1"/>
+          </p:nvPr>
+        </p:nvPicPr>
+        <p:blipFill rotWithShape="1">
+          <a:blip r:embed="rId3"/>
+          <a:srcRect b="33105"/>
+          <a:stretch/>
+        </p:blipFill>
+        <p:spPr>
+          <a:xfrm>
+            <a:off x="948381" y="1690688"/>
+            <a:ext cx="10295238" cy="4385865"/>
+          </a:xfrm>
+        </p:spPr>
+      </p:pic>
+    </p:spTree>
+    <p:extLst>
+      <p:ext uri="{BB962C8B-B14F-4D97-AF65-F5344CB8AC3E}">
+        <p14:creationId xmlns:p14="http://schemas.microsoft.com/office/powerpoint/2010/main" val="4231745001"/>
+      </p:ext>
+    </p:extLst>
+  </p:cSld>
+  <p:clrMapOvr>
+    <a:masterClrMapping/>
+  </p:clrMapOvr>
+</p:sld>
+</file>
+
+<file path=ppt/slides/slide15.xml><?xml version="1.0" encoding="utf-8"?>
+<p:sld xmlns:a="http://schemas.openxmlformats.org/drawingml/2006/main" xmlns:r="http://schemas.openxmlformats.org/officeDocument/2006/relationships" xmlns:p="http://schemas.openxmlformats.org/presentationml/2006/main">
+  <p:cSld>
+    <p:spTree>
+      <p:nvGrpSpPr>
+        <p:cNvPr id="1" name=""/>
+        <p:cNvGrpSpPr/>
+        <p:nvPr/>
+      </p:nvGrpSpPr>
+      <p:grpSpPr>
+        <a:xfrm>
+          <a:off x="0" y="0"/>
+          <a:ext cx="0" cy="0"/>
+          <a:chOff x="0" y="0"/>
+          <a:chExt cx="0" cy="0"/>
+        </a:xfrm>
+      </p:grpSpPr>
+      <p:sp>
+        <p:nvSpPr>
+          <p:cNvPr id="2" name="Title 1">
+            <a:extLst>
+              <a:ext uri="{FF2B5EF4-FFF2-40B4-BE49-F238E27FC236}">
+                <a16:creationId xmlns:a16="http://schemas.microsoft.com/office/drawing/2014/main" id="{0967D6D5-CB0D-4879-92E5-D1AEEE92FECD}"/>
+              </a:ext>
+            </a:extLst>
+          </p:cNvPr>
+          <p:cNvSpPr>
+            <a:spLocks noGrp="1"/>
+          </p:cNvSpPr>
+          <p:nvPr>
+            <p:ph type="title"/>
+          </p:nvPr>
+        </p:nvSpPr>
+        <p:spPr/>
+        <p:txBody>
+          <a:bodyPr/>
+          <a:lstStyle/>
+          <a:p>
+            <a:r>
+              <a:rPr lang="ru-RU" dirty="0"/>
+              <a:t>Клонирование проекта</a:t>
+            </a:r>
+            <a:endParaRPr lang="en-US" dirty="0"/>
+          </a:p>
+        </p:txBody>
+      </p:sp>
+      <p:pic>
+        <p:nvPicPr>
+          <p:cNvPr id="5" name="Content Placeholder 4">
+            <a:extLst>
+              <a:ext uri="{FF2B5EF4-FFF2-40B4-BE49-F238E27FC236}">
+                <a16:creationId xmlns:a16="http://schemas.microsoft.com/office/drawing/2014/main" id="{2F7B52D8-1068-45B0-B9AB-78B39782FB8D}"/>
+              </a:ext>
+            </a:extLst>
+          </p:cNvPr>
+          <p:cNvPicPr>
+            <a:picLocks noGrp="1" noChangeAspect="1"/>
+          </p:cNvPicPr>
+          <p:nvPr>
+            <p:ph idx="1"/>
+          </p:nvPr>
+        </p:nvPicPr>
+        <p:blipFill rotWithShape="1">
+          <a:blip r:embed="rId3"/>
+          <a:srcRect t="16544" b="39156"/>
+          <a:stretch/>
+        </p:blipFill>
+        <p:spPr>
+          <a:xfrm>
+            <a:off x="560906" y="1690688"/>
+            <a:ext cx="11070187" cy="4240554"/>
+          </a:xfrm>
+        </p:spPr>
+      </p:pic>
+    </p:spTree>
+    <p:extLst>
+      <p:ext uri="{BB962C8B-B14F-4D97-AF65-F5344CB8AC3E}">
+        <p14:creationId xmlns:p14="http://schemas.microsoft.com/office/powerpoint/2010/main" val="582322722"/>
+      </p:ext>
+    </p:extLst>
+  </p:cSld>
+  <p:clrMapOvr>
+    <a:masterClrMapping/>
+  </p:clrMapOvr>
+</p:sld>
+</file>
+
+<file path=ppt/slides/slide16.xml><?xml version="1.0" encoding="utf-8"?>
+<p:sld xmlns:a="http://schemas.openxmlformats.org/drawingml/2006/main" xmlns:r="http://schemas.openxmlformats.org/officeDocument/2006/relationships" xmlns:p="http://schemas.openxmlformats.org/presentationml/2006/main">
+  <p:cSld>
+    <p:spTree>
+      <p:nvGrpSpPr>
+        <p:cNvPr id="1" name=""/>
+        <p:cNvGrpSpPr/>
+        <p:nvPr/>
+      </p:nvGrpSpPr>
+      <p:grpSpPr>
+        <a:xfrm>
+          <a:off x="0" y="0"/>
+          <a:ext cx="0" cy="0"/>
+          <a:chOff x="0" y="0"/>
+          <a:chExt cx="0" cy="0"/>
+        </a:xfrm>
+      </p:grpSpPr>
+      <p:sp>
+        <p:nvSpPr>
+          <p:cNvPr id="2" name="Title 1">
+            <a:extLst>
+              <a:ext uri="{FF2B5EF4-FFF2-40B4-BE49-F238E27FC236}">
+                <a16:creationId xmlns:a16="http://schemas.microsoft.com/office/drawing/2014/main" id="{6ECC774F-0F73-42BF-AF1F-1D8B9557AB36}"/>
+              </a:ext>
+            </a:extLst>
+          </p:cNvPr>
+          <p:cNvSpPr>
+            <a:spLocks noGrp="1"/>
+          </p:cNvSpPr>
+          <p:nvPr>
+            <p:ph type="title"/>
+          </p:nvPr>
+        </p:nvSpPr>
+        <p:spPr/>
+        <p:txBody>
+          <a:bodyPr/>
+          <a:lstStyle/>
+          <a:p>
+            <a:r>
+              <a:rPr lang="ru-RU" dirty="0"/>
+              <a:t>Создание коммита</a:t>
+            </a:r>
+            <a:endParaRPr lang="en-US" dirty="0"/>
+          </a:p>
+        </p:txBody>
+      </p:sp>
+      <p:pic>
+        <p:nvPicPr>
+          <p:cNvPr id="5" name="Content Placeholder 4">
+            <a:extLst>
+              <a:ext uri="{FF2B5EF4-FFF2-40B4-BE49-F238E27FC236}">
+                <a16:creationId xmlns:a16="http://schemas.microsoft.com/office/drawing/2014/main" id="{17DD98A5-2938-495A-BE04-1B28B36E50D3}"/>
+              </a:ext>
+            </a:extLst>
+          </p:cNvPr>
+          <p:cNvPicPr>
+            <a:picLocks noGrp="1" noChangeAspect="1"/>
+          </p:cNvPicPr>
+          <p:nvPr>
+            <p:ph idx="1"/>
+          </p:nvPr>
+        </p:nvPicPr>
+        <p:blipFill rotWithShape="1">
+          <a:blip r:embed="rId3"/>
+          <a:srcRect l="3194" t="4272" r="3543" b="35633"/>
+          <a:stretch/>
+        </p:blipFill>
+        <p:spPr>
+          <a:xfrm>
+            <a:off x="1249281" y="1690688"/>
+            <a:ext cx="9693438" cy="4116988"/>
+          </a:xfrm>
+        </p:spPr>
+      </p:pic>
+    </p:spTree>
+    <p:extLst>
+      <p:ext uri="{BB962C8B-B14F-4D97-AF65-F5344CB8AC3E}">
+        <p14:creationId xmlns:p14="http://schemas.microsoft.com/office/powerpoint/2010/main" val="3181559682"/>
+      </p:ext>
+    </p:extLst>
+  </p:cSld>
+  <p:clrMapOvr>
+    <a:masterClrMapping/>
+  </p:clrMapOvr>
+</p:sld>
+</file>
+
+<file path=ppt/slides/slide17.xml><?xml version="1.0" encoding="utf-8"?>
+<p:sld xmlns:a="http://schemas.openxmlformats.org/drawingml/2006/main" xmlns:r="http://schemas.openxmlformats.org/officeDocument/2006/relationships" xmlns:p="http://schemas.openxmlformats.org/presentationml/2006/main">
+  <p:cSld>
+    <p:spTree>
+      <p:nvGrpSpPr>
+        <p:cNvPr id="1" name=""/>
+        <p:cNvGrpSpPr/>
+        <p:nvPr/>
+      </p:nvGrpSpPr>
+      <p:grpSpPr>
+        <a:xfrm>
+          <a:off x="0" y="0"/>
+          <a:ext cx="0" cy="0"/>
+          <a:chOff x="0" y="0"/>
+          <a:chExt cx="0" cy="0"/>
+        </a:xfrm>
+      </p:grpSpPr>
+      <p:sp>
+        <p:nvSpPr>
+          <p:cNvPr id="2" name="Title 1">
+            <a:extLst>
+              <a:ext uri="{FF2B5EF4-FFF2-40B4-BE49-F238E27FC236}">
                 <a16:creationId xmlns:a16="http://schemas.microsoft.com/office/drawing/2014/main" id="{45ADD769-029E-424F-953A-7E2424067E69}"/>
               </a:ext>
             </a:extLst>
@@ -3408,7 +7219,7 @@
           </p:nvPr>
         </p:nvPicPr>
         <p:blipFill rotWithShape="1">
-          <a:blip r:embed="rId2"/>
+          <a:blip r:embed="rId3"/>
           <a:srcRect b="14522"/>
           <a:stretch/>
         </p:blipFill>
@@ -3432,7 +7243,7 @@
 </p:sld>
 </file>
 
-<file path=ppt/slides/slide14.xml><?xml version="1.0" encoding="utf-8"?>
+<file path=ppt/slides/slide18.xml><?xml version="1.0" encoding="utf-8"?>
 <p:sld xmlns:a="http://schemas.openxmlformats.org/drawingml/2006/main" xmlns:r="http://schemas.openxmlformats.org/officeDocument/2006/relationships" xmlns:p="http://schemas.openxmlformats.org/presentationml/2006/main">
   <p:cSld>
     <p:spTree>
@@ -3548,7 +7359,7 @@
 </p:sld>
 </file>
 
-<file path=ppt/slides/slide15.xml><?xml version="1.0" encoding="utf-8"?>
+<file path=ppt/slides/slide19.xml><?xml version="1.0" encoding="utf-8"?>
 <p:sld xmlns:a="http://schemas.openxmlformats.org/drawingml/2006/main" xmlns:r="http://schemas.openxmlformats.org/officeDocument/2006/relationships" xmlns:p="http://schemas.openxmlformats.org/presentationml/2006/main">
   <p:cSld>
     <p:spTree>
@@ -3612,7 +7423,7 @@
           <p:nvPr/>
         </p:nvPicPr>
         <p:blipFill>
-          <a:blip r:embed="rId2"/>
+          <a:blip r:embed="rId3"/>
           <a:stretch>
             <a:fillRect/>
           </a:stretch>
@@ -3642,7 +7453,7 @@
           <p:nvPr/>
         </p:nvPicPr>
         <p:blipFill>
-          <a:blip r:embed="rId3"/>
+          <a:blip r:embed="rId4"/>
           <a:stretch>
             <a:fillRect/>
           </a:stretch>
@@ -3670,366 +7481,6 @@
 </p:sld>
 </file>
 
-<file path=ppt/slides/slide16.xml><?xml version="1.0" encoding="utf-8"?>
-<p:sld xmlns:a="http://schemas.openxmlformats.org/drawingml/2006/main" xmlns:r="http://schemas.openxmlformats.org/officeDocument/2006/relationships" xmlns:p="http://schemas.openxmlformats.org/presentationml/2006/main">
-  <p:cSld>
-    <p:spTree>
-      <p:nvGrpSpPr>
-        <p:cNvPr id="1" name=""/>
-        <p:cNvGrpSpPr/>
-        <p:nvPr/>
-      </p:nvGrpSpPr>
-      <p:grpSpPr>
-        <a:xfrm>
-          <a:off x="0" y="0"/>
-          <a:ext cx="0" cy="0"/>
-          <a:chOff x="0" y="0"/>
-          <a:chExt cx="0" cy="0"/>
-        </a:xfrm>
-      </p:grpSpPr>
-      <p:sp>
-        <p:nvSpPr>
-          <p:cNvPr id="2" name="Title 1">
-            <a:extLst>
-              <a:ext uri="{FF2B5EF4-FFF2-40B4-BE49-F238E27FC236}">
-                <a16:creationId xmlns:a16="http://schemas.microsoft.com/office/drawing/2014/main" id="{492C6A78-B421-4E9D-BFAF-5FC2961002AA}"/>
-              </a:ext>
-            </a:extLst>
-          </p:cNvPr>
-          <p:cNvSpPr>
-            <a:spLocks noGrp="1"/>
-          </p:cNvSpPr>
-          <p:nvPr>
-            <p:ph type="title"/>
-          </p:nvPr>
-        </p:nvSpPr>
-        <p:spPr/>
-        <p:txBody>
-          <a:bodyPr/>
-          <a:lstStyle/>
-          <a:p>
-            <a:r>
-              <a:rPr lang="ru-RU" dirty="0"/>
-              <a:t>Режим интерпретатора</a:t>
-            </a:r>
-            <a:endParaRPr lang="en-US" dirty="0"/>
-          </a:p>
-        </p:txBody>
-      </p:sp>
-      <p:pic>
-        <p:nvPicPr>
-          <p:cNvPr id="5" name="Content Placeholder 4">
-            <a:extLst>
-              <a:ext uri="{FF2B5EF4-FFF2-40B4-BE49-F238E27FC236}">
-                <a16:creationId xmlns:a16="http://schemas.microsoft.com/office/drawing/2014/main" id="{D1AC4792-C8D1-403B-B3D4-EC1073133A69}"/>
-              </a:ext>
-            </a:extLst>
-          </p:cNvPr>
-          <p:cNvPicPr>
-            <a:picLocks noGrp="1" noChangeAspect="1"/>
-          </p:cNvPicPr>
-          <p:nvPr>
-            <p:ph idx="1"/>
-          </p:nvPr>
-        </p:nvPicPr>
-        <p:blipFill>
-          <a:blip r:embed="rId2"/>
-          <a:stretch>
-            <a:fillRect/>
-          </a:stretch>
-        </p:blipFill>
-        <p:spPr>
-          <a:xfrm>
-            <a:off x="2333238" y="1992162"/>
-            <a:ext cx="8157648" cy="3856768"/>
-          </a:xfrm>
-        </p:spPr>
-      </p:pic>
-    </p:spTree>
-    <p:extLst>
-      <p:ext uri="{BB962C8B-B14F-4D97-AF65-F5344CB8AC3E}">
-        <p14:creationId xmlns:p14="http://schemas.microsoft.com/office/powerpoint/2010/main" val="3912470227"/>
-      </p:ext>
-    </p:extLst>
-  </p:cSld>
-  <p:clrMapOvr>
-    <a:masterClrMapping/>
-  </p:clrMapOvr>
-</p:sld>
-</file>
-
-<file path=ppt/slides/slide17.xml><?xml version="1.0" encoding="utf-8"?>
-<p:sld xmlns:a="http://schemas.openxmlformats.org/drawingml/2006/main" xmlns:r="http://schemas.openxmlformats.org/officeDocument/2006/relationships" xmlns:p="http://schemas.openxmlformats.org/presentationml/2006/main">
-  <p:cSld>
-    <p:spTree>
-      <p:nvGrpSpPr>
-        <p:cNvPr id="1" name=""/>
-        <p:cNvGrpSpPr/>
-        <p:nvPr/>
-      </p:nvGrpSpPr>
-      <p:grpSpPr>
-        <a:xfrm>
-          <a:off x="0" y="0"/>
-          <a:ext cx="0" cy="0"/>
-          <a:chOff x="0" y="0"/>
-          <a:chExt cx="0" cy="0"/>
-        </a:xfrm>
-      </p:grpSpPr>
-      <p:sp>
-        <p:nvSpPr>
-          <p:cNvPr id="2" name="Title 1">
-            <a:extLst>
-              <a:ext uri="{FF2B5EF4-FFF2-40B4-BE49-F238E27FC236}">
-                <a16:creationId xmlns:a16="http://schemas.microsoft.com/office/drawing/2014/main" id="{8BF40CD0-86F0-42E5-A57E-FE11D8F91356}"/>
-              </a:ext>
-            </a:extLst>
-          </p:cNvPr>
-          <p:cNvSpPr>
-            <a:spLocks noGrp="1"/>
-          </p:cNvSpPr>
-          <p:nvPr>
-            <p:ph type="title"/>
-          </p:nvPr>
-        </p:nvSpPr>
-        <p:spPr/>
-        <p:txBody>
-          <a:bodyPr/>
-          <a:lstStyle/>
-          <a:p>
-            <a:r>
-              <a:rPr lang="ru-RU" dirty="0"/>
-              <a:t>Блок </a:t>
-            </a:r>
-            <a:r>
-              <a:rPr lang="en-US" dirty="0"/>
-              <a:t>main</a:t>
-            </a:r>
-          </a:p>
-        </p:txBody>
-      </p:sp>
-      <p:pic>
-        <p:nvPicPr>
-          <p:cNvPr id="5" name="Content Placeholder 4">
-            <a:extLst>
-              <a:ext uri="{FF2B5EF4-FFF2-40B4-BE49-F238E27FC236}">
-                <a16:creationId xmlns:a16="http://schemas.microsoft.com/office/drawing/2014/main" id="{619CB618-5858-4640-818A-DC8D3163A2C0}"/>
-              </a:ext>
-            </a:extLst>
-          </p:cNvPr>
-          <p:cNvPicPr>
-            <a:picLocks noGrp="1" noChangeAspect="1"/>
-          </p:cNvPicPr>
-          <p:nvPr>
-            <p:ph idx="1"/>
-          </p:nvPr>
-        </p:nvPicPr>
-        <p:blipFill>
-          <a:blip r:embed="rId2"/>
-          <a:stretch>
-            <a:fillRect/>
-          </a:stretch>
-        </p:blipFill>
-        <p:spPr>
-          <a:xfrm>
-            <a:off x="2347863" y="1753565"/>
-            <a:ext cx="7496274" cy="3350869"/>
-          </a:xfrm>
-        </p:spPr>
-      </p:pic>
-    </p:spTree>
-    <p:extLst>
-      <p:ext uri="{BB962C8B-B14F-4D97-AF65-F5344CB8AC3E}">
-        <p14:creationId xmlns:p14="http://schemas.microsoft.com/office/powerpoint/2010/main" val="403493871"/>
-      </p:ext>
-    </p:extLst>
-  </p:cSld>
-  <p:clrMapOvr>
-    <a:masterClrMapping/>
-  </p:clrMapOvr>
-</p:sld>
-</file>
-
-<file path=ppt/slides/slide18.xml><?xml version="1.0" encoding="utf-8"?>
-<p:sld xmlns:a="http://schemas.openxmlformats.org/drawingml/2006/main" xmlns:r="http://schemas.openxmlformats.org/officeDocument/2006/relationships" xmlns:p="http://schemas.openxmlformats.org/presentationml/2006/main">
-  <p:cSld>
-    <p:spTree>
-      <p:nvGrpSpPr>
-        <p:cNvPr id="1" name=""/>
-        <p:cNvGrpSpPr/>
-        <p:nvPr/>
-      </p:nvGrpSpPr>
-      <p:grpSpPr>
-        <a:xfrm>
-          <a:off x="0" y="0"/>
-          <a:ext cx="0" cy="0"/>
-          <a:chOff x="0" y="0"/>
-          <a:chExt cx="0" cy="0"/>
-        </a:xfrm>
-      </p:grpSpPr>
-      <p:sp>
-        <p:nvSpPr>
-          <p:cNvPr id="2" name="Title 1">
-            <a:extLst>
-              <a:ext uri="{FF2B5EF4-FFF2-40B4-BE49-F238E27FC236}">
-                <a16:creationId xmlns:a16="http://schemas.microsoft.com/office/drawing/2014/main" id="{AB772180-BA4E-4698-AD6E-841FDCD1EDB1}"/>
-              </a:ext>
-            </a:extLst>
-          </p:cNvPr>
-          <p:cNvSpPr>
-            <a:spLocks noGrp="1"/>
-          </p:cNvSpPr>
-          <p:nvPr>
-            <p:ph type="title"/>
-          </p:nvPr>
-        </p:nvSpPr>
-        <p:spPr/>
-        <p:txBody>
-          <a:bodyPr/>
-          <a:lstStyle/>
-          <a:p>
-            <a:r>
-              <a:rPr lang="ru-RU" dirty="0"/>
-              <a:t>Кодировка </a:t>
-            </a:r>
-            <a:r>
-              <a:rPr lang="en-US" dirty="0"/>
-              <a:t>UTF-8</a:t>
-            </a:r>
-          </a:p>
-        </p:txBody>
-      </p:sp>
-      <p:pic>
-        <p:nvPicPr>
-          <p:cNvPr id="9" name="Picture 8">
-            <a:extLst>
-              <a:ext uri="{FF2B5EF4-FFF2-40B4-BE49-F238E27FC236}">
-                <a16:creationId xmlns:a16="http://schemas.microsoft.com/office/drawing/2014/main" id="{1894C1E3-46AF-4F1D-AC58-AD1B30F22BFA}"/>
-              </a:ext>
-            </a:extLst>
-          </p:cNvPr>
-          <p:cNvPicPr>
-            <a:picLocks noChangeAspect="1"/>
-          </p:cNvPicPr>
-          <p:nvPr/>
-        </p:nvPicPr>
-        <p:blipFill>
-          <a:blip r:embed="rId2"/>
-          <a:stretch>
-            <a:fillRect/>
-          </a:stretch>
-        </p:blipFill>
-        <p:spPr>
-          <a:xfrm>
-            <a:off x="1987627" y="1844503"/>
-            <a:ext cx="8216746" cy="3168993"/>
-          </a:xfrm>
-          <a:prstGeom prst="rect">
-            <a:avLst/>
-          </a:prstGeom>
-        </p:spPr>
-      </p:pic>
-    </p:spTree>
-    <p:extLst>
-      <p:ext uri="{BB962C8B-B14F-4D97-AF65-F5344CB8AC3E}">
-        <p14:creationId xmlns:p14="http://schemas.microsoft.com/office/powerpoint/2010/main" val="4190303555"/>
-      </p:ext>
-    </p:extLst>
-  </p:cSld>
-  <p:clrMapOvr>
-    <a:masterClrMapping/>
-  </p:clrMapOvr>
-</p:sld>
-</file>
-
-<file path=ppt/slides/slide19.xml><?xml version="1.0" encoding="utf-8"?>
-<p:sld xmlns:a="http://schemas.openxmlformats.org/drawingml/2006/main" xmlns:r="http://schemas.openxmlformats.org/officeDocument/2006/relationships" xmlns:p="http://schemas.openxmlformats.org/presentationml/2006/main">
-  <p:cSld>
-    <p:spTree>
-      <p:nvGrpSpPr>
-        <p:cNvPr id="1" name=""/>
-        <p:cNvGrpSpPr/>
-        <p:nvPr/>
-      </p:nvGrpSpPr>
-      <p:grpSpPr>
-        <a:xfrm>
-          <a:off x="0" y="0"/>
-          <a:ext cx="0" cy="0"/>
-          <a:chOff x="0" y="0"/>
-          <a:chExt cx="0" cy="0"/>
-        </a:xfrm>
-      </p:grpSpPr>
-      <p:sp>
-        <p:nvSpPr>
-          <p:cNvPr id="2" name="Title 1">
-            <a:extLst>
-              <a:ext uri="{FF2B5EF4-FFF2-40B4-BE49-F238E27FC236}">
-                <a16:creationId xmlns:a16="http://schemas.microsoft.com/office/drawing/2014/main" id="{82C89F6C-7822-4ACC-991B-25FB8294A0E7}"/>
-              </a:ext>
-            </a:extLst>
-          </p:cNvPr>
-          <p:cNvSpPr>
-            <a:spLocks noGrp="1"/>
-          </p:cNvSpPr>
-          <p:nvPr>
-            <p:ph type="title"/>
-          </p:nvPr>
-        </p:nvSpPr>
-        <p:spPr/>
-        <p:txBody>
-          <a:bodyPr/>
-          <a:lstStyle/>
-          <a:p>
-            <a:r>
-              <a:rPr lang="ru-RU" dirty="0"/>
-              <a:t>Комментарии</a:t>
-            </a:r>
-            <a:endParaRPr lang="en-US" dirty="0"/>
-          </a:p>
-        </p:txBody>
-      </p:sp>
-      <p:pic>
-        <p:nvPicPr>
-          <p:cNvPr id="7" name="Picture 6">
-            <a:extLst>
-              <a:ext uri="{FF2B5EF4-FFF2-40B4-BE49-F238E27FC236}">
-                <a16:creationId xmlns:a16="http://schemas.microsoft.com/office/drawing/2014/main" id="{A83814C4-CC52-4924-8300-0AC1B1F569BA}"/>
-              </a:ext>
-            </a:extLst>
-          </p:cNvPr>
-          <p:cNvPicPr>
-            <a:picLocks noChangeAspect="1"/>
-          </p:cNvPicPr>
-          <p:nvPr/>
-        </p:nvPicPr>
-        <p:blipFill>
-          <a:blip r:embed="rId2"/>
-          <a:stretch>
-            <a:fillRect/>
-          </a:stretch>
-        </p:blipFill>
-        <p:spPr>
-          <a:xfrm>
-            <a:off x="1202936" y="2608498"/>
-            <a:ext cx="9786127" cy="1641003"/>
-          </a:xfrm>
-          <a:prstGeom prst="rect">
-            <a:avLst/>
-          </a:prstGeom>
-        </p:spPr>
-      </p:pic>
-    </p:spTree>
-    <p:extLst>
-      <p:ext uri="{BB962C8B-B14F-4D97-AF65-F5344CB8AC3E}">
-        <p14:creationId xmlns:p14="http://schemas.microsoft.com/office/powerpoint/2010/main" val="1804923854"/>
-      </p:ext>
-    </p:extLst>
-  </p:cSld>
-  <p:clrMapOvr>
-    <a:masterClrMapping/>
-  </p:clrMapOvr>
-</p:sld>
-</file>
-
 <file path=ppt/slides/slide2.xml><?xml version="1.0" encoding="utf-8"?>
 <p:sld xmlns:a="http://schemas.openxmlformats.org/drawingml/2006/main" xmlns:r="http://schemas.openxmlformats.org/officeDocument/2006/relationships" xmlns:p="http://schemas.openxmlformats.org/presentationml/2006/main">
   <p:cSld>
@@ -4070,7 +7521,6 @@
           </a:bodyPr>
           <a:lstStyle/>
           <a:p>
-            <a:pPr algn="ctr"/>
             <a:r>
               <a:rPr lang="ru-RU" sz="4800" b="1" dirty="0"/>
               <a:t>Контактная информация</a:t>
@@ -4184,7 +7634,7 @@
           <p:cNvPr id="2" name="Title 1">
             <a:extLst>
               <a:ext uri="{FF2B5EF4-FFF2-40B4-BE49-F238E27FC236}">
-                <a16:creationId xmlns:a16="http://schemas.microsoft.com/office/drawing/2014/main" id="{594C8F19-0EF2-40A0-8F37-B7E812A560DD}"/>
+                <a16:creationId xmlns:a16="http://schemas.microsoft.com/office/drawing/2014/main" id="{492C6A78-B421-4E9D-BFAF-5FC2961002AA}"/>
               </a:ext>
             </a:extLst>
           </p:cNvPr>
@@ -4202,7 +7652,7 @@
           <a:p>
             <a:r>
               <a:rPr lang="ru-RU" dirty="0"/>
-              <a:t>Многострочные комментарии</a:t>
+              <a:t>Режим интерпретатора</a:t>
             </a:r>
             <a:endParaRPr lang="en-US" dirty="0"/>
           </a:p>
@@ -4213,7 +7663,7 @@
           <p:cNvPr id="5" name="Content Placeholder 4">
             <a:extLst>
               <a:ext uri="{FF2B5EF4-FFF2-40B4-BE49-F238E27FC236}">
-                <a16:creationId xmlns:a16="http://schemas.microsoft.com/office/drawing/2014/main" id="{F7968A91-78DB-4F18-9F26-122F9E3A2842}"/>
+                <a16:creationId xmlns:a16="http://schemas.microsoft.com/office/drawing/2014/main" id="{D1AC4792-C8D1-403B-B3D4-EC1073133A69}"/>
               </a:ext>
             </a:extLst>
           </p:cNvPr>
@@ -4225,22 +7675,22 @@
           </p:nvPr>
         </p:nvPicPr>
         <p:blipFill>
-          <a:blip r:embed="rId2"/>
+          <a:blip r:embed="rId3"/>
           <a:stretch>
             <a:fillRect/>
           </a:stretch>
         </p:blipFill>
         <p:spPr>
           <a:xfrm>
-            <a:off x="838200" y="2128473"/>
-            <a:ext cx="10492098" cy="2789516"/>
+            <a:off x="2333238" y="1992162"/>
+            <a:ext cx="8157648" cy="3856768"/>
           </a:xfrm>
         </p:spPr>
       </p:pic>
     </p:spTree>
     <p:extLst>
       <p:ext uri="{BB962C8B-B14F-4D97-AF65-F5344CB8AC3E}">
-        <p14:creationId xmlns:p14="http://schemas.microsoft.com/office/powerpoint/2010/main" val="3194377201"/>
+        <p14:creationId xmlns:p14="http://schemas.microsoft.com/office/powerpoint/2010/main" val="3912470227"/>
       </p:ext>
     </p:extLst>
   </p:cSld>
@@ -4272,6 +7722,366 @@
           <p:cNvPr id="2" name="Title 1">
             <a:extLst>
               <a:ext uri="{FF2B5EF4-FFF2-40B4-BE49-F238E27FC236}">
+                <a16:creationId xmlns:a16="http://schemas.microsoft.com/office/drawing/2014/main" id="{8BF40CD0-86F0-42E5-A57E-FE11D8F91356}"/>
+              </a:ext>
+            </a:extLst>
+          </p:cNvPr>
+          <p:cNvSpPr>
+            <a:spLocks noGrp="1"/>
+          </p:cNvSpPr>
+          <p:nvPr>
+            <p:ph type="title"/>
+          </p:nvPr>
+        </p:nvSpPr>
+        <p:spPr/>
+        <p:txBody>
+          <a:bodyPr/>
+          <a:lstStyle/>
+          <a:p>
+            <a:r>
+              <a:rPr lang="ru-RU" dirty="0"/>
+              <a:t>Блок </a:t>
+            </a:r>
+            <a:r>
+              <a:rPr lang="en-US" dirty="0"/>
+              <a:t>main</a:t>
+            </a:r>
+          </a:p>
+        </p:txBody>
+      </p:sp>
+      <p:pic>
+        <p:nvPicPr>
+          <p:cNvPr id="5" name="Content Placeholder 4">
+            <a:extLst>
+              <a:ext uri="{FF2B5EF4-FFF2-40B4-BE49-F238E27FC236}">
+                <a16:creationId xmlns:a16="http://schemas.microsoft.com/office/drawing/2014/main" id="{619CB618-5858-4640-818A-DC8D3163A2C0}"/>
+              </a:ext>
+            </a:extLst>
+          </p:cNvPr>
+          <p:cNvPicPr>
+            <a:picLocks noGrp="1" noChangeAspect="1"/>
+          </p:cNvPicPr>
+          <p:nvPr>
+            <p:ph idx="1"/>
+          </p:nvPr>
+        </p:nvPicPr>
+        <p:blipFill>
+          <a:blip r:embed="rId3"/>
+          <a:stretch>
+            <a:fillRect/>
+          </a:stretch>
+        </p:blipFill>
+        <p:spPr>
+          <a:xfrm>
+            <a:off x="2347863" y="1753565"/>
+            <a:ext cx="7496274" cy="3350869"/>
+          </a:xfrm>
+        </p:spPr>
+      </p:pic>
+    </p:spTree>
+    <p:extLst>
+      <p:ext uri="{BB962C8B-B14F-4D97-AF65-F5344CB8AC3E}">
+        <p14:creationId xmlns:p14="http://schemas.microsoft.com/office/powerpoint/2010/main" val="403493871"/>
+      </p:ext>
+    </p:extLst>
+  </p:cSld>
+  <p:clrMapOvr>
+    <a:masterClrMapping/>
+  </p:clrMapOvr>
+</p:sld>
+</file>
+
+<file path=ppt/slides/slide22.xml><?xml version="1.0" encoding="utf-8"?>
+<p:sld xmlns:a="http://schemas.openxmlformats.org/drawingml/2006/main" xmlns:r="http://schemas.openxmlformats.org/officeDocument/2006/relationships" xmlns:p="http://schemas.openxmlformats.org/presentationml/2006/main">
+  <p:cSld>
+    <p:spTree>
+      <p:nvGrpSpPr>
+        <p:cNvPr id="1" name=""/>
+        <p:cNvGrpSpPr/>
+        <p:nvPr/>
+      </p:nvGrpSpPr>
+      <p:grpSpPr>
+        <a:xfrm>
+          <a:off x="0" y="0"/>
+          <a:ext cx="0" cy="0"/>
+          <a:chOff x="0" y="0"/>
+          <a:chExt cx="0" cy="0"/>
+        </a:xfrm>
+      </p:grpSpPr>
+      <p:sp>
+        <p:nvSpPr>
+          <p:cNvPr id="2" name="Title 1">
+            <a:extLst>
+              <a:ext uri="{FF2B5EF4-FFF2-40B4-BE49-F238E27FC236}">
+                <a16:creationId xmlns:a16="http://schemas.microsoft.com/office/drawing/2014/main" id="{AB772180-BA4E-4698-AD6E-841FDCD1EDB1}"/>
+              </a:ext>
+            </a:extLst>
+          </p:cNvPr>
+          <p:cNvSpPr>
+            <a:spLocks noGrp="1"/>
+          </p:cNvSpPr>
+          <p:nvPr>
+            <p:ph type="title"/>
+          </p:nvPr>
+        </p:nvSpPr>
+        <p:spPr/>
+        <p:txBody>
+          <a:bodyPr/>
+          <a:lstStyle/>
+          <a:p>
+            <a:r>
+              <a:rPr lang="ru-RU" dirty="0"/>
+              <a:t>Кодировка </a:t>
+            </a:r>
+            <a:r>
+              <a:rPr lang="en-US" dirty="0"/>
+              <a:t>UTF-8</a:t>
+            </a:r>
+          </a:p>
+        </p:txBody>
+      </p:sp>
+      <p:pic>
+        <p:nvPicPr>
+          <p:cNvPr id="9" name="Picture 8">
+            <a:extLst>
+              <a:ext uri="{FF2B5EF4-FFF2-40B4-BE49-F238E27FC236}">
+                <a16:creationId xmlns:a16="http://schemas.microsoft.com/office/drawing/2014/main" id="{1894C1E3-46AF-4F1D-AC58-AD1B30F22BFA}"/>
+              </a:ext>
+            </a:extLst>
+          </p:cNvPr>
+          <p:cNvPicPr>
+            <a:picLocks noChangeAspect="1"/>
+          </p:cNvPicPr>
+          <p:nvPr/>
+        </p:nvPicPr>
+        <p:blipFill>
+          <a:blip r:embed="rId3"/>
+          <a:stretch>
+            <a:fillRect/>
+          </a:stretch>
+        </p:blipFill>
+        <p:spPr>
+          <a:xfrm>
+            <a:off x="1987627" y="1844503"/>
+            <a:ext cx="8216746" cy="3168993"/>
+          </a:xfrm>
+          <a:prstGeom prst="rect">
+            <a:avLst/>
+          </a:prstGeom>
+        </p:spPr>
+      </p:pic>
+    </p:spTree>
+    <p:extLst>
+      <p:ext uri="{BB962C8B-B14F-4D97-AF65-F5344CB8AC3E}">
+        <p14:creationId xmlns:p14="http://schemas.microsoft.com/office/powerpoint/2010/main" val="4190303555"/>
+      </p:ext>
+    </p:extLst>
+  </p:cSld>
+  <p:clrMapOvr>
+    <a:masterClrMapping/>
+  </p:clrMapOvr>
+</p:sld>
+</file>
+
+<file path=ppt/slides/slide23.xml><?xml version="1.0" encoding="utf-8"?>
+<p:sld xmlns:a="http://schemas.openxmlformats.org/drawingml/2006/main" xmlns:r="http://schemas.openxmlformats.org/officeDocument/2006/relationships" xmlns:p="http://schemas.openxmlformats.org/presentationml/2006/main">
+  <p:cSld>
+    <p:spTree>
+      <p:nvGrpSpPr>
+        <p:cNvPr id="1" name=""/>
+        <p:cNvGrpSpPr/>
+        <p:nvPr/>
+      </p:nvGrpSpPr>
+      <p:grpSpPr>
+        <a:xfrm>
+          <a:off x="0" y="0"/>
+          <a:ext cx="0" cy="0"/>
+          <a:chOff x="0" y="0"/>
+          <a:chExt cx="0" cy="0"/>
+        </a:xfrm>
+      </p:grpSpPr>
+      <p:sp>
+        <p:nvSpPr>
+          <p:cNvPr id="2" name="Title 1">
+            <a:extLst>
+              <a:ext uri="{FF2B5EF4-FFF2-40B4-BE49-F238E27FC236}">
+                <a16:creationId xmlns:a16="http://schemas.microsoft.com/office/drawing/2014/main" id="{82C89F6C-7822-4ACC-991B-25FB8294A0E7}"/>
+              </a:ext>
+            </a:extLst>
+          </p:cNvPr>
+          <p:cNvSpPr>
+            <a:spLocks noGrp="1"/>
+          </p:cNvSpPr>
+          <p:nvPr>
+            <p:ph type="title"/>
+          </p:nvPr>
+        </p:nvSpPr>
+        <p:spPr/>
+        <p:txBody>
+          <a:bodyPr/>
+          <a:lstStyle/>
+          <a:p>
+            <a:r>
+              <a:rPr lang="ru-RU" dirty="0"/>
+              <a:t>Комментарии</a:t>
+            </a:r>
+            <a:endParaRPr lang="en-US" dirty="0"/>
+          </a:p>
+        </p:txBody>
+      </p:sp>
+      <p:pic>
+        <p:nvPicPr>
+          <p:cNvPr id="7" name="Picture 6">
+            <a:extLst>
+              <a:ext uri="{FF2B5EF4-FFF2-40B4-BE49-F238E27FC236}">
+                <a16:creationId xmlns:a16="http://schemas.microsoft.com/office/drawing/2014/main" id="{A83814C4-CC52-4924-8300-0AC1B1F569BA}"/>
+              </a:ext>
+            </a:extLst>
+          </p:cNvPr>
+          <p:cNvPicPr>
+            <a:picLocks noChangeAspect="1"/>
+          </p:cNvPicPr>
+          <p:nvPr/>
+        </p:nvPicPr>
+        <p:blipFill>
+          <a:blip r:embed="rId3"/>
+          <a:stretch>
+            <a:fillRect/>
+          </a:stretch>
+        </p:blipFill>
+        <p:spPr>
+          <a:xfrm>
+            <a:off x="1202936" y="2608498"/>
+            <a:ext cx="9786127" cy="1641003"/>
+          </a:xfrm>
+          <a:prstGeom prst="rect">
+            <a:avLst/>
+          </a:prstGeom>
+        </p:spPr>
+      </p:pic>
+    </p:spTree>
+    <p:extLst>
+      <p:ext uri="{BB962C8B-B14F-4D97-AF65-F5344CB8AC3E}">
+        <p14:creationId xmlns:p14="http://schemas.microsoft.com/office/powerpoint/2010/main" val="1804923854"/>
+      </p:ext>
+    </p:extLst>
+  </p:cSld>
+  <p:clrMapOvr>
+    <a:masterClrMapping/>
+  </p:clrMapOvr>
+</p:sld>
+</file>
+
+<file path=ppt/slides/slide24.xml><?xml version="1.0" encoding="utf-8"?>
+<p:sld xmlns:a="http://schemas.openxmlformats.org/drawingml/2006/main" xmlns:r="http://schemas.openxmlformats.org/officeDocument/2006/relationships" xmlns:p="http://schemas.openxmlformats.org/presentationml/2006/main">
+  <p:cSld>
+    <p:spTree>
+      <p:nvGrpSpPr>
+        <p:cNvPr id="1" name=""/>
+        <p:cNvGrpSpPr/>
+        <p:nvPr/>
+      </p:nvGrpSpPr>
+      <p:grpSpPr>
+        <a:xfrm>
+          <a:off x="0" y="0"/>
+          <a:ext cx="0" cy="0"/>
+          <a:chOff x="0" y="0"/>
+          <a:chExt cx="0" cy="0"/>
+        </a:xfrm>
+      </p:grpSpPr>
+      <p:sp>
+        <p:nvSpPr>
+          <p:cNvPr id="2" name="Title 1">
+            <a:extLst>
+              <a:ext uri="{FF2B5EF4-FFF2-40B4-BE49-F238E27FC236}">
+                <a16:creationId xmlns:a16="http://schemas.microsoft.com/office/drawing/2014/main" id="{594C8F19-0EF2-40A0-8F37-B7E812A560DD}"/>
+              </a:ext>
+            </a:extLst>
+          </p:cNvPr>
+          <p:cNvSpPr>
+            <a:spLocks noGrp="1"/>
+          </p:cNvSpPr>
+          <p:nvPr>
+            <p:ph type="title"/>
+          </p:nvPr>
+        </p:nvSpPr>
+        <p:spPr/>
+        <p:txBody>
+          <a:bodyPr/>
+          <a:lstStyle/>
+          <a:p>
+            <a:r>
+              <a:rPr lang="ru-RU" dirty="0"/>
+              <a:t>Многострочные комментарии</a:t>
+            </a:r>
+            <a:endParaRPr lang="en-US" dirty="0"/>
+          </a:p>
+        </p:txBody>
+      </p:sp>
+      <p:pic>
+        <p:nvPicPr>
+          <p:cNvPr id="5" name="Content Placeholder 4">
+            <a:extLst>
+              <a:ext uri="{FF2B5EF4-FFF2-40B4-BE49-F238E27FC236}">
+                <a16:creationId xmlns:a16="http://schemas.microsoft.com/office/drawing/2014/main" id="{F7968A91-78DB-4F18-9F26-122F9E3A2842}"/>
+              </a:ext>
+            </a:extLst>
+          </p:cNvPr>
+          <p:cNvPicPr>
+            <a:picLocks noGrp="1" noChangeAspect="1"/>
+          </p:cNvPicPr>
+          <p:nvPr>
+            <p:ph idx="1"/>
+          </p:nvPr>
+        </p:nvPicPr>
+        <p:blipFill>
+          <a:blip r:embed="rId3"/>
+          <a:stretch>
+            <a:fillRect/>
+          </a:stretch>
+        </p:blipFill>
+        <p:spPr>
+          <a:xfrm>
+            <a:off x="838200" y="2128473"/>
+            <a:ext cx="10492098" cy="2789516"/>
+          </a:xfrm>
+        </p:spPr>
+      </p:pic>
+    </p:spTree>
+    <p:extLst>
+      <p:ext uri="{BB962C8B-B14F-4D97-AF65-F5344CB8AC3E}">
+        <p14:creationId xmlns:p14="http://schemas.microsoft.com/office/powerpoint/2010/main" val="3194377201"/>
+      </p:ext>
+    </p:extLst>
+  </p:cSld>
+  <p:clrMapOvr>
+    <a:masterClrMapping/>
+  </p:clrMapOvr>
+</p:sld>
+</file>
+
+<file path=ppt/slides/slide25.xml><?xml version="1.0" encoding="utf-8"?>
+<p:sld xmlns:a="http://schemas.openxmlformats.org/drawingml/2006/main" xmlns:r="http://schemas.openxmlformats.org/officeDocument/2006/relationships" xmlns:p="http://schemas.openxmlformats.org/presentationml/2006/main">
+  <p:cSld>
+    <p:spTree>
+      <p:nvGrpSpPr>
+        <p:cNvPr id="1" name=""/>
+        <p:cNvGrpSpPr/>
+        <p:nvPr/>
+      </p:nvGrpSpPr>
+      <p:grpSpPr>
+        <a:xfrm>
+          <a:off x="0" y="0"/>
+          <a:ext cx="0" cy="0"/>
+          <a:chOff x="0" y="0"/>
+          <a:chExt cx="0" cy="0"/>
+        </a:xfrm>
+      </p:grpSpPr>
+      <p:sp>
+        <p:nvSpPr>
+          <p:cNvPr id="2" name="Title 1">
+            <a:extLst>
+              <a:ext uri="{FF2B5EF4-FFF2-40B4-BE49-F238E27FC236}">
                 <a16:creationId xmlns:a16="http://schemas.microsoft.com/office/drawing/2014/main" id="{6CC5F33C-F9F8-4853-9C5E-BEC22A812D4E}"/>
               </a:ext>
             </a:extLst>
@@ -4321,7 +8131,7 @@
           </p:nvPr>
         </p:nvPicPr>
         <p:blipFill>
-          <a:blip r:embed="rId2"/>
+          <a:blip r:embed="rId3"/>
           <a:stretch>
             <a:fillRect/>
           </a:stretch>
@@ -4346,7 +8156,7 @@
 </p:sld>
 </file>
 
-<file path=ppt/slides/slide22.xml><?xml version="1.0" encoding="utf-8"?>
+<file path=ppt/slides/slide26.xml><?xml version="1.0" encoding="utf-8"?>
 <p:sld xmlns:a="http://schemas.openxmlformats.org/drawingml/2006/main" xmlns:r="http://schemas.openxmlformats.org/officeDocument/2006/relationships" xmlns:p="http://schemas.openxmlformats.org/presentationml/2006/main">
   <p:cSld>
     <p:spTree>
@@ -4427,7 +8237,7 @@
             <p:nvPr/>
           </p:nvPicPr>
           <p:blipFill rotWithShape="1">
-            <a:blip r:embed="rId2"/>
+            <a:blip r:embed="rId3"/>
             <a:srcRect r="48618"/>
             <a:stretch/>
           </p:blipFill>
@@ -4456,7 +8266,7 @@
             <p:nvPr/>
           </p:nvPicPr>
           <p:blipFill rotWithShape="1">
-            <a:blip r:embed="rId2"/>
+            <a:blip r:embed="rId3"/>
             <a:srcRect l="81368" r="-32750"/>
             <a:stretch/>
           </p:blipFill>
@@ -4484,7 +8294,7 @@
 </p:sld>
 </file>
 
-<file path=ppt/slides/slide23.xml><?xml version="1.0" encoding="utf-8"?>
+<file path=ppt/slides/slide27.xml><?xml version="1.0" encoding="utf-8"?>
 <p:sld xmlns:a="http://schemas.openxmlformats.org/drawingml/2006/main" xmlns:r="http://schemas.openxmlformats.org/officeDocument/2006/relationships" xmlns:p="http://schemas.openxmlformats.org/presentationml/2006/main">
   <p:cSld>
     <p:spTree>
@@ -4545,7 +8355,7 @@
           <p:nvPr/>
         </p:nvPicPr>
         <p:blipFill>
-          <a:blip r:embed="rId2"/>
+          <a:blip r:embed="rId3"/>
           <a:stretch>
             <a:fillRect/>
           </a:stretch>
@@ -4573,7 +8383,7 @@
 </p:sld>
 </file>
 
-<file path=ppt/slides/slide24.xml><?xml version="1.0" encoding="utf-8"?>
+<file path=ppt/slides/slide28.xml><?xml version="1.0" encoding="utf-8"?>
 <p:sld xmlns:a="http://schemas.openxmlformats.org/drawingml/2006/main" xmlns:r="http://schemas.openxmlformats.org/officeDocument/2006/relationships" xmlns:p="http://schemas.openxmlformats.org/presentationml/2006/main">
   <p:cSld>
     <p:spTree>
@@ -4595,6 +8405,95 @@
           <p:cNvPr id="2" name="Title 1">
             <a:extLst>
               <a:ext uri="{FF2B5EF4-FFF2-40B4-BE49-F238E27FC236}">
+                <a16:creationId xmlns:a16="http://schemas.microsoft.com/office/drawing/2014/main" id="{8F25288C-53F7-4E85-8C5A-8EAD557CCD6C}"/>
+              </a:ext>
+            </a:extLst>
+          </p:cNvPr>
+          <p:cNvSpPr>
+            <a:spLocks noGrp="1"/>
+          </p:cNvSpPr>
+          <p:nvPr>
+            <p:ph type="title"/>
+          </p:nvPr>
+        </p:nvSpPr>
+        <p:spPr/>
+        <p:txBody>
+          <a:bodyPr/>
+          <a:lstStyle/>
+          <a:p>
+            <a:r>
+              <a:rPr lang="ru-RU" dirty="0"/>
+              <a:t>Типы данных. Числа</a:t>
+            </a:r>
+            <a:endParaRPr lang="en-US" dirty="0"/>
+          </a:p>
+        </p:txBody>
+      </p:sp>
+      <p:pic>
+        <p:nvPicPr>
+          <p:cNvPr id="7" name="Picture 6">
+            <a:extLst>
+              <a:ext uri="{FF2B5EF4-FFF2-40B4-BE49-F238E27FC236}">
+                <a16:creationId xmlns:a16="http://schemas.microsoft.com/office/drawing/2014/main" id="{1B57E222-5BBA-4889-BCD4-3BD0E519E409}"/>
+              </a:ext>
+            </a:extLst>
+          </p:cNvPr>
+          <p:cNvPicPr>
+            <a:picLocks noChangeAspect="1"/>
+          </p:cNvPicPr>
+          <p:nvPr/>
+        </p:nvPicPr>
+        <p:blipFill>
+          <a:blip r:embed="rId3"/>
+          <a:stretch>
+            <a:fillRect/>
+          </a:stretch>
+        </p:blipFill>
+        <p:spPr>
+          <a:xfrm>
+            <a:off x="3139517" y="1665964"/>
+            <a:ext cx="5912966" cy="4826911"/>
+          </a:xfrm>
+          <a:prstGeom prst="rect">
+            <a:avLst/>
+          </a:prstGeom>
+        </p:spPr>
+      </p:pic>
+    </p:spTree>
+    <p:extLst>
+      <p:ext uri="{BB962C8B-B14F-4D97-AF65-F5344CB8AC3E}">
+        <p14:creationId xmlns:p14="http://schemas.microsoft.com/office/powerpoint/2010/main" val="1159790121"/>
+      </p:ext>
+    </p:extLst>
+  </p:cSld>
+  <p:clrMapOvr>
+    <a:masterClrMapping/>
+  </p:clrMapOvr>
+</p:sld>
+</file>
+
+<file path=ppt/slides/slide29.xml><?xml version="1.0" encoding="utf-8"?>
+<p:sld xmlns:a="http://schemas.openxmlformats.org/drawingml/2006/main" xmlns:r="http://schemas.openxmlformats.org/officeDocument/2006/relationships" xmlns:p="http://schemas.openxmlformats.org/presentationml/2006/main">
+  <p:cSld>
+    <p:spTree>
+      <p:nvGrpSpPr>
+        <p:cNvPr id="1" name=""/>
+        <p:cNvGrpSpPr/>
+        <p:nvPr/>
+      </p:nvGrpSpPr>
+      <p:grpSpPr>
+        <a:xfrm>
+          <a:off x="0" y="0"/>
+          <a:ext cx="0" cy="0"/>
+          <a:chOff x="0" y="0"/>
+          <a:chExt cx="0" cy="0"/>
+        </a:xfrm>
+      </p:grpSpPr>
+      <p:sp>
+        <p:nvSpPr>
+          <p:cNvPr id="2" name="Title 1">
+            <a:extLst>
+              <a:ext uri="{FF2B5EF4-FFF2-40B4-BE49-F238E27FC236}">
                 <a16:creationId xmlns:a16="http://schemas.microsoft.com/office/drawing/2014/main" id="{AF51B906-A85B-4F12-8E81-A95A167F8E56}"/>
               </a:ext>
             </a:extLst>
@@ -4634,7 +8533,7 @@
           <p:nvPr/>
         </p:nvPicPr>
         <p:blipFill>
-          <a:blip r:embed="rId2"/>
+          <a:blip r:embed="rId3"/>
           <a:stretch>
             <a:fillRect/>
           </a:stretch>
@@ -4662,447 +8561,6 @@
 </p:sld>
 </file>
 
-<file path=ppt/slides/slide25.xml><?xml version="1.0" encoding="utf-8"?>
-<p:sld xmlns:a="http://schemas.openxmlformats.org/drawingml/2006/main" xmlns:r="http://schemas.openxmlformats.org/officeDocument/2006/relationships" xmlns:p="http://schemas.openxmlformats.org/presentationml/2006/main">
-  <p:cSld>
-    <p:spTree>
-      <p:nvGrpSpPr>
-        <p:cNvPr id="1" name=""/>
-        <p:cNvGrpSpPr/>
-        <p:nvPr/>
-      </p:nvGrpSpPr>
-      <p:grpSpPr>
-        <a:xfrm>
-          <a:off x="0" y="0"/>
-          <a:ext cx="0" cy="0"/>
-          <a:chOff x="0" y="0"/>
-          <a:chExt cx="0" cy="0"/>
-        </a:xfrm>
-      </p:grpSpPr>
-      <p:sp>
-        <p:nvSpPr>
-          <p:cNvPr id="2" name="Title 1">
-            <a:extLst>
-              <a:ext uri="{FF2B5EF4-FFF2-40B4-BE49-F238E27FC236}">
-                <a16:creationId xmlns:a16="http://schemas.microsoft.com/office/drawing/2014/main" id="{0C225438-0312-4168-8F6F-39C98E90ED10}"/>
-              </a:ext>
-            </a:extLst>
-          </p:cNvPr>
-          <p:cNvSpPr>
-            <a:spLocks noGrp="1"/>
-          </p:cNvSpPr>
-          <p:nvPr>
-            <p:ph type="title"/>
-          </p:nvPr>
-        </p:nvSpPr>
-        <p:spPr/>
-        <p:txBody>
-          <a:bodyPr/>
-          <a:lstStyle/>
-          <a:p>
-            <a:r>
-              <a:rPr lang="ru-RU" dirty="0"/>
-              <a:t>Константы</a:t>
-            </a:r>
-            <a:endParaRPr lang="en-US" dirty="0"/>
-          </a:p>
-        </p:txBody>
-      </p:sp>
-      <p:pic>
-        <p:nvPicPr>
-          <p:cNvPr id="5" name="Content Placeholder 4">
-            <a:extLst>
-              <a:ext uri="{FF2B5EF4-FFF2-40B4-BE49-F238E27FC236}">
-                <a16:creationId xmlns:a16="http://schemas.microsoft.com/office/drawing/2014/main" id="{0D7F5B4F-8FC5-4244-B392-E6D226E4A017}"/>
-              </a:ext>
-            </a:extLst>
-          </p:cNvPr>
-          <p:cNvPicPr>
-            <a:picLocks noGrp="1" noChangeAspect="1"/>
-          </p:cNvPicPr>
-          <p:nvPr>
-            <p:ph idx="1"/>
-          </p:nvPr>
-        </p:nvPicPr>
-        <p:blipFill>
-          <a:blip r:embed="rId2"/>
-          <a:stretch>
-            <a:fillRect/>
-          </a:stretch>
-        </p:blipFill>
-        <p:spPr>
-          <a:xfrm>
-            <a:off x="1017651" y="2098684"/>
-            <a:ext cx="10156698" cy="3284043"/>
-          </a:xfrm>
-        </p:spPr>
-      </p:pic>
-    </p:spTree>
-    <p:extLst>
-      <p:ext uri="{BB962C8B-B14F-4D97-AF65-F5344CB8AC3E}">
-        <p14:creationId xmlns:p14="http://schemas.microsoft.com/office/powerpoint/2010/main" val="3724627857"/>
-      </p:ext>
-    </p:extLst>
-  </p:cSld>
-  <p:clrMapOvr>
-    <a:masterClrMapping/>
-  </p:clrMapOvr>
-</p:sld>
-</file>
-
-<file path=ppt/slides/slide26.xml><?xml version="1.0" encoding="utf-8"?>
-<p:sld xmlns:a="http://schemas.openxmlformats.org/drawingml/2006/main" xmlns:r="http://schemas.openxmlformats.org/officeDocument/2006/relationships" xmlns:p="http://schemas.openxmlformats.org/presentationml/2006/main">
-  <p:cSld>
-    <p:spTree>
-      <p:nvGrpSpPr>
-        <p:cNvPr id="1" name=""/>
-        <p:cNvGrpSpPr/>
-        <p:nvPr/>
-      </p:nvGrpSpPr>
-      <p:grpSpPr>
-        <a:xfrm>
-          <a:off x="0" y="0"/>
-          <a:ext cx="0" cy="0"/>
-          <a:chOff x="0" y="0"/>
-          <a:chExt cx="0" cy="0"/>
-        </a:xfrm>
-      </p:grpSpPr>
-      <p:sp>
-        <p:nvSpPr>
-          <p:cNvPr id="2" name="Title 1">
-            <a:extLst>
-              <a:ext uri="{FF2B5EF4-FFF2-40B4-BE49-F238E27FC236}">
-                <a16:creationId xmlns:a16="http://schemas.microsoft.com/office/drawing/2014/main" id="{8E7B026E-AD56-4D22-AD0B-C115CC56A0B1}"/>
-              </a:ext>
-            </a:extLst>
-          </p:cNvPr>
-          <p:cNvSpPr>
-            <a:spLocks noGrp="1"/>
-          </p:cNvSpPr>
-          <p:nvPr>
-            <p:ph type="title"/>
-          </p:nvPr>
-        </p:nvSpPr>
-        <p:spPr/>
-        <p:txBody>
-          <a:bodyPr/>
-          <a:lstStyle/>
-          <a:p>
-            <a:r>
-              <a:rPr lang="ru-RU" dirty="0"/>
-              <a:t>Булев тип</a:t>
-            </a:r>
-            <a:endParaRPr lang="en-US" dirty="0"/>
-          </a:p>
-        </p:txBody>
-      </p:sp>
-      <p:pic>
-        <p:nvPicPr>
-          <p:cNvPr id="7" name="Picture 6">
-            <a:extLst>
-              <a:ext uri="{FF2B5EF4-FFF2-40B4-BE49-F238E27FC236}">
-                <a16:creationId xmlns:a16="http://schemas.microsoft.com/office/drawing/2014/main" id="{13D6F733-5626-4B60-9D32-CE825435A140}"/>
-              </a:ext>
-            </a:extLst>
-          </p:cNvPr>
-          <p:cNvPicPr>
-            <a:picLocks noChangeAspect="1"/>
-          </p:cNvPicPr>
-          <p:nvPr/>
-        </p:nvPicPr>
-        <p:blipFill>
-          <a:blip r:embed="rId2"/>
-          <a:stretch>
-            <a:fillRect/>
-          </a:stretch>
-        </p:blipFill>
-        <p:spPr>
-          <a:xfrm>
-            <a:off x="1186249" y="2084900"/>
-            <a:ext cx="10048747" cy="2688200"/>
-          </a:xfrm>
-          <a:prstGeom prst="rect">
-            <a:avLst/>
-          </a:prstGeom>
-        </p:spPr>
-      </p:pic>
-    </p:spTree>
-    <p:extLst>
-      <p:ext uri="{BB962C8B-B14F-4D97-AF65-F5344CB8AC3E}">
-        <p14:creationId xmlns:p14="http://schemas.microsoft.com/office/powerpoint/2010/main" val="304644893"/>
-      </p:ext>
-    </p:extLst>
-  </p:cSld>
-  <p:clrMapOvr>
-    <a:masterClrMapping/>
-  </p:clrMapOvr>
-</p:sld>
-</file>
-
-<file path=ppt/slides/slide27.xml><?xml version="1.0" encoding="utf-8"?>
-<p:sld xmlns:a="http://schemas.openxmlformats.org/drawingml/2006/main" xmlns:r="http://schemas.openxmlformats.org/officeDocument/2006/relationships" xmlns:p="http://schemas.openxmlformats.org/presentationml/2006/main">
-  <p:cSld>
-    <p:spTree>
-      <p:nvGrpSpPr>
-        <p:cNvPr id="1" name=""/>
-        <p:cNvGrpSpPr/>
-        <p:nvPr/>
-      </p:nvGrpSpPr>
-      <p:grpSpPr>
-        <a:xfrm>
-          <a:off x="0" y="0"/>
-          <a:ext cx="0" cy="0"/>
-          <a:chOff x="0" y="0"/>
-          <a:chExt cx="0" cy="0"/>
-        </a:xfrm>
-      </p:grpSpPr>
-      <p:sp>
-        <p:nvSpPr>
-          <p:cNvPr id="2" name="Title 1">
-            <a:extLst>
-              <a:ext uri="{FF2B5EF4-FFF2-40B4-BE49-F238E27FC236}">
-                <a16:creationId xmlns:a16="http://schemas.microsoft.com/office/drawing/2014/main" id="{94FE8C27-14C2-40F1-BC67-B36D78C746A6}"/>
-              </a:ext>
-            </a:extLst>
-          </p:cNvPr>
-          <p:cNvSpPr>
-            <a:spLocks noGrp="1"/>
-          </p:cNvSpPr>
-          <p:nvPr>
-            <p:ph type="title"/>
-          </p:nvPr>
-        </p:nvSpPr>
-        <p:spPr/>
-        <p:txBody>
-          <a:bodyPr/>
-          <a:lstStyle/>
-          <a:p>
-            <a:r>
-              <a:rPr lang="ru-RU" dirty="0"/>
-              <a:t>Оператор условия</a:t>
-            </a:r>
-            <a:endParaRPr lang="en-US" dirty="0"/>
-          </a:p>
-        </p:txBody>
-      </p:sp>
-      <p:pic>
-        <p:nvPicPr>
-          <p:cNvPr id="5" name="Picture 4">
-            <a:extLst>
-              <a:ext uri="{FF2B5EF4-FFF2-40B4-BE49-F238E27FC236}">
-                <a16:creationId xmlns:a16="http://schemas.microsoft.com/office/drawing/2014/main" id="{61DBB656-889C-4513-A67B-0ABBF3688013}"/>
-              </a:ext>
-            </a:extLst>
-          </p:cNvPr>
-          <p:cNvPicPr>
-            <a:picLocks noChangeAspect="1"/>
-          </p:cNvPicPr>
-          <p:nvPr/>
-        </p:nvPicPr>
-        <p:blipFill rotWithShape="1">
-          <a:blip r:embed="rId2"/>
-          <a:srcRect t="14070"/>
-          <a:stretch/>
-        </p:blipFill>
-        <p:spPr>
-          <a:xfrm>
-            <a:off x="1142484" y="1690688"/>
-            <a:ext cx="9492033" cy="4055204"/>
-          </a:xfrm>
-          <a:prstGeom prst="rect">
-            <a:avLst/>
-          </a:prstGeom>
-        </p:spPr>
-      </p:pic>
-    </p:spTree>
-    <p:extLst>
-      <p:ext uri="{BB962C8B-B14F-4D97-AF65-F5344CB8AC3E}">
-        <p14:creationId xmlns:p14="http://schemas.microsoft.com/office/powerpoint/2010/main" val="2235144220"/>
-      </p:ext>
-    </p:extLst>
-  </p:cSld>
-  <p:clrMapOvr>
-    <a:masterClrMapping/>
-  </p:clrMapOvr>
-</p:sld>
-</file>
-
-<file path=ppt/slides/slide28.xml><?xml version="1.0" encoding="utf-8"?>
-<p:sld xmlns:a="http://schemas.openxmlformats.org/drawingml/2006/main" xmlns:r="http://schemas.openxmlformats.org/officeDocument/2006/relationships" xmlns:p="http://schemas.openxmlformats.org/presentationml/2006/main">
-  <p:cSld>
-    <p:spTree>
-      <p:nvGrpSpPr>
-        <p:cNvPr id="1" name=""/>
-        <p:cNvGrpSpPr/>
-        <p:nvPr/>
-      </p:nvGrpSpPr>
-      <p:grpSpPr>
-        <a:xfrm>
-          <a:off x="0" y="0"/>
-          <a:ext cx="0" cy="0"/>
-          <a:chOff x="0" y="0"/>
-          <a:chExt cx="0" cy="0"/>
-        </a:xfrm>
-      </p:grpSpPr>
-      <p:sp>
-        <p:nvSpPr>
-          <p:cNvPr id="2" name="Title 1">
-            <a:extLst>
-              <a:ext uri="{FF2B5EF4-FFF2-40B4-BE49-F238E27FC236}">
-                <a16:creationId xmlns:a16="http://schemas.microsoft.com/office/drawing/2014/main" id="{3916B2A1-8E3E-4115-9B92-C712EF7D44C4}"/>
-              </a:ext>
-            </a:extLst>
-          </p:cNvPr>
-          <p:cNvSpPr>
-            <a:spLocks noGrp="1"/>
-          </p:cNvSpPr>
-          <p:nvPr>
-            <p:ph type="title"/>
-          </p:nvPr>
-        </p:nvSpPr>
-        <p:spPr/>
-        <p:txBody>
-          <a:bodyPr/>
-          <a:lstStyle/>
-          <a:p>
-            <a:r>
-              <a:rPr lang="ru-RU" dirty="0"/>
-              <a:t>Несколько условий</a:t>
-            </a:r>
-            <a:endParaRPr lang="en-US" dirty="0"/>
-          </a:p>
-        </p:txBody>
-      </p:sp>
-      <p:pic>
-        <p:nvPicPr>
-          <p:cNvPr id="5" name="Content Placeholder 4">
-            <a:extLst>
-              <a:ext uri="{FF2B5EF4-FFF2-40B4-BE49-F238E27FC236}">
-                <a16:creationId xmlns:a16="http://schemas.microsoft.com/office/drawing/2014/main" id="{F8757FEF-A89D-4CCE-99ED-9B62A1D48556}"/>
-              </a:ext>
-            </a:extLst>
-          </p:cNvPr>
-          <p:cNvPicPr>
-            <a:picLocks noGrp="1" noChangeAspect="1"/>
-          </p:cNvPicPr>
-          <p:nvPr>
-            <p:ph idx="1"/>
-          </p:nvPr>
-        </p:nvPicPr>
-        <p:blipFill>
-          <a:blip r:embed="rId2"/>
-          <a:stretch>
-            <a:fillRect/>
-          </a:stretch>
-        </p:blipFill>
-        <p:spPr>
-          <a:xfrm>
-            <a:off x="1155925" y="1962428"/>
-            <a:ext cx="9880149" cy="3845247"/>
-          </a:xfrm>
-        </p:spPr>
-      </p:pic>
-    </p:spTree>
-    <p:extLst>
-      <p:ext uri="{BB962C8B-B14F-4D97-AF65-F5344CB8AC3E}">
-        <p14:creationId xmlns:p14="http://schemas.microsoft.com/office/powerpoint/2010/main" val="204711784"/>
-      </p:ext>
-    </p:extLst>
-  </p:cSld>
-  <p:clrMapOvr>
-    <a:masterClrMapping/>
-  </p:clrMapOvr>
-</p:sld>
-</file>
-
-<file path=ppt/slides/slide29.xml><?xml version="1.0" encoding="utf-8"?>
-<p:sld xmlns:a="http://schemas.openxmlformats.org/drawingml/2006/main" xmlns:r="http://schemas.openxmlformats.org/officeDocument/2006/relationships" xmlns:p="http://schemas.openxmlformats.org/presentationml/2006/main">
-  <p:cSld>
-    <p:spTree>
-      <p:nvGrpSpPr>
-        <p:cNvPr id="1" name=""/>
-        <p:cNvGrpSpPr/>
-        <p:nvPr/>
-      </p:nvGrpSpPr>
-      <p:grpSpPr>
-        <a:xfrm>
-          <a:off x="0" y="0"/>
-          <a:ext cx="0" cy="0"/>
-          <a:chOff x="0" y="0"/>
-          <a:chExt cx="0" cy="0"/>
-        </a:xfrm>
-      </p:grpSpPr>
-      <p:sp>
-        <p:nvSpPr>
-          <p:cNvPr id="2" name="Title 1">
-            <a:extLst>
-              <a:ext uri="{FF2B5EF4-FFF2-40B4-BE49-F238E27FC236}">
-                <a16:creationId xmlns:a16="http://schemas.microsoft.com/office/drawing/2014/main" id="{CFEA63D6-722B-45BD-8857-C0E411F0FD25}"/>
-              </a:ext>
-            </a:extLst>
-          </p:cNvPr>
-          <p:cNvSpPr>
-            <a:spLocks noGrp="1"/>
-          </p:cNvSpPr>
-          <p:nvPr>
-            <p:ph type="title"/>
-          </p:nvPr>
-        </p:nvSpPr>
-        <p:spPr/>
-        <p:txBody>
-          <a:bodyPr/>
-          <a:lstStyle/>
-          <a:p>
-            <a:r>
-              <a:rPr lang="ru-RU" dirty="0"/>
-              <a:t>Множественное условие</a:t>
-            </a:r>
-            <a:endParaRPr lang="en-US" dirty="0"/>
-          </a:p>
-        </p:txBody>
-      </p:sp>
-      <p:pic>
-        <p:nvPicPr>
-          <p:cNvPr id="5" name="Content Placeholder 4">
-            <a:extLst>
-              <a:ext uri="{FF2B5EF4-FFF2-40B4-BE49-F238E27FC236}">
-                <a16:creationId xmlns:a16="http://schemas.microsoft.com/office/drawing/2014/main" id="{C6FDA444-5254-49F8-B257-707F53AD1B43}"/>
-              </a:ext>
-            </a:extLst>
-          </p:cNvPr>
-          <p:cNvPicPr>
-            <a:picLocks noGrp="1" noChangeAspect="1"/>
-          </p:cNvPicPr>
-          <p:nvPr>
-            <p:ph idx="1"/>
-          </p:nvPr>
-        </p:nvPicPr>
-        <p:blipFill>
-          <a:blip r:embed="rId2"/>
-          <a:stretch>
-            <a:fillRect/>
-          </a:stretch>
-        </p:blipFill>
-        <p:spPr>
-          <a:xfrm>
-            <a:off x="1276004" y="1801898"/>
-            <a:ext cx="9639992" cy="4203485"/>
-          </a:xfrm>
-        </p:spPr>
-      </p:pic>
-    </p:spTree>
-    <p:extLst>
-      <p:ext uri="{BB962C8B-B14F-4D97-AF65-F5344CB8AC3E}">
-        <p14:creationId xmlns:p14="http://schemas.microsoft.com/office/powerpoint/2010/main" val="176514608"/>
-      </p:ext>
-    </p:extLst>
-  </p:cSld>
-  <p:clrMapOvr>
-    <a:masterClrMapping/>
-  </p:clrMapOvr>
-</p:sld>
-</file>
-
 <file path=ppt/slides/slide3.xml><?xml version="1.0" encoding="utf-8"?>
 <p:sld xmlns:a="http://schemas.openxmlformats.org/drawingml/2006/main" xmlns:r="http://schemas.openxmlformats.org/officeDocument/2006/relationships" xmlns:p="http://schemas.openxmlformats.org/presentationml/2006/main">
   <p:cSld>
@@ -5143,7 +8601,6 @@
           </a:bodyPr>
           <a:lstStyle/>
           <a:p>
-            <a:pPr algn="ctr"/>
             <a:r>
               <a:rPr lang="ru-RU" sz="4800" b="1" dirty="0"/>
               <a:t>Дополнительные материалы</a:t>
@@ -5292,6 +8749,536 @@
           <p:cNvPr id="2" name="Title 1">
             <a:extLst>
               <a:ext uri="{FF2B5EF4-FFF2-40B4-BE49-F238E27FC236}">
+                <a16:creationId xmlns:a16="http://schemas.microsoft.com/office/drawing/2014/main" id="{AF51B906-A85B-4F12-8E81-A95A167F8E56}"/>
+              </a:ext>
+            </a:extLst>
+          </p:cNvPr>
+          <p:cNvSpPr>
+            <a:spLocks noGrp="1"/>
+          </p:cNvSpPr>
+          <p:nvPr>
+            <p:ph type="title"/>
+          </p:nvPr>
+        </p:nvSpPr>
+        <p:spPr/>
+        <p:txBody>
+          <a:bodyPr/>
+          <a:lstStyle/>
+          <a:p>
+            <a:r>
+              <a:rPr lang="ru-RU" dirty="0"/>
+              <a:t>Переменные</a:t>
+            </a:r>
+            <a:endParaRPr lang="en-US" dirty="0"/>
+          </a:p>
+        </p:txBody>
+      </p:sp>
+      <p:pic>
+        <p:nvPicPr>
+          <p:cNvPr id="8" name="Picture 7">
+            <a:extLst>
+              <a:ext uri="{FF2B5EF4-FFF2-40B4-BE49-F238E27FC236}">
+                <a16:creationId xmlns:a16="http://schemas.microsoft.com/office/drawing/2014/main" id="{FC5334FA-420E-4265-908F-585B32B6BD3D}"/>
+              </a:ext>
+            </a:extLst>
+          </p:cNvPr>
+          <p:cNvPicPr>
+            <a:picLocks noChangeAspect="1"/>
+          </p:cNvPicPr>
+          <p:nvPr/>
+        </p:nvPicPr>
+        <p:blipFill>
+          <a:blip r:embed="rId3"/>
+          <a:stretch>
+            <a:fillRect/>
+          </a:stretch>
+        </p:blipFill>
+        <p:spPr>
+          <a:xfrm>
+            <a:off x="838199" y="1873079"/>
+            <a:ext cx="10344233" cy="3984024"/>
+          </a:xfrm>
+          <a:prstGeom prst="rect">
+            <a:avLst/>
+          </a:prstGeom>
+        </p:spPr>
+      </p:pic>
+    </p:spTree>
+    <p:extLst>
+      <p:ext uri="{BB962C8B-B14F-4D97-AF65-F5344CB8AC3E}">
+        <p14:creationId xmlns:p14="http://schemas.microsoft.com/office/powerpoint/2010/main" val="1583858244"/>
+      </p:ext>
+    </p:extLst>
+  </p:cSld>
+  <p:clrMapOvr>
+    <a:masterClrMapping/>
+  </p:clrMapOvr>
+</p:sld>
+</file>
+
+<file path=ppt/slides/slide31.xml><?xml version="1.0" encoding="utf-8"?>
+<p:sld xmlns:a="http://schemas.openxmlformats.org/drawingml/2006/main" xmlns:r="http://schemas.openxmlformats.org/officeDocument/2006/relationships" xmlns:p="http://schemas.openxmlformats.org/presentationml/2006/main">
+  <p:cSld>
+    <p:spTree>
+      <p:nvGrpSpPr>
+        <p:cNvPr id="1" name=""/>
+        <p:cNvGrpSpPr/>
+        <p:nvPr/>
+      </p:nvGrpSpPr>
+      <p:grpSpPr>
+        <a:xfrm>
+          <a:off x="0" y="0"/>
+          <a:ext cx="0" cy="0"/>
+          <a:chOff x="0" y="0"/>
+          <a:chExt cx="0" cy="0"/>
+        </a:xfrm>
+      </p:grpSpPr>
+      <p:sp>
+        <p:nvSpPr>
+          <p:cNvPr id="2" name="Title 1">
+            <a:extLst>
+              <a:ext uri="{FF2B5EF4-FFF2-40B4-BE49-F238E27FC236}">
+                <a16:creationId xmlns:a16="http://schemas.microsoft.com/office/drawing/2014/main" id="{0C225438-0312-4168-8F6F-39C98E90ED10}"/>
+              </a:ext>
+            </a:extLst>
+          </p:cNvPr>
+          <p:cNvSpPr>
+            <a:spLocks noGrp="1"/>
+          </p:cNvSpPr>
+          <p:nvPr>
+            <p:ph type="title"/>
+          </p:nvPr>
+        </p:nvSpPr>
+        <p:spPr/>
+        <p:txBody>
+          <a:bodyPr/>
+          <a:lstStyle/>
+          <a:p>
+            <a:r>
+              <a:rPr lang="ru-RU" dirty="0"/>
+              <a:t>Константы</a:t>
+            </a:r>
+            <a:endParaRPr lang="en-US" dirty="0"/>
+          </a:p>
+        </p:txBody>
+      </p:sp>
+      <p:pic>
+        <p:nvPicPr>
+          <p:cNvPr id="5" name="Content Placeholder 4">
+            <a:extLst>
+              <a:ext uri="{FF2B5EF4-FFF2-40B4-BE49-F238E27FC236}">
+                <a16:creationId xmlns:a16="http://schemas.microsoft.com/office/drawing/2014/main" id="{0D7F5B4F-8FC5-4244-B392-E6D226E4A017}"/>
+              </a:ext>
+            </a:extLst>
+          </p:cNvPr>
+          <p:cNvPicPr>
+            <a:picLocks noGrp="1" noChangeAspect="1"/>
+          </p:cNvPicPr>
+          <p:nvPr>
+            <p:ph idx="1"/>
+          </p:nvPr>
+        </p:nvPicPr>
+        <p:blipFill>
+          <a:blip r:embed="rId3"/>
+          <a:stretch>
+            <a:fillRect/>
+          </a:stretch>
+        </p:blipFill>
+        <p:spPr>
+          <a:xfrm>
+            <a:off x="1017651" y="2098684"/>
+            <a:ext cx="10156698" cy="3284043"/>
+          </a:xfrm>
+        </p:spPr>
+      </p:pic>
+    </p:spTree>
+    <p:extLst>
+      <p:ext uri="{BB962C8B-B14F-4D97-AF65-F5344CB8AC3E}">
+        <p14:creationId xmlns:p14="http://schemas.microsoft.com/office/powerpoint/2010/main" val="3724627857"/>
+      </p:ext>
+    </p:extLst>
+  </p:cSld>
+  <p:clrMapOvr>
+    <a:masterClrMapping/>
+  </p:clrMapOvr>
+</p:sld>
+</file>
+
+<file path=ppt/slides/slide32.xml><?xml version="1.0" encoding="utf-8"?>
+<p:sld xmlns:a="http://schemas.openxmlformats.org/drawingml/2006/main" xmlns:r="http://schemas.openxmlformats.org/officeDocument/2006/relationships" xmlns:p="http://schemas.openxmlformats.org/presentationml/2006/main">
+  <p:cSld>
+    <p:spTree>
+      <p:nvGrpSpPr>
+        <p:cNvPr id="1" name=""/>
+        <p:cNvGrpSpPr/>
+        <p:nvPr/>
+      </p:nvGrpSpPr>
+      <p:grpSpPr>
+        <a:xfrm>
+          <a:off x="0" y="0"/>
+          <a:ext cx="0" cy="0"/>
+          <a:chOff x="0" y="0"/>
+          <a:chExt cx="0" cy="0"/>
+        </a:xfrm>
+      </p:grpSpPr>
+      <p:sp>
+        <p:nvSpPr>
+          <p:cNvPr id="2" name="Title 1">
+            <a:extLst>
+              <a:ext uri="{FF2B5EF4-FFF2-40B4-BE49-F238E27FC236}">
+                <a16:creationId xmlns:a16="http://schemas.microsoft.com/office/drawing/2014/main" id="{8E7B026E-AD56-4D22-AD0B-C115CC56A0B1}"/>
+              </a:ext>
+            </a:extLst>
+          </p:cNvPr>
+          <p:cNvSpPr>
+            <a:spLocks noGrp="1"/>
+          </p:cNvSpPr>
+          <p:nvPr>
+            <p:ph type="title"/>
+          </p:nvPr>
+        </p:nvSpPr>
+        <p:spPr/>
+        <p:txBody>
+          <a:bodyPr/>
+          <a:lstStyle/>
+          <a:p>
+            <a:r>
+              <a:rPr lang="ru-RU" dirty="0"/>
+              <a:t>Булев тип</a:t>
+            </a:r>
+            <a:endParaRPr lang="en-US" dirty="0"/>
+          </a:p>
+        </p:txBody>
+      </p:sp>
+      <p:pic>
+        <p:nvPicPr>
+          <p:cNvPr id="7" name="Picture 6">
+            <a:extLst>
+              <a:ext uri="{FF2B5EF4-FFF2-40B4-BE49-F238E27FC236}">
+                <a16:creationId xmlns:a16="http://schemas.microsoft.com/office/drawing/2014/main" id="{13D6F733-5626-4B60-9D32-CE825435A140}"/>
+              </a:ext>
+            </a:extLst>
+          </p:cNvPr>
+          <p:cNvPicPr>
+            <a:picLocks noChangeAspect="1"/>
+          </p:cNvPicPr>
+          <p:nvPr/>
+        </p:nvPicPr>
+        <p:blipFill>
+          <a:blip r:embed="rId3"/>
+          <a:stretch>
+            <a:fillRect/>
+          </a:stretch>
+        </p:blipFill>
+        <p:spPr>
+          <a:xfrm>
+            <a:off x="1186249" y="2084900"/>
+            <a:ext cx="10048747" cy="2688200"/>
+          </a:xfrm>
+          <a:prstGeom prst="rect">
+            <a:avLst/>
+          </a:prstGeom>
+        </p:spPr>
+      </p:pic>
+    </p:spTree>
+    <p:extLst>
+      <p:ext uri="{BB962C8B-B14F-4D97-AF65-F5344CB8AC3E}">
+        <p14:creationId xmlns:p14="http://schemas.microsoft.com/office/powerpoint/2010/main" val="304644893"/>
+      </p:ext>
+    </p:extLst>
+  </p:cSld>
+  <p:clrMapOvr>
+    <a:masterClrMapping/>
+  </p:clrMapOvr>
+</p:sld>
+</file>
+
+<file path=ppt/slides/slide33.xml><?xml version="1.0" encoding="utf-8"?>
+<p:sld xmlns:a="http://schemas.openxmlformats.org/drawingml/2006/main" xmlns:r="http://schemas.openxmlformats.org/officeDocument/2006/relationships" xmlns:p="http://schemas.openxmlformats.org/presentationml/2006/main">
+  <p:cSld>
+    <p:spTree>
+      <p:nvGrpSpPr>
+        <p:cNvPr id="1" name=""/>
+        <p:cNvGrpSpPr/>
+        <p:nvPr/>
+      </p:nvGrpSpPr>
+      <p:grpSpPr>
+        <a:xfrm>
+          <a:off x="0" y="0"/>
+          <a:ext cx="0" cy="0"/>
+          <a:chOff x="0" y="0"/>
+          <a:chExt cx="0" cy="0"/>
+        </a:xfrm>
+      </p:grpSpPr>
+      <p:sp>
+        <p:nvSpPr>
+          <p:cNvPr id="2" name="Title 1">
+            <a:extLst>
+              <a:ext uri="{FF2B5EF4-FFF2-40B4-BE49-F238E27FC236}">
+                <a16:creationId xmlns:a16="http://schemas.microsoft.com/office/drawing/2014/main" id="{94FE8C27-14C2-40F1-BC67-B36D78C746A6}"/>
+              </a:ext>
+            </a:extLst>
+          </p:cNvPr>
+          <p:cNvSpPr>
+            <a:spLocks noGrp="1"/>
+          </p:cNvSpPr>
+          <p:nvPr>
+            <p:ph type="title"/>
+          </p:nvPr>
+        </p:nvSpPr>
+        <p:spPr/>
+        <p:txBody>
+          <a:bodyPr/>
+          <a:lstStyle/>
+          <a:p>
+            <a:r>
+              <a:rPr lang="ru-RU" dirty="0"/>
+              <a:t>Оператор условия</a:t>
+            </a:r>
+            <a:endParaRPr lang="en-US" dirty="0"/>
+          </a:p>
+        </p:txBody>
+      </p:sp>
+      <p:pic>
+        <p:nvPicPr>
+          <p:cNvPr id="5" name="Picture 4">
+            <a:extLst>
+              <a:ext uri="{FF2B5EF4-FFF2-40B4-BE49-F238E27FC236}">
+                <a16:creationId xmlns:a16="http://schemas.microsoft.com/office/drawing/2014/main" id="{61DBB656-889C-4513-A67B-0ABBF3688013}"/>
+              </a:ext>
+            </a:extLst>
+          </p:cNvPr>
+          <p:cNvPicPr>
+            <a:picLocks noChangeAspect="1"/>
+          </p:cNvPicPr>
+          <p:nvPr/>
+        </p:nvPicPr>
+        <p:blipFill rotWithShape="1">
+          <a:blip r:embed="rId3"/>
+          <a:srcRect t="14070"/>
+          <a:stretch/>
+        </p:blipFill>
+        <p:spPr>
+          <a:xfrm>
+            <a:off x="1142484" y="1690688"/>
+            <a:ext cx="9492033" cy="4055204"/>
+          </a:xfrm>
+          <a:prstGeom prst="rect">
+            <a:avLst/>
+          </a:prstGeom>
+        </p:spPr>
+      </p:pic>
+    </p:spTree>
+    <p:extLst>
+      <p:ext uri="{BB962C8B-B14F-4D97-AF65-F5344CB8AC3E}">
+        <p14:creationId xmlns:p14="http://schemas.microsoft.com/office/powerpoint/2010/main" val="2235144220"/>
+      </p:ext>
+    </p:extLst>
+  </p:cSld>
+  <p:clrMapOvr>
+    <a:masterClrMapping/>
+  </p:clrMapOvr>
+</p:sld>
+</file>
+
+<file path=ppt/slides/slide34.xml><?xml version="1.0" encoding="utf-8"?>
+<p:sld xmlns:a="http://schemas.openxmlformats.org/drawingml/2006/main" xmlns:r="http://schemas.openxmlformats.org/officeDocument/2006/relationships" xmlns:p="http://schemas.openxmlformats.org/presentationml/2006/main">
+  <p:cSld>
+    <p:spTree>
+      <p:nvGrpSpPr>
+        <p:cNvPr id="1" name=""/>
+        <p:cNvGrpSpPr/>
+        <p:nvPr/>
+      </p:nvGrpSpPr>
+      <p:grpSpPr>
+        <a:xfrm>
+          <a:off x="0" y="0"/>
+          <a:ext cx="0" cy="0"/>
+          <a:chOff x="0" y="0"/>
+          <a:chExt cx="0" cy="0"/>
+        </a:xfrm>
+      </p:grpSpPr>
+      <p:sp>
+        <p:nvSpPr>
+          <p:cNvPr id="2" name="Title 1">
+            <a:extLst>
+              <a:ext uri="{FF2B5EF4-FFF2-40B4-BE49-F238E27FC236}">
+                <a16:creationId xmlns:a16="http://schemas.microsoft.com/office/drawing/2014/main" id="{3916B2A1-8E3E-4115-9B92-C712EF7D44C4}"/>
+              </a:ext>
+            </a:extLst>
+          </p:cNvPr>
+          <p:cNvSpPr>
+            <a:spLocks noGrp="1"/>
+          </p:cNvSpPr>
+          <p:nvPr>
+            <p:ph type="title"/>
+          </p:nvPr>
+        </p:nvSpPr>
+        <p:spPr/>
+        <p:txBody>
+          <a:bodyPr/>
+          <a:lstStyle/>
+          <a:p>
+            <a:r>
+              <a:rPr lang="ru-RU" dirty="0"/>
+              <a:t>Несколько условий</a:t>
+            </a:r>
+            <a:endParaRPr lang="en-US" dirty="0"/>
+          </a:p>
+        </p:txBody>
+      </p:sp>
+      <p:pic>
+        <p:nvPicPr>
+          <p:cNvPr id="5" name="Content Placeholder 4">
+            <a:extLst>
+              <a:ext uri="{FF2B5EF4-FFF2-40B4-BE49-F238E27FC236}">
+                <a16:creationId xmlns:a16="http://schemas.microsoft.com/office/drawing/2014/main" id="{F8757FEF-A89D-4CCE-99ED-9B62A1D48556}"/>
+              </a:ext>
+            </a:extLst>
+          </p:cNvPr>
+          <p:cNvPicPr>
+            <a:picLocks noGrp="1" noChangeAspect="1"/>
+          </p:cNvPicPr>
+          <p:nvPr>
+            <p:ph idx="1"/>
+          </p:nvPr>
+        </p:nvPicPr>
+        <p:blipFill>
+          <a:blip r:embed="rId3"/>
+          <a:stretch>
+            <a:fillRect/>
+          </a:stretch>
+        </p:blipFill>
+        <p:spPr>
+          <a:xfrm>
+            <a:off x="1155925" y="1962428"/>
+            <a:ext cx="9880149" cy="3845247"/>
+          </a:xfrm>
+        </p:spPr>
+      </p:pic>
+    </p:spTree>
+    <p:extLst>
+      <p:ext uri="{BB962C8B-B14F-4D97-AF65-F5344CB8AC3E}">
+        <p14:creationId xmlns:p14="http://schemas.microsoft.com/office/powerpoint/2010/main" val="204711784"/>
+      </p:ext>
+    </p:extLst>
+  </p:cSld>
+  <p:clrMapOvr>
+    <a:masterClrMapping/>
+  </p:clrMapOvr>
+</p:sld>
+</file>
+
+<file path=ppt/slides/slide35.xml><?xml version="1.0" encoding="utf-8"?>
+<p:sld xmlns:a="http://schemas.openxmlformats.org/drawingml/2006/main" xmlns:r="http://schemas.openxmlformats.org/officeDocument/2006/relationships" xmlns:p="http://schemas.openxmlformats.org/presentationml/2006/main">
+  <p:cSld>
+    <p:spTree>
+      <p:nvGrpSpPr>
+        <p:cNvPr id="1" name=""/>
+        <p:cNvGrpSpPr/>
+        <p:nvPr/>
+      </p:nvGrpSpPr>
+      <p:grpSpPr>
+        <a:xfrm>
+          <a:off x="0" y="0"/>
+          <a:ext cx="0" cy="0"/>
+          <a:chOff x="0" y="0"/>
+          <a:chExt cx="0" cy="0"/>
+        </a:xfrm>
+      </p:grpSpPr>
+      <p:sp>
+        <p:nvSpPr>
+          <p:cNvPr id="2" name="Title 1">
+            <a:extLst>
+              <a:ext uri="{FF2B5EF4-FFF2-40B4-BE49-F238E27FC236}">
+                <a16:creationId xmlns:a16="http://schemas.microsoft.com/office/drawing/2014/main" id="{CFEA63D6-722B-45BD-8857-C0E411F0FD25}"/>
+              </a:ext>
+            </a:extLst>
+          </p:cNvPr>
+          <p:cNvSpPr>
+            <a:spLocks noGrp="1"/>
+          </p:cNvSpPr>
+          <p:nvPr>
+            <p:ph type="title"/>
+          </p:nvPr>
+        </p:nvSpPr>
+        <p:spPr/>
+        <p:txBody>
+          <a:bodyPr/>
+          <a:lstStyle/>
+          <a:p>
+            <a:r>
+              <a:rPr lang="ru-RU" dirty="0"/>
+              <a:t>Множественное условие</a:t>
+            </a:r>
+            <a:endParaRPr lang="en-US" dirty="0"/>
+          </a:p>
+        </p:txBody>
+      </p:sp>
+      <p:pic>
+        <p:nvPicPr>
+          <p:cNvPr id="5" name="Content Placeholder 4">
+            <a:extLst>
+              <a:ext uri="{FF2B5EF4-FFF2-40B4-BE49-F238E27FC236}">
+                <a16:creationId xmlns:a16="http://schemas.microsoft.com/office/drawing/2014/main" id="{C6FDA444-5254-49F8-B257-707F53AD1B43}"/>
+              </a:ext>
+            </a:extLst>
+          </p:cNvPr>
+          <p:cNvPicPr>
+            <a:picLocks noGrp="1" noChangeAspect="1"/>
+          </p:cNvPicPr>
+          <p:nvPr>
+            <p:ph idx="1"/>
+          </p:nvPr>
+        </p:nvPicPr>
+        <p:blipFill>
+          <a:blip r:embed="rId3"/>
+          <a:stretch>
+            <a:fillRect/>
+          </a:stretch>
+        </p:blipFill>
+        <p:spPr>
+          <a:xfrm>
+            <a:off x="1276004" y="1801898"/>
+            <a:ext cx="9639992" cy="4203485"/>
+          </a:xfrm>
+        </p:spPr>
+      </p:pic>
+    </p:spTree>
+    <p:extLst>
+      <p:ext uri="{BB962C8B-B14F-4D97-AF65-F5344CB8AC3E}">
+        <p14:creationId xmlns:p14="http://schemas.microsoft.com/office/powerpoint/2010/main" val="176514608"/>
+      </p:ext>
+    </p:extLst>
+  </p:cSld>
+  <p:clrMapOvr>
+    <a:masterClrMapping/>
+  </p:clrMapOvr>
+</p:sld>
+</file>
+
+<file path=ppt/slides/slide36.xml><?xml version="1.0" encoding="utf-8"?>
+<p:sld xmlns:a="http://schemas.openxmlformats.org/drawingml/2006/main" xmlns:r="http://schemas.openxmlformats.org/officeDocument/2006/relationships" xmlns:p="http://schemas.openxmlformats.org/presentationml/2006/main">
+  <p:cSld>
+    <p:spTree>
+      <p:nvGrpSpPr>
+        <p:cNvPr id="1" name=""/>
+        <p:cNvGrpSpPr/>
+        <p:nvPr/>
+      </p:nvGrpSpPr>
+      <p:grpSpPr>
+        <a:xfrm>
+          <a:off x="0" y="0"/>
+          <a:ext cx="0" cy="0"/>
+          <a:chOff x="0" y="0"/>
+          <a:chExt cx="0" cy="0"/>
+        </a:xfrm>
+      </p:grpSpPr>
+      <p:sp>
+        <p:nvSpPr>
+          <p:cNvPr id="2" name="Title 1">
+            <a:extLst>
+              <a:ext uri="{FF2B5EF4-FFF2-40B4-BE49-F238E27FC236}">
                 <a16:creationId xmlns:a16="http://schemas.microsoft.com/office/drawing/2014/main" id="{CF54C6AE-7033-4549-84AE-34EA7E8EE934}"/>
               </a:ext>
             </a:extLst>
@@ -5308,6 +9295,7 @@
           <a:bodyPr/>
           <a:lstStyle/>
           <a:p>
+            <a:pPr algn="ctr"/>
             <a:r>
               <a:rPr lang="ru-RU" dirty="0"/>
               <a:t>Практическая часть</a:t>
@@ -5332,7 +9320,12 @@
             <p:ph idx="1"/>
           </p:nvPr>
         </p:nvSpPr>
-        <p:spPr/>
+        <p:spPr>
+          <a:xfrm>
+            <a:off x="603421" y="2159257"/>
+            <a:ext cx="10985157" cy="3944980"/>
+          </a:xfrm>
+        </p:spPr>
         <p:txBody>
           <a:bodyPr>
             <a:normAutofit/>
@@ -5343,11 +9336,11 @@
               <a:buNone/>
             </a:pPr>
             <a:r>
-              <a:rPr lang="ru-RU" sz="4400" dirty="0"/>
+              <a:rPr lang="ru-RU" sz="4200" dirty="0"/>
               <a:t>Ссылка на репозиторий – </a:t>
             </a:r>
             <a:r>
-              <a:rPr lang="en-US" sz="4400" dirty="0">
+              <a:rPr lang="en-US" sz="4200" dirty="0">
                 <a:effectLst/>
               </a:rPr>
               <a:t>clck.ru/XEoL3</a:t>
@@ -5357,29 +9350,29 @@
             <a:pPr marL="0" indent="0">
               <a:buNone/>
             </a:pPr>
-            <a:endParaRPr lang="en-US" sz="4400" dirty="0"/>
+            <a:endParaRPr lang="en-US" sz="4200" dirty="0"/>
           </a:p>
           <a:p>
             <a:pPr marL="0" indent="0">
               <a:buNone/>
             </a:pPr>
             <a:r>
-              <a:rPr lang="ru-RU" sz="4400" dirty="0"/>
+              <a:rPr lang="ru-RU" sz="4200" dirty="0"/>
               <a:t>Ссылка на онлайн-компилятор – </a:t>
             </a:r>
             <a:r>
-              <a:rPr lang="en-US" sz="4400" dirty="0">
+              <a:rPr lang="en-US" sz="4200" dirty="0">
                 <a:effectLst/>
               </a:rPr>
               <a:t>clck.ru/</a:t>
             </a:r>
             <a:r>
-              <a:rPr lang="en-US" sz="4400" dirty="0" err="1">
+              <a:rPr lang="en-US" sz="4200" dirty="0" err="1">
                 <a:effectLst/>
               </a:rPr>
               <a:t>TDTdL</a:t>
             </a:r>
-            <a:endParaRPr lang="en-US" sz="4400" dirty="0"/>
+            <a:endParaRPr lang="en-US" sz="4200" dirty="0"/>
           </a:p>
         </p:txBody>
       </p:sp>
@@ -5436,7 +9429,6 @@
           </a:bodyPr>
           <a:lstStyle/>
           <a:p>
-            <a:pPr algn="ctr"/>
             <a:r>
               <a:rPr lang="ru-RU" sz="4800" b="1" dirty="0"/>
               <a:t>О предмете</a:t>
@@ -5613,7 +9605,6 @@
           <a:bodyPr/>
           <a:lstStyle/>
           <a:p>
-            <a:pPr algn="ctr"/>
             <a:r>
               <a:rPr lang="ru-RU" dirty="0"/>
               <a:t>Проверка версии</a:t>
@@ -5639,7 +9630,7 @@
           </p:nvPr>
         </p:nvPicPr>
         <p:blipFill rotWithShape="1">
-          <a:blip r:embed="rId2"/>
+          <a:blip r:embed="rId3"/>
           <a:srcRect r="51980" b="57615"/>
           <a:stretch/>
         </p:blipFill>
@@ -5701,7 +9692,6 @@
           <a:bodyPr/>
           <a:lstStyle/>
           <a:p>
-            <a:pPr algn="ctr"/>
             <a:r>
               <a:rPr lang="en-US" dirty="0"/>
               <a:t>Visual Studio Code</a:t>
@@ -5726,7 +9716,7 @@
           </p:nvPr>
         </p:nvPicPr>
         <p:blipFill rotWithShape="1">
-          <a:blip r:embed="rId2"/>
+          <a:blip r:embed="rId3"/>
           <a:srcRect t="6605" b="30636"/>
           <a:stretch/>
         </p:blipFill>
@@ -5767,77 +9757,82 @@
           <a:chExt cx="0" cy="0"/>
         </a:xfrm>
       </p:grpSpPr>
-      <p:sp>
-        <p:nvSpPr>
-          <p:cNvPr id="2" name="Title 1">
+      <p:pic>
+        <p:nvPicPr>
+          <p:cNvPr id="1028" name="Picture 4" descr="Денис Туляков - блог о том, что мне интересно: GitHub представил  Git-хранилище для больших файлов">
             <a:extLst>
               <a:ext uri="{FF2B5EF4-FFF2-40B4-BE49-F238E27FC236}">
-                <a16:creationId xmlns:a16="http://schemas.microsoft.com/office/drawing/2014/main" id="{1273A35B-5574-40FD-A740-981AACC8E6D6}"/>
-              </a:ext>
-            </a:extLst>
-          </p:cNvPr>
-          <p:cNvSpPr>
-            <a:spLocks noGrp="1"/>
-          </p:cNvSpPr>
-          <p:nvPr>
-            <p:ph type="title"/>
-          </p:nvPr>
-        </p:nvSpPr>
-        <p:spPr>
-          <a:xfrm>
-            <a:off x="838200" y="0"/>
-            <a:ext cx="10515600" cy="1325563"/>
-          </a:xfrm>
-        </p:spPr>
-        <p:txBody>
-          <a:bodyPr/>
-          <a:lstStyle/>
-          <a:p>
-            <a:pPr algn="ctr"/>
-            <a:r>
-              <a:rPr lang="ru-RU" dirty="0"/>
-              <a:t>Установка и настройка </a:t>
-            </a:r>
-            <a:r>
-              <a:rPr lang="en-US" dirty="0"/>
-              <a:t>Git</a:t>
-            </a:r>
-          </a:p>
-        </p:txBody>
-      </p:sp>
-      <p:pic>
-        <p:nvPicPr>
-          <p:cNvPr id="7" name="Picture 6">
-            <a:extLst>
-              <a:ext uri="{FF2B5EF4-FFF2-40B4-BE49-F238E27FC236}">
-                <a16:creationId xmlns:a16="http://schemas.microsoft.com/office/drawing/2014/main" id="{C1FEE0F2-1AF5-4EF1-BCA4-F181638EB4BE}"/>
+                <a16:creationId xmlns:a16="http://schemas.microsoft.com/office/drawing/2014/main" id="{1523C1FA-44B2-4208-BDE5-FAAC423E92D5}"/>
               </a:ext>
             </a:extLst>
           </p:cNvPr>
           <p:cNvPicPr>
-            <a:picLocks noChangeAspect="1"/>
+            <a:picLocks noChangeAspect="1" noChangeArrowheads="1"/>
           </p:cNvPicPr>
           <p:nvPr/>
         </p:nvPicPr>
-        <p:blipFill rotWithShape="1">
-          <a:blip r:embed="rId2"/>
-          <a:srcRect b="37005"/>
-          <a:stretch/>
+        <p:blipFill>
+          <a:blip r:embed="rId3">
+            <a:extLst>
+              <a:ext uri="{28A0092B-C50C-407E-A947-70E740481C1C}">
+                <a14:useLocalDpi xmlns:a14="http://schemas.microsoft.com/office/drawing/2010/main" val="0"/>
+              </a:ext>
+            </a:extLst>
+          </a:blip>
+          <a:srcRect/>
+          <a:stretch>
+            <a:fillRect/>
+          </a:stretch>
         </p:blipFill>
-        <p:spPr>
+        <p:spPr bwMode="auto">
           <a:xfrm>
-            <a:off x="2150526" y="1325563"/>
-            <a:ext cx="7890947" cy="5082112"/>
+            <a:off x="1762125" y="1619250"/>
+            <a:ext cx="8667750" cy="3619500"/>
           </a:xfrm>
           <a:prstGeom prst="rect">
             <a:avLst/>
           </a:prstGeom>
+          <a:noFill/>
+          <a:extLst>
+            <a:ext uri="{909E8E84-426E-40DD-AFC4-6F175D3DCCD1}">
+              <a14:hiddenFill xmlns:a14="http://schemas.microsoft.com/office/drawing/2010/main">
+                <a:solidFill>
+                  <a:srgbClr val="FFFFFF"/>
+                </a:solidFill>
+              </a14:hiddenFill>
+            </a:ext>
+          </a:extLst>
         </p:spPr>
       </p:pic>
+      <p:sp>
+        <p:nvSpPr>
+          <p:cNvPr id="8" name="Title 7">
+            <a:extLst>
+              <a:ext uri="{FF2B5EF4-FFF2-40B4-BE49-F238E27FC236}">
+                <a16:creationId xmlns:a16="http://schemas.microsoft.com/office/drawing/2014/main" id="{0C938955-1E35-44CA-83BC-C4BECC414086}"/>
+              </a:ext>
+            </a:extLst>
+          </p:cNvPr>
+          <p:cNvSpPr>
+            <a:spLocks noGrp="1"/>
+          </p:cNvSpPr>
+          <p:nvPr>
+            <p:ph type="title"/>
+          </p:nvPr>
+        </p:nvSpPr>
+        <p:spPr/>
+        <p:txBody>
+          <a:bodyPr/>
+          <a:lstStyle/>
+          <a:p>
+            <a:endParaRPr lang="en-US"/>
+          </a:p>
+        </p:txBody>
+      </p:sp>
     </p:spTree>
     <p:extLst>
       <p:ext uri="{BB962C8B-B14F-4D97-AF65-F5344CB8AC3E}">
-        <p14:creationId xmlns:p14="http://schemas.microsoft.com/office/powerpoint/2010/main" val="3418843575"/>
+        <p14:creationId xmlns:p14="http://schemas.microsoft.com/office/powerpoint/2010/main" val="600422637"/>
       </p:ext>
     </p:extLst>
   </p:cSld>
@@ -5869,7 +9864,7 @@
           <p:cNvPr id="2" name="Title 1">
             <a:extLst>
               <a:ext uri="{FF2B5EF4-FFF2-40B4-BE49-F238E27FC236}">
-                <a16:creationId xmlns:a16="http://schemas.microsoft.com/office/drawing/2014/main" id="{9B57E14B-3316-4E3A-A317-97EE4862A2AD}"/>
+                <a16:creationId xmlns:a16="http://schemas.microsoft.com/office/drawing/2014/main" id="{E3B7FFD6-2EDA-4693-95A1-3A0FB6AA05AD}"/>
               </a:ext>
             </a:extLst>
           </p:cNvPr>
@@ -5880,22 +9875,19 @@
             <p:ph type="title"/>
           </p:nvPr>
         </p:nvSpPr>
-        <p:spPr/>
+        <p:spPr>
+          <a:xfrm>
+            <a:off x="836161" y="234853"/>
+            <a:ext cx="10515600" cy="1325563"/>
+          </a:xfrm>
+        </p:spPr>
         <p:txBody>
           <a:bodyPr/>
           <a:lstStyle/>
           <a:p>
             <a:r>
               <a:rPr lang="ru-RU" dirty="0"/>
-              <a:t>Добавление </a:t>
-            </a:r>
-            <a:r>
-              <a:rPr lang="en-US" dirty="0"/>
-              <a:t>SSH</a:t>
-            </a:r>
-            <a:r>
-              <a:rPr lang="ru-RU" dirty="0"/>
-              <a:t>-ключа</a:t>
+              <a:t>Сохранение состояния</a:t>
             </a:r>
             <a:endParaRPr lang="en-US" dirty="0"/>
           </a:p>
@@ -5903,36 +9895,66 @@
       </p:sp>
       <p:pic>
         <p:nvPicPr>
-          <p:cNvPr id="5" name="Content Placeholder 4">
+          <p:cNvPr id="4" name="Content Placeholder 4">
             <a:extLst>
               <a:ext uri="{FF2B5EF4-FFF2-40B4-BE49-F238E27FC236}">
-                <a16:creationId xmlns:a16="http://schemas.microsoft.com/office/drawing/2014/main" id="{C4613E74-D4F0-4EDA-A4B5-4121B8303E23}"/>
+                <a16:creationId xmlns:a16="http://schemas.microsoft.com/office/drawing/2014/main" id="{EE6E60B6-7FF5-4C9D-B9A0-C48CCECC3FEF}"/>
               </a:ext>
             </a:extLst>
           </p:cNvPr>
           <p:cNvPicPr>
-            <a:picLocks noGrp="1" noChangeAspect="1"/>
+            <a:picLocks noChangeAspect="1"/>
           </p:cNvPicPr>
-          <p:nvPr>
-            <p:ph idx="1"/>
-          </p:nvPr>
+          <p:nvPr/>
         </p:nvPicPr>
         <p:blipFill rotWithShape="1">
-          <a:blip r:embed="rId2"/>
-          <a:srcRect t="17396" b="29217"/>
+          <a:blip r:embed="rId3"/>
+          <a:srcRect b="82521"/>
           <a:stretch/>
         </p:blipFill>
         <p:spPr>
           <a:xfrm>
-            <a:off x="1024090" y="1690688"/>
-            <a:ext cx="10143819" cy="4682765"/>
+            <a:off x="2467498" y="1560416"/>
+            <a:ext cx="7252926" cy="990653"/>
           </a:xfrm>
+          <a:prstGeom prst="rect">
+            <a:avLst/>
+          </a:prstGeom>
+        </p:spPr>
+      </p:pic>
+      <p:pic>
+        <p:nvPicPr>
+          <p:cNvPr id="5" name="Picture 4">
+            <a:extLst>
+              <a:ext uri="{FF2B5EF4-FFF2-40B4-BE49-F238E27FC236}">
+                <a16:creationId xmlns:a16="http://schemas.microsoft.com/office/drawing/2014/main" id="{1DAB06E1-0B03-448D-B76F-70476D01C1E9}"/>
+              </a:ext>
+            </a:extLst>
+          </p:cNvPr>
+          <p:cNvPicPr>
+            <a:picLocks noChangeAspect="1"/>
+          </p:cNvPicPr>
+          <p:nvPr/>
+        </p:nvPicPr>
+        <p:blipFill rotWithShape="1">
+          <a:blip r:embed="rId3"/>
+          <a:srcRect t="30052"/>
+          <a:stretch/>
+        </p:blipFill>
+        <p:spPr>
+          <a:xfrm>
+            <a:off x="2467498" y="2526355"/>
+            <a:ext cx="7257003" cy="3966520"/>
+          </a:xfrm>
+          <a:prstGeom prst="rect">
+            <a:avLst/>
+          </a:prstGeom>
         </p:spPr>
       </p:pic>
     </p:spTree>
     <p:extLst>
       <p:ext uri="{BB962C8B-B14F-4D97-AF65-F5344CB8AC3E}">
-        <p14:creationId xmlns:p14="http://schemas.microsoft.com/office/powerpoint/2010/main" val="600422637"/>
+        <p14:creationId xmlns:p14="http://schemas.microsoft.com/office/powerpoint/2010/main" val="2341800432"/>
       </p:ext>
     </p:extLst>
   </p:cSld>
@@ -6201,4 +10223,299 @@
     </a:ext>
   </a:extLst>
 </a:theme>
+</file>
+
+<file path=ppt/theme/theme2.xml><?xml version="1.0" encoding="utf-8"?>
+<a:theme xmlns:a="http://schemas.openxmlformats.org/drawingml/2006/main" name="Office Theme">
+  <a:themeElements>
+    <a:clrScheme name="Office">
+      <a:dk1>
+        <a:sysClr val="windowText" lastClr="000000"/>
+      </a:dk1>
+      <a:lt1>
+        <a:sysClr val="window" lastClr="FFFFFF"/>
+      </a:lt1>
+      <a:dk2>
+        <a:srgbClr val="44546A"/>
+      </a:dk2>
+      <a:lt2>
+        <a:srgbClr val="E7E6E6"/>
+      </a:lt2>
+      <a:accent1>
+        <a:srgbClr val="4472C4"/>
+      </a:accent1>
+      <a:accent2>
+        <a:srgbClr val="ED7D31"/>
+      </a:accent2>
+      <a:accent3>
+        <a:srgbClr val="A5A5A5"/>
+      </a:accent3>
+      <a:accent4>
+        <a:srgbClr val="FFC000"/>
+      </a:accent4>
+      <a:accent5>
+        <a:srgbClr val="5B9BD5"/>
+      </a:accent5>
+      <a:accent6>
+        <a:srgbClr val="70AD47"/>
+      </a:accent6>
+      <a:hlink>
+        <a:srgbClr val="0563C1"/>
+      </a:hlink>
+      <a:folHlink>
+        <a:srgbClr val="954F72"/>
+      </a:folHlink>
+    </a:clrScheme>
+    <a:fontScheme name="Office">
+      <a:majorFont>
+        <a:latin typeface="Calibri Light" panose="020F0302020204030204"/>
+        <a:ea typeface=""/>
+        <a:cs typeface=""/>
+        <a:font script="Jpan" typeface="游ゴシック Light"/>
+        <a:font script="Hang" typeface="맑은 고딕"/>
+        <a:font script="Hans" typeface="等线 Light"/>
+        <a:font script="Hant" typeface="新細明體"/>
+        <a:font script="Arab" typeface="Times New Roman"/>
+        <a:font script="Hebr" typeface="Times New Roman"/>
+        <a:font script="Thai" typeface="Angsana New"/>
+        <a:font script="Ethi" typeface="Nyala"/>
+        <a:font script="Beng" typeface="Vrinda"/>
+        <a:font script="Gujr" typeface="Shruti"/>
+        <a:font script="Khmr" typeface="MoolBoran"/>
+        <a:font script="Knda" typeface="Tunga"/>
+        <a:font script="Guru" typeface="Raavi"/>
+        <a:font script="Cans" typeface="Euphemia"/>
+        <a:font script="Cher" typeface="Plantagenet Cherokee"/>
+        <a:font script="Yiii" typeface="Microsoft Yi Baiti"/>
+        <a:font script="Tibt" typeface="Microsoft Himalaya"/>
+        <a:font script="Thaa" typeface="MV Boli"/>
+        <a:font script="Deva" typeface="Mangal"/>
+        <a:font script="Telu" typeface="Gautami"/>
+        <a:font script="Taml" typeface="Latha"/>
+        <a:font script="Syrc" typeface="Estrangelo Edessa"/>
+        <a:font script="Orya" typeface="Kalinga"/>
+        <a:font script="Mlym" typeface="Kartika"/>
+        <a:font script="Laoo" typeface="DokChampa"/>
+        <a:font script="Sinh" typeface="Iskoola Pota"/>
+        <a:font script="Mong" typeface="Mongolian Baiti"/>
+        <a:font script="Viet" typeface="Times New Roman"/>
+        <a:font script="Uigh" typeface="Microsoft Uighur"/>
+        <a:font script="Geor" typeface="Sylfaen"/>
+        <a:font script="Armn" typeface="Arial"/>
+        <a:font script="Bugi" typeface="Leelawadee UI"/>
+        <a:font script="Bopo" typeface="Microsoft JhengHei"/>
+        <a:font script="Java" typeface="Javanese Text"/>
+        <a:font script="Lisu" typeface="Segoe UI"/>
+        <a:font script="Mymr" typeface="Myanmar Text"/>
+        <a:font script="Nkoo" typeface="Ebrima"/>
+        <a:font script="Olck" typeface="Nirmala UI"/>
+        <a:font script="Osma" typeface="Ebrima"/>
+        <a:font script="Phag" typeface="Phagspa"/>
+        <a:font script="Syrn" typeface="Estrangelo Edessa"/>
+        <a:font script="Syrj" typeface="Estrangelo Edessa"/>
+        <a:font script="Syre" typeface="Estrangelo Edessa"/>
+        <a:font script="Sora" typeface="Nirmala UI"/>
+        <a:font script="Tale" typeface="Microsoft Tai Le"/>
+        <a:font script="Talu" typeface="Microsoft New Tai Lue"/>
+        <a:font script="Tfng" typeface="Ebrima"/>
+      </a:majorFont>
+      <a:minorFont>
+        <a:latin typeface="Calibri" panose="020F0502020204030204"/>
+        <a:ea typeface=""/>
+        <a:cs typeface=""/>
+        <a:font script="Jpan" typeface="游ゴシック"/>
+        <a:font script="Hang" typeface="맑은 고딕"/>
+        <a:font script="Hans" typeface="等线"/>
+        <a:font script="Hant" typeface="新細明體"/>
+        <a:font script="Arab" typeface="Arial"/>
+        <a:font script="Hebr" typeface="Arial"/>
+        <a:font script="Thai" typeface="Cordia New"/>
+        <a:font script="Ethi" typeface="Nyala"/>
+        <a:font script="Beng" typeface="Vrinda"/>
+        <a:font script="Gujr" typeface="Shruti"/>
+        <a:font script="Khmr" typeface="DaunPenh"/>
+        <a:font script="Knda" typeface="Tunga"/>
+        <a:font script="Guru" typeface="Raavi"/>
+        <a:font script="Cans" typeface="Euphemia"/>
+        <a:font script="Cher" typeface="Plantagenet Cherokee"/>
+        <a:font script="Yiii" typeface="Microsoft Yi Baiti"/>
+        <a:font script="Tibt" typeface="Microsoft Himalaya"/>
+        <a:font script="Thaa" typeface="MV Boli"/>
+        <a:font script="Deva" typeface="Mangal"/>
+        <a:font script="Telu" typeface="Gautami"/>
+        <a:font script="Taml" typeface="Latha"/>
+        <a:font script="Syrc" typeface="Estrangelo Edessa"/>
+        <a:font script="Orya" typeface="Kalinga"/>
+        <a:font script="Mlym" typeface="Kartika"/>
+        <a:font script="Laoo" typeface="DokChampa"/>
+        <a:font script="Sinh" typeface="Iskoola Pota"/>
+        <a:font script="Mong" typeface="Mongolian Baiti"/>
+        <a:font script="Viet" typeface="Arial"/>
+        <a:font script="Uigh" typeface="Microsoft Uighur"/>
+        <a:font script="Geor" typeface="Sylfaen"/>
+        <a:font script="Armn" typeface="Arial"/>
+        <a:font script="Bugi" typeface="Leelawadee UI"/>
+        <a:font script="Bopo" typeface="Microsoft JhengHei"/>
+        <a:font script="Java" typeface="Javanese Text"/>
+        <a:font script="Lisu" typeface="Segoe UI"/>
+        <a:font script="Mymr" typeface="Myanmar Text"/>
+        <a:font script="Nkoo" typeface="Ebrima"/>
+        <a:font script="Olck" typeface="Nirmala UI"/>
+        <a:font script="Osma" typeface="Ebrima"/>
+        <a:font script="Phag" typeface="Phagspa"/>
+        <a:font script="Syrn" typeface="Estrangelo Edessa"/>
+        <a:font script="Syrj" typeface="Estrangelo Edessa"/>
+        <a:font script="Syre" typeface="Estrangelo Edessa"/>
+        <a:font script="Sora" typeface="Nirmala UI"/>
+        <a:font script="Tale" typeface="Microsoft Tai Le"/>
+        <a:font script="Talu" typeface="Microsoft New Tai Lue"/>
+        <a:font script="Tfng" typeface="Ebrima"/>
+      </a:minorFont>
+    </a:fontScheme>
+    <a:fmtScheme name="Office">
+      <a:fillStyleLst>
+        <a:solidFill>
+          <a:schemeClr val="phClr"/>
+        </a:solidFill>
+        <a:gradFill rotWithShape="1">
+          <a:gsLst>
+            <a:gs pos="0">
+              <a:schemeClr val="phClr">
+                <a:lumMod val="110000"/>
+                <a:satMod val="105000"/>
+                <a:tint val="67000"/>
+              </a:schemeClr>
+            </a:gs>
+            <a:gs pos="50000">
+              <a:schemeClr val="phClr">
+                <a:lumMod val="105000"/>
+                <a:satMod val="103000"/>
+                <a:tint val="73000"/>
+              </a:schemeClr>
+            </a:gs>
+            <a:gs pos="100000">
+              <a:schemeClr val="phClr">
+                <a:lumMod val="105000"/>
+                <a:satMod val="109000"/>
+                <a:tint val="81000"/>
+              </a:schemeClr>
+            </a:gs>
+          </a:gsLst>
+          <a:lin ang="5400000" scaled="0"/>
+        </a:gradFill>
+        <a:gradFill rotWithShape="1">
+          <a:gsLst>
+            <a:gs pos="0">
+              <a:schemeClr val="phClr">
+                <a:satMod val="103000"/>
+                <a:lumMod val="102000"/>
+                <a:tint val="94000"/>
+              </a:schemeClr>
+            </a:gs>
+            <a:gs pos="50000">
+              <a:schemeClr val="phClr">
+                <a:satMod val="110000"/>
+                <a:lumMod val="100000"/>
+                <a:shade val="100000"/>
+              </a:schemeClr>
+            </a:gs>
+            <a:gs pos="100000">
+              <a:schemeClr val="phClr">
+                <a:lumMod val="99000"/>
+                <a:satMod val="120000"/>
+                <a:shade val="78000"/>
+              </a:schemeClr>
+            </a:gs>
+          </a:gsLst>
+          <a:lin ang="5400000" scaled="0"/>
+        </a:gradFill>
+      </a:fillStyleLst>
+      <a:lnStyleLst>
+        <a:ln w="6350" cap="flat" cmpd="sng" algn="ctr">
+          <a:solidFill>
+            <a:schemeClr val="phClr"/>
+          </a:solidFill>
+          <a:prstDash val="solid"/>
+          <a:miter lim="800000"/>
+        </a:ln>
+        <a:ln w="12700" cap="flat" cmpd="sng" algn="ctr">
+          <a:solidFill>
+            <a:schemeClr val="phClr"/>
+          </a:solidFill>
+          <a:prstDash val="solid"/>
+          <a:miter lim="800000"/>
+        </a:ln>
+        <a:ln w="19050" cap="flat" cmpd="sng" algn="ctr">
+          <a:solidFill>
+            <a:schemeClr val="phClr"/>
+          </a:solidFill>
+          <a:prstDash val="solid"/>
+          <a:miter lim="800000"/>
+        </a:ln>
+      </a:lnStyleLst>
+      <a:effectStyleLst>
+        <a:effectStyle>
+          <a:effectLst/>
+        </a:effectStyle>
+        <a:effectStyle>
+          <a:effectLst/>
+        </a:effectStyle>
+        <a:effectStyle>
+          <a:effectLst>
+            <a:outerShdw blurRad="57150" dist="19050" dir="5400000" algn="ctr" rotWithShape="0">
+              <a:srgbClr val="000000">
+                <a:alpha val="63000"/>
+              </a:srgbClr>
+            </a:outerShdw>
+          </a:effectLst>
+        </a:effectStyle>
+      </a:effectStyleLst>
+      <a:bgFillStyleLst>
+        <a:solidFill>
+          <a:schemeClr val="phClr"/>
+        </a:solidFill>
+        <a:solidFill>
+          <a:schemeClr val="phClr">
+            <a:tint val="95000"/>
+            <a:satMod val="170000"/>
+          </a:schemeClr>
+        </a:solidFill>
+        <a:gradFill rotWithShape="1">
+          <a:gsLst>
+            <a:gs pos="0">
+              <a:schemeClr val="phClr">
+                <a:tint val="93000"/>
+                <a:satMod val="150000"/>
+                <a:shade val="98000"/>
+                <a:lumMod val="102000"/>
+              </a:schemeClr>
+            </a:gs>
+            <a:gs pos="50000">
+              <a:schemeClr val="phClr">
+                <a:tint val="98000"/>
+                <a:satMod val="130000"/>
+                <a:shade val="90000"/>
+                <a:lumMod val="103000"/>
+              </a:schemeClr>
+            </a:gs>
+            <a:gs pos="100000">
+              <a:schemeClr val="phClr">
+                <a:shade val="63000"/>
+                <a:satMod val="120000"/>
+              </a:schemeClr>
+            </a:gs>
+          </a:gsLst>
+          <a:lin ang="5400000" scaled="0"/>
+        </a:gradFill>
+      </a:bgFillStyleLst>
+    </a:fmtScheme>
+  </a:themeElements>
+  <a:objectDefaults/>
+  <a:extraClrSchemeLst/>
+  <a:extLst>
+    <a:ext uri="{05A4C25C-085E-4340-85A3-A5531E510DB2}">
+      <thm15:themeFamily xmlns:thm15="http://schemas.microsoft.com/office/thememl/2012/main" name="Office Theme" id="{62F939B6-93AF-4DB8-9C6B-D6C7DFDC589F}" vid="{4A3C46E8-61CC-4603-A589-7422A47A8E4A}"/>
+    </a:ext>
+  </a:extLst>
+</a:theme>
 </file>